--- a/slides/qgis.pptx
+++ b/slides/qgis.pptx
@@ -5,7 +5,7 @@
     <p:sldMasterId id="2147483648" r:id="rId1"/>
   </p:sldMasterIdLst>
   <p:notesMasterIdLst>
-    <p:notesMasterId r:id="rId18"/>
+    <p:notesMasterId r:id="rId19"/>
   </p:notesMasterIdLst>
   <p:sldIdLst>
     <p:sldId id="256" r:id="rId2"/>
@@ -21,37 +21,38 @@
     <p:sldId id="330" r:id="rId12"/>
     <p:sldId id="331" r:id="rId13"/>
     <p:sldId id="332" r:id="rId14"/>
-    <p:sldId id="337" r:id="rId15"/>
-    <p:sldId id="333" r:id="rId16"/>
-    <p:sldId id="334" r:id="rId17"/>
+    <p:sldId id="340" r:id="rId15"/>
+    <p:sldId id="337" r:id="rId16"/>
+    <p:sldId id="333" r:id="rId17"/>
+    <p:sldId id="334" r:id="rId18"/>
   </p:sldIdLst>
   <p:sldSz cx="9144000" cy="6858000" type="screen4x3"/>
   <p:notesSz cx="6858000" cy="9144000"/>
   <p:embeddedFontLst>
     <p:embeddedFont>
       <p:font typeface="Arial Black" panose="020B0A04020102020204" pitchFamily="34" charset="0"/>
-      <p:bold r:id="rId19"/>
+      <p:bold r:id="rId20"/>
     </p:embeddedFont>
     <p:embeddedFont>
       <p:font typeface="Arial Narrow" panose="020B0606020202030204" pitchFamily="34" charset="0"/>
-      <p:regular r:id="rId20"/>
-      <p:bold r:id="rId21"/>
-      <p:italic r:id="rId22"/>
-      <p:boldItalic r:id="rId23"/>
+      <p:regular r:id="rId21"/>
+      <p:bold r:id="rId22"/>
+      <p:italic r:id="rId23"/>
+      <p:boldItalic r:id="rId24"/>
     </p:embeddedFont>
     <p:embeddedFont>
       <p:font typeface="Century Gothic" panose="020B0502020202020204" pitchFamily="34" charset="0"/>
-      <p:regular r:id="rId24"/>
-      <p:bold r:id="rId25"/>
-      <p:italic r:id="rId26"/>
-      <p:boldItalic r:id="rId27"/>
+      <p:regular r:id="rId25"/>
+      <p:bold r:id="rId26"/>
+      <p:italic r:id="rId27"/>
+      <p:boldItalic r:id="rId28"/>
     </p:embeddedFont>
     <p:embeddedFont>
       <p:font typeface="Verdana" panose="020B0604030504040204" pitchFamily="34" charset="0"/>
-      <p:regular r:id="rId28"/>
-      <p:bold r:id="rId29"/>
-      <p:italic r:id="rId30"/>
-      <p:boldItalic r:id="rId31"/>
+      <p:regular r:id="rId29"/>
+      <p:bold r:id="rId30"/>
+      <p:italic r:id="rId31"/>
+      <p:boldItalic r:id="rId32"/>
     </p:embeddedFont>
   </p:embeddedFontLst>
   <p:defaultTextStyle>
@@ -2238,7 +2239,7 @@
   <p:cSld>
     <p:spTree>
       <p:nvGrpSpPr>
-        <p:cNvPr id="1" name="Shape 67"/>
+        <p:cNvPr id="1" name="Shape 79"/>
         <p:cNvGrpSpPr/>
         <p:nvPr/>
       </p:nvGrpSpPr>
@@ -2252,45 +2253,53 @@
       </p:grpSpPr>
       <p:sp>
         <p:nvSpPr>
-          <p:cNvPr id="68" name="Google Shape;68;p3:notes"/>
+          <p:cNvPr id="80" name="Google Shape;80;p5:notes"/>
           <p:cNvSpPr txBox="1">
             <a:spLocks noGrp="1"/>
           </p:cNvSpPr>
           <p:nvPr>
-            <p:ph type="body" idx="1"/>
+            <p:ph type="sldNum" idx="12"/>
           </p:nvPr>
         </p:nvSpPr>
         <p:spPr>
           <a:xfrm>
-            <a:off x="685800" y="4343400"/>
-            <a:ext cx="5486400" cy="4114800"/>
-          </a:xfrm>
-          <a:prstGeom prst="rect">
-            <a:avLst/>
-          </a:prstGeom>
+            <a:off x="3884613" y="8685213"/>
+            <a:ext cx="2971800" cy="457200"/>
+          </a:xfrm>
+          <a:prstGeom prst="rect">
+            <a:avLst/>
+          </a:prstGeom>
+          <a:noFill/>
+          <a:ln>
+            <a:noFill/>
+          </a:ln>
         </p:spPr>
         <p:txBody>
-          <a:bodyPr spcFirstLastPara="1" wrap="square" lIns="91425" tIns="45700" rIns="91425" bIns="45700" anchor="t" anchorCtr="0">
+          <a:bodyPr spcFirstLastPara="1" wrap="square" lIns="91425" tIns="45700" rIns="91425" bIns="45700" anchor="b" anchorCtr="0">
             <a:noAutofit/>
           </a:bodyPr>
           <a:lstStyle/>
           <a:p>
-            <a:pPr marL="0" lvl="0" indent="0" algn="l" rtl="0">
-              <a:spcBef>
-                <a:spcPts val="360"/>
+            <a:pPr marL="0" lvl="0" indent="0" algn="r" rtl="0">
+              <a:spcBef>
+                <a:spcPts val="0"/>
               </a:spcBef>
               <a:spcAft>
                 <a:spcPts val="0"/>
               </a:spcAft>
               <a:buNone/>
             </a:pPr>
+            <a:fld id="{00000000-1234-1234-1234-123412341234}" type="slidenum">
+              <a:rPr lang="fr-CH"/>
+              <a:t>14</a:t>
+            </a:fld>
             <a:endParaRPr/>
           </a:p>
         </p:txBody>
       </p:sp>
       <p:sp>
         <p:nvSpPr>
-          <p:cNvPr id="69" name="Google Shape;69;p3:notes"/>
+          <p:cNvPr id="81" name="Google Shape;81;p5:notes"/>
           <p:cNvSpPr>
             <a:spLocks noGrp="1" noRot="1" noChangeAspect="1"/>
           </p:cNvSpPr>
@@ -2300,8 +2309,8 @@
         </p:nvSpPr>
         <p:spPr>
           <a:xfrm>
-            <a:off x="1143000" y="685800"/>
-            <a:ext cx="4572000" cy="3429000"/>
+            <a:off x="1144588" y="687388"/>
+            <a:ext cx="4568825" cy="3427412"/>
           </a:xfrm>
           <a:custGeom>
             <a:avLst/>
@@ -2327,12 +2336,104 @@
               </a:path>
             </a:pathLst>
           </a:custGeom>
-        </p:spPr>
+          <a:noFill/>
+          <a:ln>
+            <a:noFill/>
+          </a:ln>
+        </p:spPr>
+      </p:sp>
+      <p:sp>
+        <p:nvSpPr>
+          <p:cNvPr id="82" name="Google Shape;82;p5:notes"/>
+          <p:cNvSpPr txBox="1">
+            <a:spLocks noGrp="1"/>
+          </p:cNvSpPr>
+          <p:nvPr>
+            <p:ph type="body" idx="1"/>
+          </p:nvPr>
+        </p:nvSpPr>
+        <p:spPr>
+          <a:xfrm>
+            <a:off x="685800" y="4343400"/>
+            <a:ext cx="5486400" cy="4114800"/>
+          </a:xfrm>
+          <a:prstGeom prst="rect">
+            <a:avLst/>
+          </a:prstGeom>
+          <a:noFill/>
+          <a:ln>
+            <a:noFill/>
+          </a:ln>
+        </p:spPr>
+        <p:txBody>
+          <a:bodyPr spcFirstLastPara="1" wrap="square" lIns="91425" tIns="45700" rIns="91425" bIns="45700" anchor="t" anchorCtr="0">
+            <a:noAutofit/>
+          </a:bodyPr>
+          <a:lstStyle/>
+          <a:p>
+            <a:pPr marL="0" lvl="0" indent="0" algn="l" rtl="0">
+              <a:spcBef>
+                <a:spcPts val="0"/>
+              </a:spcBef>
+              <a:spcAft>
+                <a:spcPts val="0"/>
+              </a:spcAft>
+              <a:buNone/>
+            </a:pPr>
+            <a:endParaRPr/>
+          </a:p>
+        </p:txBody>
+      </p:sp>
+      <p:sp>
+        <p:nvSpPr>
+          <p:cNvPr id="83" name="Google Shape;83;p5:notes"/>
+          <p:cNvSpPr txBox="1">
+            <a:spLocks noGrp="1"/>
+          </p:cNvSpPr>
+          <p:nvPr>
+            <p:ph type="ftr" idx="11"/>
+          </p:nvPr>
+        </p:nvSpPr>
+        <p:spPr>
+          <a:xfrm>
+            <a:off x="0" y="8685213"/>
+            <a:ext cx="2971800" cy="457200"/>
+          </a:xfrm>
+          <a:prstGeom prst="rect">
+            <a:avLst/>
+          </a:prstGeom>
+          <a:noFill/>
+          <a:ln>
+            <a:noFill/>
+          </a:ln>
+        </p:spPr>
+        <p:txBody>
+          <a:bodyPr spcFirstLastPara="1" wrap="square" lIns="91425" tIns="45700" rIns="91425" bIns="45700" anchor="b" anchorCtr="0">
+            <a:noAutofit/>
+          </a:bodyPr>
+          <a:lstStyle/>
+          <a:p>
+            <a:pPr marL="0" lvl="0" indent="0" algn="l" rtl="0">
+              <a:spcBef>
+                <a:spcPts val="0"/>
+              </a:spcBef>
+              <a:spcAft>
+                <a:spcPts val="0"/>
+              </a:spcAft>
+              <a:buNone/>
+            </a:pPr>
+            <a:r>
+              <a:rPr lang="fr-CH"/>
+              <a:t>CF-geo présentation</a:t>
+            </a:r>
+            <a:endParaRPr/>
+          </a:p>
+        </p:txBody>
       </p:sp>
     </p:spTree>
     <p:extLst>
       <p:ext uri="{BB962C8B-B14F-4D97-AF65-F5344CB8AC3E}">
-        <p14:creationId xmlns:p14="http://schemas.microsoft.com/office/powerpoint/2010/main" val="1606852045"/>
+        <p14:creationId xmlns:p14="http://schemas.microsoft.com/office/powerpoint/2010/main" val="1385263341"/>
       </p:ext>
     </p:extLst>
   </p:cSld>
@@ -2441,6 +2542,115 @@
     </p:spTree>
     <p:extLst>
       <p:ext uri="{BB962C8B-B14F-4D97-AF65-F5344CB8AC3E}">
+        <p14:creationId xmlns:p14="http://schemas.microsoft.com/office/powerpoint/2010/main" val="1606852045"/>
+      </p:ext>
+    </p:extLst>
+  </p:cSld>
+  <p:clrMapOvr>
+    <a:masterClrMapping/>
+  </p:clrMapOvr>
+</p:notes>
+</file>
+
+<file path=ppt/notesSlides/notesSlide16.xml><?xml version="1.0" encoding="utf-8"?>
+<p:notes xmlns:a="http://schemas.openxmlformats.org/drawingml/2006/main" xmlns:r="http://schemas.openxmlformats.org/officeDocument/2006/relationships" xmlns:p="http://schemas.openxmlformats.org/presentationml/2006/main" showMasterSp="0" showMasterPhAnim="0">
+  <p:cSld>
+    <p:spTree>
+      <p:nvGrpSpPr>
+        <p:cNvPr id="1" name="Shape 67"/>
+        <p:cNvGrpSpPr/>
+        <p:nvPr/>
+      </p:nvGrpSpPr>
+      <p:grpSpPr>
+        <a:xfrm>
+          <a:off x="0" y="0"/>
+          <a:ext cx="0" cy="0"/>
+          <a:chOff x="0" y="0"/>
+          <a:chExt cx="0" cy="0"/>
+        </a:xfrm>
+      </p:grpSpPr>
+      <p:sp>
+        <p:nvSpPr>
+          <p:cNvPr id="68" name="Google Shape;68;p3:notes"/>
+          <p:cNvSpPr txBox="1">
+            <a:spLocks noGrp="1"/>
+          </p:cNvSpPr>
+          <p:nvPr>
+            <p:ph type="body" idx="1"/>
+          </p:nvPr>
+        </p:nvSpPr>
+        <p:spPr>
+          <a:xfrm>
+            <a:off x="685800" y="4343400"/>
+            <a:ext cx="5486400" cy="4114800"/>
+          </a:xfrm>
+          <a:prstGeom prst="rect">
+            <a:avLst/>
+          </a:prstGeom>
+        </p:spPr>
+        <p:txBody>
+          <a:bodyPr spcFirstLastPara="1" wrap="square" lIns="91425" tIns="45700" rIns="91425" bIns="45700" anchor="t" anchorCtr="0">
+            <a:noAutofit/>
+          </a:bodyPr>
+          <a:lstStyle/>
+          <a:p>
+            <a:pPr marL="0" lvl="0" indent="0" algn="l" rtl="0">
+              <a:spcBef>
+                <a:spcPts val="360"/>
+              </a:spcBef>
+              <a:spcAft>
+                <a:spcPts val="0"/>
+              </a:spcAft>
+              <a:buNone/>
+            </a:pPr>
+            <a:endParaRPr/>
+          </a:p>
+        </p:txBody>
+      </p:sp>
+      <p:sp>
+        <p:nvSpPr>
+          <p:cNvPr id="69" name="Google Shape;69;p3:notes"/>
+          <p:cNvSpPr>
+            <a:spLocks noGrp="1" noRot="1" noChangeAspect="1"/>
+          </p:cNvSpPr>
+          <p:nvPr>
+            <p:ph type="sldImg" idx="2"/>
+          </p:nvPr>
+        </p:nvSpPr>
+        <p:spPr>
+          <a:xfrm>
+            <a:off x="1143000" y="685800"/>
+            <a:ext cx="4572000" cy="3429000"/>
+          </a:xfrm>
+          <a:custGeom>
+            <a:avLst/>
+            <a:gdLst/>
+            <a:ahLst/>
+            <a:cxnLst/>
+            <a:rect l="l" t="t" r="r" b="b"/>
+            <a:pathLst>
+              <a:path w="120000" h="120000" extrusionOk="0">
+                <a:moveTo>
+                  <a:pt x="0" y="0"/>
+                </a:moveTo>
+                <a:lnTo>
+                  <a:pt x="120000" y="0"/>
+                </a:lnTo>
+                <a:lnTo>
+                  <a:pt x="120000" y="120000"/>
+                </a:lnTo>
+                <a:lnTo>
+                  <a:pt x="0" y="120000"/>
+                </a:lnTo>
+                <a:close/>
+              </a:path>
+            </a:pathLst>
+          </a:custGeom>
+        </p:spPr>
+      </p:sp>
+    </p:spTree>
+    <p:extLst>
+      <p:ext uri="{BB962C8B-B14F-4D97-AF65-F5344CB8AC3E}">
         <p14:creationId xmlns:p14="http://schemas.microsoft.com/office/powerpoint/2010/main" val="278965142"/>
       </p:ext>
     </p:extLst>
@@ -2451,7 +2661,7 @@
 </p:notes>
 </file>
 
-<file path=ppt/notesSlides/notesSlide16.xml><?xml version="1.0" encoding="utf-8"?>
+<file path=ppt/notesSlides/notesSlide17.xml><?xml version="1.0" encoding="utf-8"?>
 <p:notes xmlns:a="http://schemas.openxmlformats.org/drawingml/2006/main" xmlns:r="http://schemas.openxmlformats.org/officeDocument/2006/relationships" xmlns:p="http://schemas.openxmlformats.org/presentationml/2006/main" showMasterSp="0" showMasterPhAnim="0">
   <p:cSld>
     <p:spTree>
@@ -6646,7 +6856,7 @@
         </p:blipFill>
         <p:spPr>
           <a:xfrm>
-            <a:off x="1290565" y="1806575"/>
+            <a:off x="1315965" y="1527175"/>
             <a:ext cx="7012964" cy="4018491"/>
           </a:xfrm>
           <a:prstGeom prst="rect">
@@ -6654,6 +6864,52 @@
           </a:prstGeom>
         </p:spPr>
       </p:pic>
+      <p:sp>
+        <p:nvSpPr>
+          <p:cNvPr id="5" name="TextBox 4">
+            <a:extLst>
+              <a:ext uri="{FF2B5EF4-FFF2-40B4-BE49-F238E27FC236}">
+                <a16:creationId xmlns:a16="http://schemas.microsoft.com/office/drawing/2014/main" id="{D42C1EE7-18C2-435E-8DC1-22F0EC1C7A78}"/>
+              </a:ext>
+            </a:extLst>
+          </p:cNvPr>
+          <p:cNvSpPr txBox="1"/>
+          <p:nvPr/>
+        </p:nvSpPr>
+        <p:spPr>
+          <a:xfrm>
+            <a:off x="1665817" y="5875866"/>
+            <a:ext cx="4652432" cy="738664"/>
+          </a:xfrm>
+          <a:prstGeom prst="rect">
+            <a:avLst/>
+          </a:prstGeom>
+          <a:noFill/>
+        </p:spPr>
+        <p:txBody>
+          <a:bodyPr wrap="square">
+            <a:spAutoFit/>
+          </a:bodyPr>
+          <a:lstStyle/>
+          <a:p>
+            <a:r>
+              <a:rPr lang="en-GB" dirty="0"/>
+              <a:t>WCS allows clients to choose portions of a server's information holdings based on spatial constraints and other </a:t>
+            </a:r>
+            <a:r>
+              <a:rPr lang="en-GB" dirty="0">
+                <a:hlinkClick r:id="rId4" tooltip="Query string"/>
+              </a:rPr>
+              <a:t>query</a:t>
+            </a:r>
+            <a:r>
+              <a:rPr lang="en-GB" dirty="0"/>
+              <a:t> criteria</a:t>
+            </a:r>
+            <a:endParaRPr lang="fr-CH" dirty="0"/>
+          </a:p>
+        </p:txBody>
+      </p:sp>
     </p:spTree>
     <p:extLst>
       <p:ext uri="{BB962C8B-B14F-4D97-AF65-F5344CB8AC3E}">
@@ -6668,6 +6924,418 @@
 </file>
 
 <file path=ppt/slides/slide14.xml><?xml version="1.0" encoding="utf-8"?>
+<p:sld xmlns:a="http://schemas.openxmlformats.org/drawingml/2006/main" xmlns:r="http://schemas.openxmlformats.org/officeDocument/2006/relationships" xmlns:p="http://schemas.openxmlformats.org/presentationml/2006/main" showMasterSp="0">
+  <p:cSld>
+    <p:spTree>
+      <p:nvGrpSpPr>
+        <p:cNvPr id="1" name="Shape 84"/>
+        <p:cNvGrpSpPr/>
+        <p:nvPr/>
+      </p:nvGrpSpPr>
+      <p:grpSpPr>
+        <a:xfrm>
+          <a:off x="0" y="0"/>
+          <a:ext cx="0" cy="0"/>
+          <a:chOff x="0" y="0"/>
+          <a:chExt cx="0" cy="0"/>
+        </a:xfrm>
+      </p:grpSpPr>
+      <p:sp>
+        <p:nvSpPr>
+          <p:cNvPr id="85" name="Google Shape;85;p5"/>
+          <p:cNvSpPr txBox="1">
+            <a:spLocks noGrp="1"/>
+          </p:cNvSpPr>
+          <p:nvPr>
+            <p:ph type="title" idx="4294967295"/>
+          </p:nvPr>
+        </p:nvSpPr>
+        <p:spPr>
+          <a:xfrm>
+            <a:off x="1196975" y="0"/>
+            <a:ext cx="7947025" cy="1196975"/>
+          </a:xfrm>
+          <a:prstGeom prst="rect">
+            <a:avLst/>
+          </a:prstGeom>
+          <a:gradFill>
+            <a:gsLst>
+              <a:gs pos="0">
+                <a:srgbClr val="FFFFFF">
+                  <a:alpha val="45882"/>
+                </a:srgbClr>
+              </a:gs>
+              <a:gs pos="100000">
+                <a:srgbClr val="0070C0"/>
+              </a:gs>
+            </a:gsLst>
+            <a:lin ang="0" scaled="0"/>
+          </a:gradFill>
+          <a:ln>
+            <a:noFill/>
+          </a:ln>
+        </p:spPr>
+        <p:txBody>
+          <a:bodyPr spcFirstLastPara="1" wrap="square" lIns="91425" tIns="45700" rIns="91425" bIns="45700" anchor="ctr" anchorCtr="0">
+            <a:noAutofit/>
+          </a:bodyPr>
+          <a:lstStyle/>
+          <a:p>
+            <a:pPr marL="0" lvl="0" indent="0" algn="r" rtl="0">
+              <a:spcBef>
+                <a:spcPts val="0"/>
+              </a:spcBef>
+              <a:spcAft>
+                <a:spcPts val="0"/>
+              </a:spcAft>
+              <a:buNone/>
+            </a:pPr>
+            <a:r>
+              <a:rPr lang="fr-CH" dirty="0">
+                <a:solidFill>
+                  <a:schemeClr val="accent4"/>
+                </a:solidFill>
+              </a:rPr>
+              <a:t>EXERCICE</a:t>
+            </a:r>
+            <a:endParaRPr dirty="0">
+              <a:solidFill>
+                <a:schemeClr val="accent4"/>
+              </a:solidFill>
+            </a:endParaRPr>
+          </a:p>
+        </p:txBody>
+      </p:sp>
+      <p:pic>
+        <p:nvPicPr>
+          <p:cNvPr id="86" name="Google Shape;86;p5"/>
+          <p:cNvPicPr preferRelativeResize="0"/>
+          <p:nvPr/>
+        </p:nvPicPr>
+        <p:blipFill rotWithShape="1">
+          <a:blip r:embed="rId3">
+            <a:alphaModFix/>
+          </a:blip>
+          <a:srcRect/>
+          <a:stretch/>
+        </p:blipFill>
+        <p:spPr>
+          <a:xfrm>
+            <a:off x="107504" y="116632"/>
+            <a:ext cx="725050" cy="720977"/>
+          </a:xfrm>
+          <a:prstGeom prst="rect">
+            <a:avLst/>
+          </a:prstGeom>
+          <a:noFill/>
+          <a:ln>
+            <a:noFill/>
+          </a:ln>
+        </p:spPr>
+      </p:pic>
+      <p:sp>
+        <p:nvSpPr>
+          <p:cNvPr id="2" name="TextBox 1">
+            <a:extLst>
+              <a:ext uri="{FF2B5EF4-FFF2-40B4-BE49-F238E27FC236}">
+                <a16:creationId xmlns:a16="http://schemas.microsoft.com/office/drawing/2014/main" id="{374207FF-839A-4AE2-A342-BC86793CC55C}"/>
+              </a:ext>
+            </a:extLst>
+          </p:cNvPr>
+          <p:cNvSpPr txBox="1"/>
+          <p:nvPr/>
+        </p:nvSpPr>
+        <p:spPr>
+          <a:xfrm>
+            <a:off x="468743" y="1689084"/>
+            <a:ext cx="6375400" cy="369332"/>
+          </a:xfrm>
+          <a:prstGeom prst="rect">
+            <a:avLst/>
+          </a:prstGeom>
+          <a:noFill/>
+        </p:spPr>
+        <p:txBody>
+          <a:bodyPr wrap="square" rtlCol="0">
+            <a:spAutoFit/>
+          </a:bodyPr>
+          <a:lstStyle/>
+          <a:p>
+            <a:r>
+              <a:rPr lang="en-GB" sz="1800" b="1" dirty="0" err="1"/>
+              <a:t>Création</a:t>
+            </a:r>
+            <a:r>
+              <a:rPr lang="en-GB" sz="1800" b="1" dirty="0"/>
+              <a:t> de la carte</a:t>
+            </a:r>
+          </a:p>
+        </p:txBody>
+      </p:sp>
+      <p:pic>
+        <p:nvPicPr>
+          <p:cNvPr id="5" name="Picture 4">
+            <a:extLst>
+              <a:ext uri="{FF2B5EF4-FFF2-40B4-BE49-F238E27FC236}">
+                <a16:creationId xmlns:a16="http://schemas.microsoft.com/office/drawing/2014/main" id="{BAE3657D-E0DE-479B-BA84-B0846C8C9271}"/>
+              </a:ext>
+            </a:extLst>
+          </p:cNvPr>
+          <p:cNvPicPr>
+            <a:picLocks noChangeAspect="1"/>
+          </p:cNvPicPr>
+          <p:nvPr/>
+        </p:nvPicPr>
+        <p:blipFill>
+          <a:blip r:embed="rId4"/>
+          <a:stretch>
+            <a:fillRect/>
+          </a:stretch>
+        </p:blipFill>
+        <p:spPr>
+          <a:xfrm>
+            <a:off x="584200" y="2233116"/>
+            <a:ext cx="720000" cy="720000"/>
+          </a:xfrm>
+          <a:prstGeom prst="rect">
+            <a:avLst/>
+          </a:prstGeom>
+        </p:spPr>
+      </p:pic>
+      <p:sp>
+        <p:nvSpPr>
+          <p:cNvPr id="8" name="TextBox 7">
+            <a:extLst>
+              <a:ext uri="{FF2B5EF4-FFF2-40B4-BE49-F238E27FC236}">
+                <a16:creationId xmlns:a16="http://schemas.microsoft.com/office/drawing/2014/main" id="{AFEFF684-C225-481A-AAEC-846FAC23F3A4}"/>
+              </a:ext>
+            </a:extLst>
+          </p:cNvPr>
+          <p:cNvSpPr txBox="1"/>
+          <p:nvPr/>
+        </p:nvSpPr>
+        <p:spPr>
+          <a:xfrm>
+            <a:off x="1591734" y="4422070"/>
+            <a:ext cx="6375400" cy="307777"/>
+          </a:xfrm>
+          <a:prstGeom prst="rect">
+            <a:avLst/>
+          </a:prstGeom>
+          <a:noFill/>
+        </p:spPr>
+        <p:txBody>
+          <a:bodyPr wrap="square" rtlCol="0">
+            <a:spAutoFit/>
+          </a:bodyPr>
+          <a:lstStyle/>
+          <a:p>
+            <a:r>
+              <a:rPr lang="en-GB" dirty="0"/>
+              <a:t>15 min</a:t>
+            </a:r>
+          </a:p>
+        </p:txBody>
+      </p:sp>
+      <p:sp>
+        <p:nvSpPr>
+          <p:cNvPr id="9" name="TextBox 8">
+            <a:extLst>
+              <a:ext uri="{FF2B5EF4-FFF2-40B4-BE49-F238E27FC236}">
+                <a16:creationId xmlns:a16="http://schemas.microsoft.com/office/drawing/2014/main" id="{6EEC1985-47CC-45C2-8DF3-A0E5DE7D5C56}"/>
+              </a:ext>
+            </a:extLst>
+          </p:cNvPr>
+          <p:cNvSpPr txBox="1"/>
+          <p:nvPr/>
+        </p:nvSpPr>
+        <p:spPr>
+          <a:xfrm>
+            <a:off x="1591734" y="3305838"/>
+            <a:ext cx="6375400" cy="738664"/>
+          </a:xfrm>
+          <a:prstGeom prst="rect">
+            <a:avLst/>
+          </a:prstGeom>
+          <a:noFill/>
+        </p:spPr>
+        <p:txBody>
+          <a:bodyPr wrap="square" rtlCol="0">
+            <a:spAutoFit/>
+          </a:bodyPr>
+          <a:lstStyle/>
+          <a:p>
+            <a:r>
+              <a:rPr lang="fr-FR" dirty="0"/>
+              <a:t>Pas d’instruction. Soyez créatifs !</a:t>
+            </a:r>
+          </a:p>
+          <a:p>
+            <a:r>
+              <a:rPr lang="fr-FR" dirty="0"/>
+              <a:t>https://www.flickr.com/groups/qgis/pool/</a:t>
+            </a:r>
+          </a:p>
+          <a:p>
+            <a:endParaRPr lang="fr-FR" dirty="0"/>
+          </a:p>
+        </p:txBody>
+      </p:sp>
+      <p:pic>
+        <p:nvPicPr>
+          <p:cNvPr id="7" name="Picture 6">
+            <a:extLst>
+              <a:ext uri="{FF2B5EF4-FFF2-40B4-BE49-F238E27FC236}">
+                <a16:creationId xmlns:a16="http://schemas.microsoft.com/office/drawing/2014/main" id="{0397F167-12B7-4650-A9B7-DB41731C18C8}"/>
+              </a:ext>
+            </a:extLst>
+          </p:cNvPr>
+          <p:cNvPicPr>
+            <a:picLocks noChangeAspect="1"/>
+          </p:cNvPicPr>
+          <p:nvPr/>
+        </p:nvPicPr>
+        <p:blipFill>
+          <a:blip r:embed="rId5"/>
+          <a:stretch>
+            <a:fillRect/>
+          </a:stretch>
+        </p:blipFill>
+        <p:spPr>
+          <a:xfrm>
+            <a:off x="573945" y="3199470"/>
+            <a:ext cx="730255" cy="656305"/>
+          </a:xfrm>
+          <a:prstGeom prst="rect">
+            <a:avLst/>
+          </a:prstGeom>
+        </p:spPr>
+      </p:pic>
+      <p:pic>
+        <p:nvPicPr>
+          <p:cNvPr id="11" name="Picture 10">
+            <a:extLst>
+              <a:ext uri="{FF2B5EF4-FFF2-40B4-BE49-F238E27FC236}">
+                <a16:creationId xmlns:a16="http://schemas.microsoft.com/office/drawing/2014/main" id="{EC91C96D-E29D-4BD5-A105-3C2C5E4EA381}"/>
+              </a:ext>
+            </a:extLst>
+          </p:cNvPr>
+          <p:cNvPicPr>
+            <a:picLocks noChangeAspect="1"/>
+          </p:cNvPicPr>
+          <p:nvPr/>
+        </p:nvPicPr>
+        <p:blipFill>
+          <a:blip r:embed="rId6"/>
+          <a:stretch>
+            <a:fillRect/>
+          </a:stretch>
+        </p:blipFill>
+        <p:spPr>
+          <a:xfrm>
+            <a:off x="651932" y="4247549"/>
+            <a:ext cx="660499" cy="673753"/>
+          </a:xfrm>
+          <a:prstGeom prst="rect">
+            <a:avLst/>
+          </a:prstGeom>
+        </p:spPr>
+      </p:pic>
+      <p:sp>
+        <p:nvSpPr>
+          <p:cNvPr id="14" name="TextBox 13">
+            <a:extLst>
+              <a:ext uri="{FF2B5EF4-FFF2-40B4-BE49-F238E27FC236}">
+                <a16:creationId xmlns:a16="http://schemas.microsoft.com/office/drawing/2014/main" id="{87FC9565-0ACC-47DF-8971-28A327A074A8}"/>
+              </a:ext>
+            </a:extLst>
+          </p:cNvPr>
+          <p:cNvSpPr txBox="1"/>
+          <p:nvPr/>
+        </p:nvSpPr>
+        <p:spPr>
+          <a:xfrm>
+            <a:off x="1540934" y="2435930"/>
+            <a:ext cx="6375400" cy="307777"/>
+          </a:xfrm>
+          <a:prstGeom prst="rect">
+            <a:avLst/>
+          </a:prstGeom>
+          <a:noFill/>
+        </p:spPr>
+        <p:txBody>
+          <a:bodyPr wrap="square" rtlCol="0">
+            <a:spAutoFit/>
+          </a:bodyPr>
+          <a:lstStyle/>
+          <a:p>
+            <a:r>
+              <a:rPr lang="en-GB" dirty="0"/>
+              <a:t>Objectif : </a:t>
+            </a:r>
+            <a:r>
+              <a:rPr lang="en-GB" dirty="0" err="1"/>
+              <a:t>monter</a:t>
+            </a:r>
+            <a:r>
+              <a:rPr lang="en-GB" dirty="0"/>
+              <a:t> le </a:t>
+            </a:r>
+            <a:r>
+              <a:rPr lang="en-GB" dirty="0" err="1"/>
+              <a:t>projet</a:t>
+            </a:r>
+            <a:r>
+              <a:rPr lang="en-GB" dirty="0"/>
+              <a:t> QGIS</a:t>
+            </a:r>
+          </a:p>
+        </p:txBody>
+      </p:sp>
+      <p:pic>
+        <p:nvPicPr>
+          <p:cNvPr id="13" name="Picture 12">
+            <a:extLst>
+              <a:ext uri="{FF2B5EF4-FFF2-40B4-BE49-F238E27FC236}">
+                <a16:creationId xmlns:a16="http://schemas.microsoft.com/office/drawing/2014/main" id="{4AFB1680-2AF4-4C37-985D-3AB116288C9C}"/>
+              </a:ext>
+            </a:extLst>
+          </p:cNvPr>
+          <p:cNvPicPr>
+            <a:picLocks noChangeAspect="1"/>
+          </p:cNvPicPr>
+          <p:nvPr/>
+        </p:nvPicPr>
+        <p:blipFill>
+          <a:blip r:embed="rId7"/>
+          <a:stretch>
+            <a:fillRect/>
+          </a:stretch>
+        </p:blipFill>
+        <p:spPr>
+          <a:xfrm>
+            <a:off x="2906295" y="4852570"/>
+            <a:ext cx="5973009" cy="1733792"/>
+          </a:xfrm>
+          <a:prstGeom prst="rect">
+            <a:avLst/>
+          </a:prstGeom>
+        </p:spPr>
+      </p:pic>
+    </p:spTree>
+    <p:extLst>
+      <p:ext uri="{BB962C8B-B14F-4D97-AF65-F5344CB8AC3E}">
+        <p14:creationId xmlns:p14="http://schemas.microsoft.com/office/powerpoint/2010/main" val="1478357084"/>
+      </p:ext>
+    </p:extLst>
+  </p:cSld>
+  <p:clrMapOvr>
+    <a:masterClrMapping/>
+  </p:clrMapOvr>
+</p:sld>
+</file>
+
+<file path=ppt/slides/slide15.xml><?xml version="1.0" encoding="utf-8"?>
 <p:sld xmlns:a="http://schemas.openxmlformats.org/drawingml/2006/main" xmlns:r="http://schemas.openxmlformats.org/officeDocument/2006/relationships" xmlns:p="http://schemas.openxmlformats.org/presentationml/2006/main">
   <p:cSld>
     <p:spTree>
@@ -6743,7 +7411,7 @@
                 <a:cs typeface="Century Gothic"/>
                 <a:sym typeface="Century Gothic"/>
               </a:rPr>
-              <a:t>Introduction</a:t>
+              <a:t>Reverse proxy</a:t>
             </a:r>
             <a:endParaRPr lang="fr-CH" dirty="0"/>
           </a:p>
@@ -7005,101 +7673,6 @@
 </p:sld>
 </file>
 
-<file path=ppt/slides/slide15.xml><?xml version="1.0" encoding="utf-8"?>
-<p:sld xmlns:a="http://schemas.openxmlformats.org/drawingml/2006/main" xmlns:r="http://schemas.openxmlformats.org/officeDocument/2006/relationships" xmlns:p="http://schemas.openxmlformats.org/presentationml/2006/main">
-  <p:cSld>
-    <p:spTree>
-      <p:nvGrpSpPr>
-        <p:cNvPr id="1" name="Shape 70"/>
-        <p:cNvGrpSpPr/>
-        <p:nvPr/>
-      </p:nvGrpSpPr>
-      <p:grpSpPr>
-        <a:xfrm>
-          <a:off x="0" y="0"/>
-          <a:ext cx="0" cy="0"/>
-          <a:chOff x="0" y="0"/>
-          <a:chExt cx="0" cy="0"/>
-        </a:xfrm>
-      </p:grpSpPr>
-      <p:sp>
-        <p:nvSpPr>
-          <p:cNvPr id="71" name="Google Shape;71;p3"/>
-          <p:cNvSpPr txBox="1">
-            <a:spLocks noGrp="1"/>
-          </p:cNvSpPr>
-          <p:nvPr>
-            <p:ph type="title"/>
-          </p:nvPr>
-        </p:nvSpPr>
-        <p:spPr>
-          <a:xfrm>
-            <a:off x="1196977" y="0"/>
-            <a:ext cx="7947023" cy="1196975"/>
-          </a:xfrm>
-          <a:prstGeom prst="rect">
-            <a:avLst/>
-          </a:prstGeom>
-          <a:gradFill>
-            <a:gsLst>
-              <a:gs pos="0">
-                <a:srgbClr val="FFFFFF">
-                  <a:alpha val="45882"/>
-                </a:srgbClr>
-              </a:gs>
-              <a:gs pos="100000">
-                <a:srgbClr val="FF3300">
-                  <a:alpha val="64705"/>
-                </a:srgbClr>
-              </a:gs>
-            </a:gsLst>
-            <a:lin ang="0" scaled="0"/>
-          </a:gradFill>
-          <a:ln>
-            <a:noFill/>
-          </a:ln>
-        </p:spPr>
-        <p:txBody>
-          <a:bodyPr spcFirstLastPara="1" wrap="square" lIns="91425" tIns="45700" rIns="91425" bIns="45700" anchor="ctr" anchorCtr="0">
-            <a:noAutofit/>
-          </a:bodyPr>
-          <a:lstStyle/>
-          <a:p>
-            <a:pPr marL="0" lvl="0" indent="0" algn="r" rtl="0">
-              <a:spcBef>
-                <a:spcPts val="0"/>
-              </a:spcBef>
-              <a:spcAft>
-                <a:spcPts val="0"/>
-              </a:spcAft>
-              <a:buNone/>
-            </a:pPr>
-            <a:r>
-              <a:rPr lang="fr-CH" dirty="0">
-                <a:latin typeface="Century Gothic"/>
-                <a:ea typeface="Century Gothic"/>
-                <a:cs typeface="Century Gothic"/>
-                <a:sym typeface="Century Gothic"/>
-              </a:rPr>
-              <a:t>Introduction</a:t>
-            </a:r>
-            <a:endParaRPr lang="fr-CH" dirty="0"/>
-          </a:p>
-        </p:txBody>
-      </p:sp>
-    </p:spTree>
-    <p:extLst>
-      <p:ext uri="{BB962C8B-B14F-4D97-AF65-F5344CB8AC3E}">
-        <p14:creationId xmlns:p14="http://schemas.microsoft.com/office/powerpoint/2010/main" val="176184209"/>
-      </p:ext>
-    </p:extLst>
-  </p:cSld>
-  <p:clrMapOvr>
-    <a:masterClrMapping/>
-  </p:clrMapOvr>
-</p:sld>
-</file>
-
 <file path=ppt/slides/slide16.xml><?xml version="1.0" encoding="utf-8"?>
 <p:sld xmlns:a="http://schemas.openxmlformats.org/drawingml/2006/main" xmlns:r="http://schemas.openxmlformats.org/officeDocument/2006/relationships" xmlns:p="http://schemas.openxmlformats.org/presentationml/2006/main">
   <p:cSld>
@@ -7176,7 +7749,326 @@
                 <a:cs typeface="Century Gothic"/>
                 <a:sym typeface="Century Gothic"/>
               </a:rPr>
-              <a:t>Introduction</a:t>
+              <a:t>Reverse proxy</a:t>
+            </a:r>
+            <a:endParaRPr lang="fr-CH" dirty="0"/>
+          </a:p>
+        </p:txBody>
+      </p:sp>
+      <p:pic>
+        <p:nvPicPr>
+          <p:cNvPr id="3" name="Picture 2">
+            <a:extLst>
+              <a:ext uri="{FF2B5EF4-FFF2-40B4-BE49-F238E27FC236}">
+                <a16:creationId xmlns:a16="http://schemas.microsoft.com/office/drawing/2014/main" id="{2FF285FE-C1A8-4FB4-8AEA-77F40437929D}"/>
+              </a:ext>
+            </a:extLst>
+          </p:cNvPr>
+          <p:cNvPicPr>
+            <a:picLocks noChangeAspect="1"/>
+          </p:cNvPicPr>
+          <p:nvPr/>
+        </p:nvPicPr>
+        <p:blipFill>
+          <a:blip r:embed="rId3"/>
+          <a:stretch>
+            <a:fillRect/>
+          </a:stretch>
+        </p:blipFill>
+        <p:spPr>
+          <a:xfrm>
+            <a:off x="421807" y="1743398"/>
+            <a:ext cx="8334608" cy="3582136"/>
+          </a:xfrm>
+          <a:prstGeom prst="rect">
+            <a:avLst/>
+          </a:prstGeom>
+        </p:spPr>
+      </p:pic>
+    </p:spTree>
+    <p:extLst>
+      <p:ext uri="{BB962C8B-B14F-4D97-AF65-F5344CB8AC3E}">
+        <p14:creationId xmlns:p14="http://schemas.microsoft.com/office/powerpoint/2010/main" val="176184209"/>
+      </p:ext>
+    </p:extLst>
+  </p:cSld>
+  <p:clrMapOvr>
+    <a:masterClrMapping/>
+  </p:clrMapOvr>
+</p:sld>
+</file>
+
+<file path=ppt/slides/slide17.xml><?xml version="1.0" encoding="utf-8"?>
+<p:sld xmlns:a="http://schemas.openxmlformats.org/drawingml/2006/main" xmlns:r="http://schemas.openxmlformats.org/officeDocument/2006/relationships" xmlns:p="http://schemas.openxmlformats.org/presentationml/2006/main">
+  <p:cSld>
+    <p:spTree>
+      <p:nvGrpSpPr>
+        <p:cNvPr id="1" name="Shape 70"/>
+        <p:cNvGrpSpPr/>
+        <p:nvPr/>
+      </p:nvGrpSpPr>
+      <p:grpSpPr>
+        <a:xfrm>
+          <a:off x="0" y="0"/>
+          <a:ext cx="0" cy="0"/>
+          <a:chOff x="0" y="0"/>
+          <a:chExt cx="0" cy="0"/>
+        </a:xfrm>
+      </p:grpSpPr>
+      <p:sp>
+        <p:nvSpPr>
+          <p:cNvPr id="71" name="Google Shape;71;p3"/>
+          <p:cNvSpPr txBox="1">
+            <a:spLocks noGrp="1"/>
+          </p:cNvSpPr>
+          <p:nvPr>
+            <p:ph type="title"/>
+          </p:nvPr>
+        </p:nvSpPr>
+        <p:spPr>
+          <a:xfrm>
+            <a:off x="1196977" y="0"/>
+            <a:ext cx="7947023" cy="1196975"/>
+          </a:xfrm>
+          <a:prstGeom prst="rect">
+            <a:avLst/>
+          </a:prstGeom>
+          <a:gradFill>
+            <a:gsLst>
+              <a:gs pos="0">
+                <a:srgbClr val="FFFFFF">
+                  <a:alpha val="45882"/>
+                </a:srgbClr>
+              </a:gs>
+              <a:gs pos="100000">
+                <a:srgbClr val="FF3300">
+                  <a:alpha val="64705"/>
+                </a:srgbClr>
+              </a:gs>
+            </a:gsLst>
+            <a:lin ang="0" scaled="0"/>
+          </a:gradFill>
+          <a:ln>
+            <a:noFill/>
+          </a:ln>
+        </p:spPr>
+        <p:txBody>
+          <a:bodyPr spcFirstLastPara="1" wrap="square" lIns="91425" tIns="45700" rIns="91425" bIns="45700" anchor="ctr" anchorCtr="0">
+            <a:noAutofit/>
+          </a:bodyPr>
+          <a:lstStyle/>
+          <a:p>
+            <a:pPr marL="0" lvl="0" indent="0" algn="r" rtl="0">
+              <a:spcBef>
+                <a:spcPts val="0"/>
+              </a:spcBef>
+              <a:spcAft>
+                <a:spcPts val="0"/>
+              </a:spcAft>
+              <a:buNone/>
+            </a:pPr>
+            <a:r>
+              <a:rPr lang="fr-CH" dirty="0">
+                <a:latin typeface="Century Gothic"/>
+                <a:ea typeface="Century Gothic"/>
+                <a:cs typeface="Century Gothic"/>
+                <a:sym typeface="Century Gothic"/>
+              </a:rPr>
+              <a:t>Reverse proxy</a:t>
+            </a:r>
+            <a:endParaRPr lang="fr-CH" dirty="0"/>
+          </a:p>
+        </p:txBody>
+      </p:sp>
+      <p:sp>
+        <p:nvSpPr>
+          <p:cNvPr id="2" name="TextBox 1">
+            <a:extLst>
+              <a:ext uri="{FF2B5EF4-FFF2-40B4-BE49-F238E27FC236}">
+                <a16:creationId xmlns:a16="http://schemas.microsoft.com/office/drawing/2014/main" id="{C9DB09D9-8FF9-4E75-9F8F-79953C12E94E}"/>
+              </a:ext>
+            </a:extLst>
+          </p:cNvPr>
+          <p:cNvSpPr txBox="1"/>
+          <p:nvPr/>
+        </p:nvSpPr>
+        <p:spPr>
+          <a:xfrm>
+            <a:off x="258233" y="2819399"/>
+            <a:ext cx="8627534" cy="738664"/>
+          </a:xfrm>
+          <a:prstGeom prst="rect">
+            <a:avLst/>
+          </a:prstGeom>
+          <a:noFill/>
+        </p:spPr>
+        <p:txBody>
+          <a:bodyPr wrap="square" rtlCol="0">
+            <a:spAutoFit/>
+          </a:bodyPr>
+          <a:lstStyle/>
+          <a:p>
+            <a:r>
+              <a:rPr lang="fr-CH" b="0" i="0" dirty="0">
+                <a:solidFill>
+                  <a:srgbClr val="212121"/>
+                </a:solidFill>
+                <a:effectLst/>
+                <a:latin typeface="Inter"/>
+              </a:rPr>
+              <a:t>http</a:t>
+            </a:r>
+            <a:r>
+              <a:rPr lang="fr-CH" b="1" i="0" dirty="0">
+                <a:solidFill>
+                  <a:srgbClr val="FF0000"/>
+                </a:solidFill>
+                <a:effectLst/>
+                <a:latin typeface="Inter"/>
+              </a:rPr>
+              <a:t>s</a:t>
+            </a:r>
+            <a:r>
+              <a:rPr lang="fr-CH" b="0" i="0" dirty="0">
+                <a:solidFill>
+                  <a:srgbClr val="212121"/>
+                </a:solidFill>
+                <a:effectLst/>
+                <a:latin typeface="Inter"/>
+              </a:rPr>
+              <a:t>://</a:t>
+            </a:r>
+            <a:r>
+              <a:rPr lang="fr-CH" b="1" i="0" dirty="0">
+                <a:solidFill>
+                  <a:srgbClr val="FF0000"/>
+                </a:solidFill>
+                <a:effectLst/>
+                <a:latin typeface="Inter"/>
+              </a:rPr>
+              <a:t>formation.geopol.ch/cfgeo/</a:t>
+            </a:r>
+            <a:r>
+              <a:rPr lang="fr-CH" b="0" i="0" dirty="0">
+                <a:solidFill>
+                  <a:srgbClr val="212121"/>
+                </a:solidFill>
+                <a:effectLst/>
+                <a:latin typeface="Inter"/>
+              </a:rPr>
+              <a:t>ec2-18-184-189-237.eu-central-1.compute.amazonaws.com/cgi-bin/qgis_mapserv.fcgi.exe?MAP=cfgeo.qgz&amp;SERVICE=WMS&amp;VERSION=1.3.0&amp;REQUEST=GetMap&amp;BBOX=2534472,1176780,2541983,1182660&amp;SRS=EPSG:2056&amp;WIDTH=665&amp;HEIGHT=551&amp;LAYERS=commune&amp;FORMAT=image/jpeg</a:t>
+            </a:r>
+            <a:endParaRPr lang="fr-CH" dirty="0"/>
+          </a:p>
+        </p:txBody>
+      </p:sp>
+      <p:sp>
+        <p:nvSpPr>
+          <p:cNvPr id="4" name="TextBox 3">
+            <a:extLst>
+              <a:ext uri="{FF2B5EF4-FFF2-40B4-BE49-F238E27FC236}">
+                <a16:creationId xmlns:a16="http://schemas.microsoft.com/office/drawing/2014/main" id="{91522E67-247B-4A8D-9EAA-C38D3A92EB50}"/>
+              </a:ext>
+            </a:extLst>
+          </p:cNvPr>
+          <p:cNvSpPr txBox="1"/>
+          <p:nvPr/>
+        </p:nvSpPr>
+        <p:spPr>
+          <a:xfrm>
+            <a:off x="258233" y="1638855"/>
+            <a:ext cx="8627534" cy="738664"/>
+          </a:xfrm>
+          <a:prstGeom prst="rect">
+            <a:avLst/>
+          </a:prstGeom>
+          <a:noFill/>
+        </p:spPr>
+        <p:txBody>
+          <a:bodyPr wrap="square" rtlCol="0">
+            <a:spAutoFit/>
+          </a:bodyPr>
+          <a:lstStyle/>
+          <a:p>
+            <a:r>
+              <a:rPr lang="fr-CH" b="0" i="0" dirty="0">
+                <a:solidFill>
+                  <a:srgbClr val="212121"/>
+                </a:solidFill>
+                <a:effectLst/>
+                <a:latin typeface="Inter"/>
+              </a:rPr>
+              <a:t>http://ec2-18-184-189-237.eu-central-1.compute.amazonaws.com/cgi-bin/qgis_mapserv.fcgi.exe?MAP=cfgeo.qgz&amp;SERVICE=WMS&amp;VERSION=1.3.0&amp;REQUEST=GetMap&amp;BBOX=2534472,1176780,2541983,1182660&amp;SRS=EPSG:2056&amp;WIDTH=665&amp;HEIGHT=551&amp;LAYERS=commune&amp;FORMAT=image/jpeg</a:t>
+            </a:r>
+            <a:endParaRPr lang="fr-CH" dirty="0"/>
+          </a:p>
+        </p:txBody>
+      </p:sp>
+      <p:pic>
+        <p:nvPicPr>
+          <p:cNvPr id="5" name="Picture 4">
+            <a:extLst>
+              <a:ext uri="{FF2B5EF4-FFF2-40B4-BE49-F238E27FC236}">
+                <a16:creationId xmlns:a16="http://schemas.microsoft.com/office/drawing/2014/main" id="{3729AC15-3389-4C85-863B-CBED0B23DA21}"/>
+              </a:ext>
+            </a:extLst>
+          </p:cNvPr>
+          <p:cNvPicPr>
+            <a:picLocks noChangeAspect="1"/>
+          </p:cNvPicPr>
+          <p:nvPr/>
+        </p:nvPicPr>
+        <p:blipFill>
+          <a:blip r:embed="rId3"/>
+          <a:stretch>
+            <a:fillRect/>
+          </a:stretch>
+        </p:blipFill>
+        <p:spPr>
+          <a:xfrm>
+            <a:off x="2441656" y="3741817"/>
+            <a:ext cx="3259330" cy="2700588"/>
+          </a:xfrm>
+          <a:prstGeom prst="rect">
+            <a:avLst/>
+          </a:prstGeom>
+        </p:spPr>
+      </p:pic>
+      <p:sp>
+        <p:nvSpPr>
+          <p:cNvPr id="6" name="TextBox 5">
+            <a:extLst>
+              <a:ext uri="{FF2B5EF4-FFF2-40B4-BE49-F238E27FC236}">
+                <a16:creationId xmlns:a16="http://schemas.microsoft.com/office/drawing/2014/main" id="{A27D4064-4952-4AAF-933F-978EF0B23A28}"/>
+              </a:ext>
+            </a:extLst>
+          </p:cNvPr>
+          <p:cNvSpPr txBox="1"/>
+          <p:nvPr/>
+        </p:nvSpPr>
+        <p:spPr>
+          <a:xfrm>
+            <a:off x="258233" y="2444570"/>
+            <a:ext cx="1075267" cy="307777"/>
+          </a:xfrm>
+          <a:prstGeom prst="rect">
+            <a:avLst/>
+          </a:prstGeom>
+          <a:noFill/>
+        </p:spPr>
+        <p:txBody>
+          <a:bodyPr wrap="square" rtlCol="0">
+            <a:spAutoFit/>
+          </a:bodyPr>
+          <a:lstStyle/>
+          <a:p>
+            <a:r>
+              <a:rPr lang="en-GB" dirty="0" err="1"/>
+              <a:t>devient</a:t>
+            </a:r>
+            <a:r>
+              <a:rPr lang="en-GB" dirty="0"/>
+              <a:t> :</a:t>
             </a:r>
             <a:endParaRPr lang="fr-CH" dirty="0"/>
           </a:p>
@@ -9016,7 +9908,7 @@
         <p:spPr>
           <a:xfrm>
             <a:off x="468743" y="1689084"/>
-            <a:ext cx="6375400" cy="369332"/>
+            <a:ext cx="7388324" cy="369332"/>
           </a:xfrm>
           <a:prstGeom prst="rect">
             <a:avLst/>
@@ -9031,8 +9923,21 @@
           <a:p>
             <a:r>
               <a:rPr lang="en-GB" sz="1800" b="1" dirty="0"/>
-              <a:t>Installation de QGIS + QGIS server</a:t>
-            </a:r>
+              <a:t>Installation de QGIS + QGIS server sur </a:t>
+            </a:r>
+            <a:r>
+              <a:rPr lang="en-GB" sz="1800" b="1" dirty="0" err="1"/>
+              <a:t>votre</a:t>
+            </a:r>
+            <a:r>
+              <a:rPr lang="en-GB" sz="1800" b="1" dirty="0"/>
+              <a:t> machine </a:t>
+            </a:r>
+            <a:r>
+              <a:rPr lang="en-GB" sz="1800" b="1" dirty="0" err="1"/>
+              <a:t>virtuelle</a:t>
+            </a:r>
+            <a:endParaRPr lang="en-GB" sz="1800" b="1" dirty="0"/>
           </a:p>
         </p:txBody>
       </p:sp>
@@ -10293,14 +11198,158 @@
         </p:blipFill>
         <p:spPr>
           <a:xfrm>
-            <a:off x="5545666" y="4114294"/>
-            <a:ext cx="3334889" cy="727348"/>
+            <a:off x="4665631" y="1873750"/>
+            <a:ext cx="4357023" cy="950278"/>
           </a:xfrm>
           <a:prstGeom prst="rect">
             <a:avLst/>
           </a:prstGeom>
         </p:spPr>
       </p:pic>
+      <p:pic>
+        <p:nvPicPr>
+          <p:cNvPr id="4" name="Picture 3">
+            <a:extLst>
+              <a:ext uri="{FF2B5EF4-FFF2-40B4-BE49-F238E27FC236}">
+                <a16:creationId xmlns:a16="http://schemas.microsoft.com/office/drawing/2014/main" id="{91BF2D32-4CB9-4956-B296-3E84C132DB88}"/>
+              </a:ext>
+            </a:extLst>
+          </p:cNvPr>
+          <p:cNvPicPr>
+            <a:picLocks noChangeAspect="1"/>
+          </p:cNvPicPr>
+          <p:nvPr/>
+        </p:nvPicPr>
+        <p:blipFill>
+          <a:blip r:embed="rId9"/>
+          <a:stretch>
+            <a:fillRect/>
+          </a:stretch>
+        </p:blipFill>
+        <p:spPr>
+          <a:xfrm>
+            <a:off x="5671985" y="4033973"/>
+            <a:ext cx="2984694" cy="2305299"/>
+          </a:xfrm>
+          <a:prstGeom prst="rect">
+            <a:avLst/>
+          </a:prstGeom>
+        </p:spPr>
+      </p:pic>
+      <p:sp>
+        <p:nvSpPr>
+          <p:cNvPr id="10" name="TextBox 9">
+            <a:extLst>
+              <a:ext uri="{FF2B5EF4-FFF2-40B4-BE49-F238E27FC236}">
+                <a16:creationId xmlns:a16="http://schemas.microsoft.com/office/drawing/2014/main" id="{82E715C2-48B9-488B-BACC-11EEABCDC623}"/>
+              </a:ext>
+            </a:extLst>
+          </p:cNvPr>
+          <p:cNvSpPr txBox="1"/>
+          <p:nvPr/>
+        </p:nvSpPr>
+        <p:spPr>
+          <a:xfrm>
+            <a:off x="4238381" y="3977591"/>
+            <a:ext cx="257419" cy="307777"/>
+          </a:xfrm>
+          <a:prstGeom prst="rect">
+            <a:avLst/>
+          </a:prstGeom>
+          <a:solidFill>
+            <a:schemeClr val="accent2"/>
+          </a:solidFill>
+        </p:spPr>
+        <p:txBody>
+          <a:bodyPr wrap="square" rtlCol="0">
+            <a:spAutoFit/>
+          </a:bodyPr>
+          <a:lstStyle/>
+          <a:p>
+            <a:r>
+              <a:rPr lang="en-GB" dirty="0"/>
+              <a:t>1</a:t>
+            </a:r>
+            <a:endParaRPr lang="fr-CH" dirty="0"/>
+          </a:p>
+        </p:txBody>
+      </p:sp>
+      <p:sp>
+        <p:nvSpPr>
+          <p:cNvPr id="16" name="TextBox 15">
+            <a:extLst>
+              <a:ext uri="{FF2B5EF4-FFF2-40B4-BE49-F238E27FC236}">
+                <a16:creationId xmlns:a16="http://schemas.microsoft.com/office/drawing/2014/main" id="{F7E43487-B93B-40CD-81AA-1127D3BE25CC}"/>
+              </a:ext>
+            </a:extLst>
+          </p:cNvPr>
+          <p:cNvSpPr txBox="1"/>
+          <p:nvPr/>
+        </p:nvSpPr>
+        <p:spPr>
+          <a:xfrm>
+            <a:off x="4314581" y="2138736"/>
+            <a:ext cx="257419" cy="307777"/>
+          </a:xfrm>
+          <a:prstGeom prst="rect">
+            <a:avLst/>
+          </a:prstGeom>
+          <a:solidFill>
+            <a:schemeClr val="accent2"/>
+          </a:solidFill>
+        </p:spPr>
+        <p:txBody>
+          <a:bodyPr wrap="square" rtlCol="0">
+            <a:spAutoFit/>
+          </a:bodyPr>
+          <a:lstStyle/>
+          <a:p>
+            <a:r>
+              <a:rPr lang="en-GB" dirty="0"/>
+              <a:t>2</a:t>
+            </a:r>
+            <a:endParaRPr lang="fr-CH" dirty="0"/>
+          </a:p>
+        </p:txBody>
+      </p:sp>
+      <p:sp>
+        <p:nvSpPr>
+          <p:cNvPr id="17" name="TextBox 16">
+            <a:extLst>
+              <a:ext uri="{FF2B5EF4-FFF2-40B4-BE49-F238E27FC236}">
+                <a16:creationId xmlns:a16="http://schemas.microsoft.com/office/drawing/2014/main" id="{E46D7F92-C741-4750-B4F3-4C809D06986F}"/>
+              </a:ext>
+            </a:extLst>
+          </p:cNvPr>
+          <p:cNvSpPr txBox="1"/>
+          <p:nvPr/>
+        </p:nvSpPr>
+        <p:spPr>
+          <a:xfrm>
+            <a:off x="8319314" y="3880084"/>
+            <a:ext cx="257419" cy="307777"/>
+          </a:xfrm>
+          <a:prstGeom prst="rect">
+            <a:avLst/>
+          </a:prstGeom>
+          <a:solidFill>
+            <a:schemeClr val="accent2"/>
+          </a:solidFill>
+        </p:spPr>
+        <p:txBody>
+          <a:bodyPr wrap="square" rtlCol="0">
+            <a:spAutoFit/>
+          </a:bodyPr>
+          <a:lstStyle/>
+          <a:p>
+            <a:r>
+              <a:rPr lang="en-GB" dirty="0"/>
+              <a:t>3</a:t>
+            </a:r>
+            <a:endParaRPr lang="fr-CH" dirty="0"/>
+          </a:p>
+        </p:txBody>
+      </p:sp>
     </p:spTree>
     <p:extLst>
       <p:ext uri="{BB962C8B-B14F-4D97-AF65-F5344CB8AC3E}">

--- a/slides/qgis.pptx
+++ b/slides/qgis.pptx
@@ -5,7 +5,7 @@
     <p:sldMasterId id="2147483648" r:id="rId1"/>
   </p:sldMasterIdLst>
   <p:notesMasterIdLst>
-    <p:notesMasterId r:id="rId19"/>
+    <p:notesMasterId r:id="rId21"/>
   </p:notesMasterIdLst>
   <p:sldIdLst>
     <p:sldId id="256" r:id="rId2"/>
@@ -18,41 +18,43 @@
     <p:sldId id="329" r:id="rId9"/>
     <p:sldId id="335" r:id="rId10"/>
     <p:sldId id="338" r:id="rId11"/>
-    <p:sldId id="330" r:id="rId12"/>
-    <p:sldId id="331" r:id="rId13"/>
-    <p:sldId id="332" r:id="rId14"/>
-    <p:sldId id="340" r:id="rId15"/>
-    <p:sldId id="337" r:id="rId16"/>
-    <p:sldId id="333" r:id="rId17"/>
-    <p:sldId id="334" r:id="rId18"/>
+    <p:sldId id="341" r:id="rId12"/>
+    <p:sldId id="330" r:id="rId13"/>
+    <p:sldId id="331" r:id="rId14"/>
+    <p:sldId id="342" r:id="rId15"/>
+    <p:sldId id="332" r:id="rId16"/>
+    <p:sldId id="340" r:id="rId17"/>
+    <p:sldId id="337" r:id="rId18"/>
+    <p:sldId id="333" r:id="rId19"/>
+    <p:sldId id="334" r:id="rId20"/>
   </p:sldIdLst>
   <p:sldSz cx="9144000" cy="6858000" type="screen4x3"/>
   <p:notesSz cx="6858000" cy="9144000"/>
   <p:embeddedFontLst>
     <p:embeddedFont>
       <p:font typeface="Arial Black" panose="020B0A04020102020204" pitchFamily="34" charset="0"/>
-      <p:bold r:id="rId20"/>
+      <p:bold r:id="rId22"/>
     </p:embeddedFont>
     <p:embeddedFont>
       <p:font typeface="Arial Narrow" panose="020B0606020202030204" pitchFamily="34" charset="0"/>
-      <p:regular r:id="rId21"/>
-      <p:bold r:id="rId22"/>
-      <p:italic r:id="rId23"/>
-      <p:boldItalic r:id="rId24"/>
+      <p:regular r:id="rId23"/>
+      <p:bold r:id="rId24"/>
+      <p:italic r:id="rId25"/>
+      <p:boldItalic r:id="rId26"/>
     </p:embeddedFont>
     <p:embeddedFont>
       <p:font typeface="Century Gothic" panose="020B0502020202020204" pitchFamily="34" charset="0"/>
-      <p:regular r:id="rId25"/>
-      <p:bold r:id="rId26"/>
-      <p:italic r:id="rId27"/>
-      <p:boldItalic r:id="rId28"/>
+      <p:regular r:id="rId27"/>
+      <p:bold r:id="rId28"/>
+      <p:italic r:id="rId29"/>
+      <p:boldItalic r:id="rId30"/>
     </p:embeddedFont>
     <p:embeddedFont>
       <p:font typeface="Verdana" panose="020B0604030504040204" pitchFamily="34" charset="0"/>
-      <p:regular r:id="rId29"/>
-      <p:bold r:id="rId30"/>
-      <p:italic r:id="rId31"/>
-      <p:boldItalic r:id="rId32"/>
+      <p:regular r:id="rId31"/>
+      <p:bold r:id="rId32"/>
+      <p:italic r:id="rId33"/>
+      <p:boldItalic r:id="rId34"/>
     </p:embeddedFont>
   </p:embeddedFontLst>
   <p:defaultTextStyle>
@@ -314,7 +316,7 @@
       </p15:notesGuideLst>
     </p:ext>
     <p:ext uri="http://customooxmlschemas.google.com/">
-      <go:slidesCustomData xmlns="" xmlns:mc="http://schemas.openxmlformats.org/markup-compatibility/2006" xmlns:mv="urn:schemas-microsoft-com:mac:vml" xmlns:c="http://schemas.openxmlformats.org/drawingml/2006/chart" xmlns:dgm="http://schemas.openxmlformats.org/drawingml/2006/diagram" xmlns:o="urn:schemas-microsoft-com:office:office" xmlns:v="urn:schemas-microsoft-com:vml" xmlns:pvml="urn:schemas-microsoft-com:office:powerpoint" xmlns:com="http://schemas.openxmlformats.org/drawingml/2006/compatibility" xmlns:p14="http://schemas.microsoft.com/office/powerpoint/2010/main" xmlns:p15="http://schemas.microsoft.com/office/powerpoint/2012/main" xmlns:ahyp="http://schemas.microsoft.com/office/drawing/2018/hyperlinkcolor" xmlns:go="http://customooxmlschemas.google.com/" r:id="rId89" roundtripDataSignature="AMtx7mh019ysyy8ngHVmXeADEBCdWKWQmw=="/>
+      <go:slidesCustomData xmlns:go="http://customooxmlschemas.google.com/" xmlns:ahyp="http://schemas.microsoft.com/office/drawing/2018/hyperlinkcolor" xmlns:p15="http://schemas.microsoft.com/office/powerpoint/2012/main" xmlns:p14="http://schemas.microsoft.com/office/powerpoint/2010/main" xmlns:com="http://schemas.openxmlformats.org/drawingml/2006/compatibility" xmlns:pvml="urn:schemas-microsoft-com:office:powerpoint" xmlns:v="urn:schemas-microsoft-com:vml" xmlns:o="urn:schemas-microsoft-com:office:office" xmlns:dgm="http://schemas.openxmlformats.org/drawingml/2006/diagram" xmlns:c="http://schemas.openxmlformats.org/drawingml/2006/chart" xmlns:mv="urn:schemas-microsoft-com:mac:vml" xmlns:mc="http://schemas.openxmlformats.org/markup-compatibility/2006" xmlns="" r:id="rId89" roundtripDataSignature="AMtx7mh019ysyy8ngHVmXeADEBCdWKWQmw=="/>
     </p:ext>
   </p:extLst>
 </p:presentation>
@@ -2006,7 +2008,7 @@
     </p:spTree>
     <p:extLst>
       <p:ext uri="{BB962C8B-B14F-4D97-AF65-F5344CB8AC3E}">
-        <p14:creationId xmlns:p14="http://schemas.microsoft.com/office/powerpoint/2010/main" val="2966122645"/>
+        <p14:creationId xmlns:p14="http://schemas.microsoft.com/office/powerpoint/2010/main" val="2373076378"/>
       </p:ext>
     </p:extLst>
   </p:cSld>
@@ -2115,7 +2117,7 @@
     </p:spTree>
     <p:extLst>
       <p:ext uri="{BB962C8B-B14F-4D97-AF65-F5344CB8AC3E}">
-        <p14:creationId xmlns:p14="http://schemas.microsoft.com/office/powerpoint/2010/main" val="3061366039"/>
+        <p14:creationId xmlns:p14="http://schemas.microsoft.com/office/powerpoint/2010/main" val="2966122645"/>
       </p:ext>
     </p:extLst>
   </p:cSld>
@@ -2224,7 +2226,7 @@
     </p:spTree>
     <p:extLst>
       <p:ext uri="{BB962C8B-B14F-4D97-AF65-F5344CB8AC3E}">
-        <p14:creationId xmlns:p14="http://schemas.microsoft.com/office/powerpoint/2010/main" val="352550514"/>
+        <p14:creationId xmlns:p14="http://schemas.microsoft.com/office/powerpoint/2010/main" val="3061366039"/>
       </p:ext>
     </p:extLst>
   </p:cSld>
@@ -2239,7 +2241,7 @@
   <p:cSld>
     <p:spTree>
       <p:nvGrpSpPr>
-        <p:cNvPr id="1" name="Shape 79"/>
+        <p:cNvPr id="1" name="Shape 67"/>
         <p:cNvGrpSpPr/>
         <p:nvPr/>
       </p:nvGrpSpPr>
@@ -2253,53 +2255,45 @@
       </p:grpSpPr>
       <p:sp>
         <p:nvSpPr>
-          <p:cNvPr id="80" name="Google Shape;80;p5:notes"/>
+          <p:cNvPr id="68" name="Google Shape;68;p3:notes"/>
           <p:cNvSpPr txBox="1">
             <a:spLocks noGrp="1"/>
           </p:cNvSpPr>
           <p:nvPr>
-            <p:ph type="sldNum" idx="12"/>
+            <p:ph type="body" idx="1"/>
           </p:nvPr>
         </p:nvSpPr>
         <p:spPr>
           <a:xfrm>
-            <a:off x="3884613" y="8685213"/>
-            <a:ext cx="2971800" cy="457200"/>
-          </a:xfrm>
-          <a:prstGeom prst="rect">
-            <a:avLst/>
-          </a:prstGeom>
-          <a:noFill/>
-          <a:ln>
-            <a:noFill/>
-          </a:ln>
+            <a:off x="685800" y="4343400"/>
+            <a:ext cx="5486400" cy="4114800"/>
+          </a:xfrm>
+          <a:prstGeom prst="rect">
+            <a:avLst/>
+          </a:prstGeom>
         </p:spPr>
         <p:txBody>
-          <a:bodyPr spcFirstLastPara="1" wrap="square" lIns="91425" tIns="45700" rIns="91425" bIns="45700" anchor="b" anchorCtr="0">
+          <a:bodyPr spcFirstLastPara="1" wrap="square" lIns="91425" tIns="45700" rIns="91425" bIns="45700" anchor="t" anchorCtr="0">
             <a:noAutofit/>
           </a:bodyPr>
           <a:lstStyle/>
           <a:p>
-            <a:pPr marL="0" lvl="0" indent="0" algn="r" rtl="0">
-              <a:spcBef>
-                <a:spcPts val="0"/>
+            <a:pPr marL="0" lvl="0" indent="0" algn="l" rtl="0">
+              <a:spcBef>
+                <a:spcPts val="360"/>
               </a:spcBef>
               <a:spcAft>
                 <a:spcPts val="0"/>
               </a:spcAft>
               <a:buNone/>
             </a:pPr>
-            <a:fld id="{00000000-1234-1234-1234-123412341234}" type="slidenum">
-              <a:rPr lang="fr-CH"/>
-              <a:t>14</a:t>
-            </a:fld>
             <a:endParaRPr/>
           </a:p>
         </p:txBody>
       </p:sp>
       <p:sp>
         <p:nvSpPr>
-          <p:cNvPr id="81" name="Google Shape;81;p5:notes"/>
+          <p:cNvPr id="69" name="Google Shape;69;p3:notes"/>
           <p:cNvSpPr>
             <a:spLocks noGrp="1" noRot="1" noChangeAspect="1"/>
           </p:cNvSpPr>
@@ -2309,8 +2303,8 @@
         </p:nvSpPr>
         <p:spPr>
           <a:xfrm>
-            <a:off x="1144588" y="687388"/>
-            <a:ext cx="4568825" cy="3427412"/>
+            <a:off x="1143000" y="685800"/>
+            <a:ext cx="4572000" cy="3429000"/>
           </a:xfrm>
           <a:custGeom>
             <a:avLst/>
@@ -2336,104 +2330,12 @@
               </a:path>
             </a:pathLst>
           </a:custGeom>
-          <a:noFill/>
-          <a:ln>
-            <a:noFill/>
-          </a:ln>
-        </p:spPr>
-      </p:sp>
-      <p:sp>
-        <p:nvSpPr>
-          <p:cNvPr id="82" name="Google Shape;82;p5:notes"/>
-          <p:cNvSpPr txBox="1">
-            <a:spLocks noGrp="1"/>
-          </p:cNvSpPr>
-          <p:nvPr>
-            <p:ph type="body" idx="1"/>
-          </p:nvPr>
-        </p:nvSpPr>
-        <p:spPr>
-          <a:xfrm>
-            <a:off x="685800" y="4343400"/>
-            <a:ext cx="5486400" cy="4114800"/>
-          </a:xfrm>
-          <a:prstGeom prst="rect">
-            <a:avLst/>
-          </a:prstGeom>
-          <a:noFill/>
-          <a:ln>
-            <a:noFill/>
-          </a:ln>
-        </p:spPr>
-        <p:txBody>
-          <a:bodyPr spcFirstLastPara="1" wrap="square" lIns="91425" tIns="45700" rIns="91425" bIns="45700" anchor="t" anchorCtr="0">
-            <a:noAutofit/>
-          </a:bodyPr>
-          <a:lstStyle/>
-          <a:p>
-            <a:pPr marL="0" lvl="0" indent="0" algn="l" rtl="0">
-              <a:spcBef>
-                <a:spcPts val="0"/>
-              </a:spcBef>
-              <a:spcAft>
-                <a:spcPts val="0"/>
-              </a:spcAft>
-              <a:buNone/>
-            </a:pPr>
-            <a:endParaRPr/>
-          </a:p>
-        </p:txBody>
-      </p:sp>
-      <p:sp>
-        <p:nvSpPr>
-          <p:cNvPr id="83" name="Google Shape;83;p5:notes"/>
-          <p:cNvSpPr txBox="1">
-            <a:spLocks noGrp="1"/>
-          </p:cNvSpPr>
-          <p:nvPr>
-            <p:ph type="ftr" idx="11"/>
-          </p:nvPr>
-        </p:nvSpPr>
-        <p:spPr>
-          <a:xfrm>
-            <a:off x="0" y="8685213"/>
-            <a:ext cx="2971800" cy="457200"/>
-          </a:xfrm>
-          <a:prstGeom prst="rect">
-            <a:avLst/>
-          </a:prstGeom>
-          <a:noFill/>
-          <a:ln>
-            <a:noFill/>
-          </a:ln>
-        </p:spPr>
-        <p:txBody>
-          <a:bodyPr spcFirstLastPara="1" wrap="square" lIns="91425" tIns="45700" rIns="91425" bIns="45700" anchor="b" anchorCtr="0">
-            <a:noAutofit/>
-          </a:bodyPr>
-          <a:lstStyle/>
-          <a:p>
-            <a:pPr marL="0" lvl="0" indent="0" algn="l" rtl="0">
-              <a:spcBef>
-                <a:spcPts val="0"/>
-              </a:spcBef>
-              <a:spcAft>
-                <a:spcPts val="0"/>
-              </a:spcAft>
-              <a:buNone/>
-            </a:pPr>
-            <a:r>
-              <a:rPr lang="fr-CH"/>
-              <a:t>CF-geo présentation</a:t>
-            </a:r>
-            <a:endParaRPr/>
-          </a:p>
-        </p:txBody>
+        </p:spPr>
       </p:sp>
     </p:spTree>
     <p:extLst>
       <p:ext uri="{BB962C8B-B14F-4D97-AF65-F5344CB8AC3E}">
-        <p14:creationId xmlns:p14="http://schemas.microsoft.com/office/powerpoint/2010/main" val="1385263341"/>
+        <p14:creationId xmlns:p14="http://schemas.microsoft.com/office/powerpoint/2010/main" val="2913973306"/>
       </p:ext>
     </p:extLst>
   </p:cSld>
@@ -2542,7 +2444,7 @@
     </p:spTree>
     <p:extLst>
       <p:ext uri="{BB962C8B-B14F-4D97-AF65-F5344CB8AC3E}">
-        <p14:creationId xmlns:p14="http://schemas.microsoft.com/office/powerpoint/2010/main" val="1606852045"/>
+        <p14:creationId xmlns:p14="http://schemas.microsoft.com/office/powerpoint/2010/main" val="352550514"/>
       </p:ext>
     </p:extLst>
   </p:cSld>
@@ -2553,6 +2455,215 @@
 </file>
 
 <file path=ppt/notesSlides/notesSlide16.xml><?xml version="1.0" encoding="utf-8"?>
+<p:notes xmlns:a="http://schemas.openxmlformats.org/drawingml/2006/main" xmlns:r="http://schemas.openxmlformats.org/officeDocument/2006/relationships" xmlns:p="http://schemas.openxmlformats.org/presentationml/2006/main" showMasterSp="0" showMasterPhAnim="0">
+  <p:cSld>
+    <p:spTree>
+      <p:nvGrpSpPr>
+        <p:cNvPr id="1" name="Shape 79"/>
+        <p:cNvGrpSpPr/>
+        <p:nvPr/>
+      </p:nvGrpSpPr>
+      <p:grpSpPr>
+        <a:xfrm>
+          <a:off x="0" y="0"/>
+          <a:ext cx="0" cy="0"/>
+          <a:chOff x="0" y="0"/>
+          <a:chExt cx="0" cy="0"/>
+        </a:xfrm>
+      </p:grpSpPr>
+      <p:sp>
+        <p:nvSpPr>
+          <p:cNvPr id="80" name="Google Shape;80;p5:notes"/>
+          <p:cNvSpPr txBox="1">
+            <a:spLocks noGrp="1"/>
+          </p:cNvSpPr>
+          <p:nvPr>
+            <p:ph type="sldNum" idx="12"/>
+          </p:nvPr>
+        </p:nvSpPr>
+        <p:spPr>
+          <a:xfrm>
+            <a:off x="3884613" y="8685213"/>
+            <a:ext cx="2971800" cy="457200"/>
+          </a:xfrm>
+          <a:prstGeom prst="rect">
+            <a:avLst/>
+          </a:prstGeom>
+          <a:noFill/>
+          <a:ln>
+            <a:noFill/>
+          </a:ln>
+        </p:spPr>
+        <p:txBody>
+          <a:bodyPr spcFirstLastPara="1" wrap="square" lIns="91425" tIns="45700" rIns="91425" bIns="45700" anchor="b" anchorCtr="0">
+            <a:noAutofit/>
+          </a:bodyPr>
+          <a:lstStyle/>
+          <a:p>
+            <a:pPr marL="0" lvl="0" indent="0" algn="r" rtl="0">
+              <a:spcBef>
+                <a:spcPts val="0"/>
+              </a:spcBef>
+              <a:spcAft>
+                <a:spcPts val="0"/>
+              </a:spcAft>
+              <a:buNone/>
+            </a:pPr>
+            <a:fld id="{00000000-1234-1234-1234-123412341234}" type="slidenum">
+              <a:rPr lang="fr-CH"/>
+              <a:t>16</a:t>
+            </a:fld>
+            <a:endParaRPr/>
+          </a:p>
+        </p:txBody>
+      </p:sp>
+      <p:sp>
+        <p:nvSpPr>
+          <p:cNvPr id="81" name="Google Shape;81;p5:notes"/>
+          <p:cNvSpPr>
+            <a:spLocks noGrp="1" noRot="1" noChangeAspect="1"/>
+          </p:cNvSpPr>
+          <p:nvPr>
+            <p:ph type="sldImg" idx="2"/>
+          </p:nvPr>
+        </p:nvSpPr>
+        <p:spPr>
+          <a:xfrm>
+            <a:off x="1144588" y="687388"/>
+            <a:ext cx="4568825" cy="3427412"/>
+          </a:xfrm>
+          <a:custGeom>
+            <a:avLst/>
+            <a:gdLst/>
+            <a:ahLst/>
+            <a:cxnLst/>
+            <a:rect l="l" t="t" r="r" b="b"/>
+            <a:pathLst>
+              <a:path w="120000" h="120000" extrusionOk="0">
+                <a:moveTo>
+                  <a:pt x="0" y="0"/>
+                </a:moveTo>
+                <a:lnTo>
+                  <a:pt x="120000" y="0"/>
+                </a:lnTo>
+                <a:lnTo>
+                  <a:pt x="120000" y="120000"/>
+                </a:lnTo>
+                <a:lnTo>
+                  <a:pt x="0" y="120000"/>
+                </a:lnTo>
+                <a:close/>
+              </a:path>
+            </a:pathLst>
+          </a:custGeom>
+          <a:noFill/>
+          <a:ln>
+            <a:noFill/>
+          </a:ln>
+        </p:spPr>
+      </p:sp>
+      <p:sp>
+        <p:nvSpPr>
+          <p:cNvPr id="82" name="Google Shape;82;p5:notes"/>
+          <p:cNvSpPr txBox="1">
+            <a:spLocks noGrp="1"/>
+          </p:cNvSpPr>
+          <p:nvPr>
+            <p:ph type="body" idx="1"/>
+          </p:nvPr>
+        </p:nvSpPr>
+        <p:spPr>
+          <a:xfrm>
+            <a:off x="685800" y="4343400"/>
+            <a:ext cx="5486400" cy="4114800"/>
+          </a:xfrm>
+          <a:prstGeom prst="rect">
+            <a:avLst/>
+          </a:prstGeom>
+          <a:noFill/>
+          <a:ln>
+            <a:noFill/>
+          </a:ln>
+        </p:spPr>
+        <p:txBody>
+          <a:bodyPr spcFirstLastPara="1" wrap="square" lIns="91425" tIns="45700" rIns="91425" bIns="45700" anchor="t" anchorCtr="0">
+            <a:noAutofit/>
+          </a:bodyPr>
+          <a:lstStyle/>
+          <a:p>
+            <a:pPr marL="0" lvl="0" indent="0" algn="l" rtl="0">
+              <a:spcBef>
+                <a:spcPts val="0"/>
+              </a:spcBef>
+              <a:spcAft>
+                <a:spcPts val="0"/>
+              </a:spcAft>
+              <a:buNone/>
+            </a:pPr>
+            <a:endParaRPr/>
+          </a:p>
+        </p:txBody>
+      </p:sp>
+      <p:sp>
+        <p:nvSpPr>
+          <p:cNvPr id="83" name="Google Shape;83;p5:notes"/>
+          <p:cNvSpPr txBox="1">
+            <a:spLocks noGrp="1"/>
+          </p:cNvSpPr>
+          <p:nvPr>
+            <p:ph type="ftr" idx="11"/>
+          </p:nvPr>
+        </p:nvSpPr>
+        <p:spPr>
+          <a:xfrm>
+            <a:off x="0" y="8685213"/>
+            <a:ext cx="2971800" cy="457200"/>
+          </a:xfrm>
+          <a:prstGeom prst="rect">
+            <a:avLst/>
+          </a:prstGeom>
+          <a:noFill/>
+          <a:ln>
+            <a:noFill/>
+          </a:ln>
+        </p:spPr>
+        <p:txBody>
+          <a:bodyPr spcFirstLastPara="1" wrap="square" lIns="91425" tIns="45700" rIns="91425" bIns="45700" anchor="b" anchorCtr="0">
+            <a:noAutofit/>
+          </a:bodyPr>
+          <a:lstStyle/>
+          <a:p>
+            <a:pPr marL="0" lvl="0" indent="0" algn="l" rtl="0">
+              <a:spcBef>
+                <a:spcPts val="0"/>
+              </a:spcBef>
+              <a:spcAft>
+                <a:spcPts val="0"/>
+              </a:spcAft>
+              <a:buNone/>
+            </a:pPr>
+            <a:r>
+              <a:rPr lang="fr-CH"/>
+              <a:t>CF-geo présentation</a:t>
+            </a:r>
+            <a:endParaRPr/>
+          </a:p>
+        </p:txBody>
+      </p:sp>
+    </p:spTree>
+    <p:extLst>
+      <p:ext uri="{BB962C8B-B14F-4D97-AF65-F5344CB8AC3E}">
+        <p14:creationId xmlns:p14="http://schemas.microsoft.com/office/powerpoint/2010/main" val="1385263341"/>
+      </p:ext>
+    </p:extLst>
+  </p:cSld>
+  <p:clrMapOvr>
+    <a:masterClrMapping/>
+  </p:clrMapOvr>
+</p:notes>
+</file>
+
+<file path=ppt/notesSlides/notesSlide17.xml><?xml version="1.0" encoding="utf-8"?>
 <p:notes xmlns:a="http://schemas.openxmlformats.org/drawingml/2006/main" xmlns:r="http://schemas.openxmlformats.org/officeDocument/2006/relationships" xmlns:p="http://schemas.openxmlformats.org/presentationml/2006/main" showMasterSp="0" showMasterPhAnim="0">
   <p:cSld>
     <p:spTree>
@@ -2651,6 +2762,115 @@
     </p:spTree>
     <p:extLst>
       <p:ext uri="{BB962C8B-B14F-4D97-AF65-F5344CB8AC3E}">
+        <p14:creationId xmlns:p14="http://schemas.microsoft.com/office/powerpoint/2010/main" val="1606852045"/>
+      </p:ext>
+    </p:extLst>
+  </p:cSld>
+  <p:clrMapOvr>
+    <a:masterClrMapping/>
+  </p:clrMapOvr>
+</p:notes>
+</file>
+
+<file path=ppt/notesSlides/notesSlide18.xml><?xml version="1.0" encoding="utf-8"?>
+<p:notes xmlns:a="http://schemas.openxmlformats.org/drawingml/2006/main" xmlns:r="http://schemas.openxmlformats.org/officeDocument/2006/relationships" xmlns:p="http://schemas.openxmlformats.org/presentationml/2006/main" showMasterSp="0" showMasterPhAnim="0">
+  <p:cSld>
+    <p:spTree>
+      <p:nvGrpSpPr>
+        <p:cNvPr id="1" name="Shape 67"/>
+        <p:cNvGrpSpPr/>
+        <p:nvPr/>
+      </p:nvGrpSpPr>
+      <p:grpSpPr>
+        <a:xfrm>
+          <a:off x="0" y="0"/>
+          <a:ext cx="0" cy="0"/>
+          <a:chOff x="0" y="0"/>
+          <a:chExt cx="0" cy="0"/>
+        </a:xfrm>
+      </p:grpSpPr>
+      <p:sp>
+        <p:nvSpPr>
+          <p:cNvPr id="68" name="Google Shape;68;p3:notes"/>
+          <p:cNvSpPr txBox="1">
+            <a:spLocks noGrp="1"/>
+          </p:cNvSpPr>
+          <p:nvPr>
+            <p:ph type="body" idx="1"/>
+          </p:nvPr>
+        </p:nvSpPr>
+        <p:spPr>
+          <a:xfrm>
+            <a:off x="685800" y="4343400"/>
+            <a:ext cx="5486400" cy="4114800"/>
+          </a:xfrm>
+          <a:prstGeom prst="rect">
+            <a:avLst/>
+          </a:prstGeom>
+        </p:spPr>
+        <p:txBody>
+          <a:bodyPr spcFirstLastPara="1" wrap="square" lIns="91425" tIns="45700" rIns="91425" bIns="45700" anchor="t" anchorCtr="0">
+            <a:noAutofit/>
+          </a:bodyPr>
+          <a:lstStyle/>
+          <a:p>
+            <a:pPr marL="0" lvl="0" indent="0" algn="l" rtl="0">
+              <a:spcBef>
+                <a:spcPts val="360"/>
+              </a:spcBef>
+              <a:spcAft>
+                <a:spcPts val="0"/>
+              </a:spcAft>
+              <a:buNone/>
+            </a:pPr>
+            <a:endParaRPr/>
+          </a:p>
+        </p:txBody>
+      </p:sp>
+      <p:sp>
+        <p:nvSpPr>
+          <p:cNvPr id="69" name="Google Shape;69;p3:notes"/>
+          <p:cNvSpPr>
+            <a:spLocks noGrp="1" noRot="1" noChangeAspect="1"/>
+          </p:cNvSpPr>
+          <p:nvPr>
+            <p:ph type="sldImg" idx="2"/>
+          </p:nvPr>
+        </p:nvSpPr>
+        <p:spPr>
+          <a:xfrm>
+            <a:off x="1143000" y="685800"/>
+            <a:ext cx="4572000" cy="3429000"/>
+          </a:xfrm>
+          <a:custGeom>
+            <a:avLst/>
+            <a:gdLst/>
+            <a:ahLst/>
+            <a:cxnLst/>
+            <a:rect l="l" t="t" r="r" b="b"/>
+            <a:pathLst>
+              <a:path w="120000" h="120000" extrusionOk="0">
+                <a:moveTo>
+                  <a:pt x="0" y="0"/>
+                </a:moveTo>
+                <a:lnTo>
+                  <a:pt x="120000" y="0"/>
+                </a:lnTo>
+                <a:lnTo>
+                  <a:pt x="120000" y="120000"/>
+                </a:lnTo>
+                <a:lnTo>
+                  <a:pt x="0" y="120000"/>
+                </a:lnTo>
+                <a:close/>
+              </a:path>
+            </a:pathLst>
+          </a:custGeom>
+        </p:spPr>
+      </p:sp>
+    </p:spTree>
+    <p:extLst>
+      <p:ext uri="{BB962C8B-B14F-4D97-AF65-F5344CB8AC3E}">
         <p14:creationId xmlns:p14="http://schemas.microsoft.com/office/powerpoint/2010/main" val="278965142"/>
       </p:ext>
     </p:extLst>
@@ -2661,7 +2881,7 @@
 </p:notes>
 </file>
 
-<file path=ppt/notesSlides/notesSlide17.xml><?xml version="1.0" encoding="utf-8"?>
+<file path=ppt/notesSlides/notesSlide19.xml><?xml version="1.0" encoding="utf-8"?>
 <p:notes xmlns:a="http://schemas.openxmlformats.org/drawingml/2006/main" xmlns:r="http://schemas.openxmlformats.org/officeDocument/2006/relationships" xmlns:p="http://schemas.openxmlformats.org/presentationml/2006/main" showMasterSp="0" showMasterPhAnim="0">
   <p:cSld>
     <p:spTree>
@@ -5838,7 +6058,7 @@
         <p14:doors dir="vert"/>
       </p:transition>
     </mc:Choice>
-    <mc:Fallback xmlns="" xmlns:mv="urn:schemas-microsoft-com:mac:vml" xmlns:c="http://schemas.openxmlformats.org/drawingml/2006/chart" xmlns:dgm="http://schemas.openxmlformats.org/drawingml/2006/diagram" xmlns:o="urn:schemas-microsoft-com:office:office" xmlns:v="urn:schemas-microsoft-com:vml" xmlns:pvml="urn:schemas-microsoft-com:office:powerpoint" xmlns:com="http://schemas.openxmlformats.org/drawingml/2006/compatibility" xmlns:p15="http://schemas.microsoft.com/office/powerpoint/2012/main" xmlns:ahyp="http://schemas.microsoft.com/office/drawing/2018/hyperlinkcolor">
+    <mc:Fallback xmlns:ahyp="http://schemas.microsoft.com/office/drawing/2018/hyperlinkcolor" xmlns:p15="http://schemas.microsoft.com/office/powerpoint/2012/main" xmlns:com="http://schemas.openxmlformats.org/drawingml/2006/compatibility" xmlns:pvml="urn:schemas-microsoft-com:office:powerpoint" xmlns:v="urn:schemas-microsoft-com:vml" xmlns:o="urn:schemas-microsoft-com:office:office" xmlns:dgm="http://schemas.openxmlformats.org/drawingml/2006/diagram" xmlns:c="http://schemas.openxmlformats.org/drawingml/2006/chart" xmlns:mv="urn:schemas-microsoft-com:mac:vml" xmlns="">
       <p:transition spd="med">
         <p:fade/>
       </p:transition>
@@ -6530,106 +6750,149 @@
                 <a:cs typeface="Century Gothic"/>
                 <a:sym typeface="Century Gothic"/>
               </a:rPr>
-              <a:t>WMTS</a:t>
+              <a:t>WMS - </a:t>
+            </a:r>
+            <a:r>
+              <a:rPr lang="fr-CH" dirty="0" err="1">
+                <a:latin typeface="Century Gothic"/>
+                <a:ea typeface="Century Gothic"/>
+                <a:cs typeface="Century Gothic"/>
+                <a:sym typeface="Century Gothic"/>
+              </a:rPr>
+              <a:t>GetMap</a:t>
             </a:r>
             <a:endParaRPr lang="fr-CH" dirty="0"/>
           </a:p>
         </p:txBody>
       </p:sp>
-      <p:pic>
-        <p:nvPicPr>
-          <p:cNvPr id="3" name="Picture 2">
+      <p:sp>
+        <p:nvSpPr>
+          <p:cNvPr id="6" name="TextBox 5">
             <a:extLst>
               <a:ext uri="{FF2B5EF4-FFF2-40B4-BE49-F238E27FC236}">
-                <a16:creationId xmlns:a16="http://schemas.microsoft.com/office/drawing/2014/main" id="{BD354DF7-F045-41F0-B072-18501EABFE5F}"/>
+                <a16:creationId xmlns:a16="http://schemas.microsoft.com/office/drawing/2014/main" id="{560AB34C-2C32-4F23-9203-8D394AA89DE9}"/>
               </a:ext>
             </a:extLst>
           </p:cNvPr>
-          <p:cNvPicPr>
-            <a:picLocks noChangeAspect="1"/>
-          </p:cNvPicPr>
+          <p:cNvSpPr txBox="1"/>
           <p:nvPr/>
-        </p:nvPicPr>
-        <p:blipFill>
-          <a:blip r:embed="rId3"/>
-          <a:stretch>
-            <a:fillRect/>
-          </a:stretch>
-        </p:blipFill>
-        <p:spPr>
-          <a:xfrm>
-            <a:off x="693168" y="1518372"/>
-            <a:ext cx="7544899" cy="4454748"/>
-          </a:xfrm>
-          <a:prstGeom prst="rect">
-            <a:avLst/>
-          </a:prstGeom>
-        </p:spPr>
-      </p:pic>
-      <p:pic>
-        <p:nvPicPr>
-          <p:cNvPr id="6" name="Picture 5">
+        </p:nvSpPr>
+        <p:spPr>
+          <a:xfrm>
+            <a:off x="518056" y="2474893"/>
+            <a:ext cx="4652432" cy="954107"/>
+          </a:xfrm>
+          <a:prstGeom prst="rect">
+            <a:avLst/>
+          </a:prstGeom>
+          <a:noFill/>
+        </p:spPr>
+        <p:txBody>
+          <a:bodyPr wrap="square">
+            <a:spAutoFit/>
+          </a:bodyPr>
+          <a:lstStyle/>
+          <a:p>
+            <a:r>
+              <a:rPr lang="fr-CH" b="0" i="0" dirty="0">
+                <a:solidFill>
+                  <a:srgbClr val="212121"/>
+                </a:solidFill>
+                <a:effectLst/>
+                <a:latin typeface="Inter"/>
+              </a:rPr>
+              <a:t>https://formation.geopol.ch/cfgeo/ec2-52-59-216-77.eu-central-1.compute.amazonaws.com/cgi-bin/qgis_mapserv.fcgi.exe?SERVICE=WMS&amp;VERSION=1.3.0&amp;REQUEST=GetCapabilities&amp;map=cfgeo.qgz</a:t>
+            </a:r>
+            <a:endParaRPr lang="fr-CH" dirty="0"/>
+          </a:p>
+        </p:txBody>
+      </p:sp>
+      <p:sp>
+        <p:nvSpPr>
+          <p:cNvPr id="8" name="TextBox 7">
             <a:extLst>
               <a:ext uri="{FF2B5EF4-FFF2-40B4-BE49-F238E27FC236}">
-                <a16:creationId xmlns:a16="http://schemas.microsoft.com/office/drawing/2014/main" id="{6F9FD353-782C-42D6-80C8-7FDB2E8895EA}"/>
+                <a16:creationId xmlns:a16="http://schemas.microsoft.com/office/drawing/2014/main" id="{EDA0A2AE-DBA7-4DC6-A447-17B4CDF38CA6}"/>
               </a:ext>
             </a:extLst>
           </p:cNvPr>
-          <p:cNvPicPr>
-            <a:picLocks noChangeAspect="1"/>
-          </p:cNvPicPr>
+          <p:cNvSpPr txBox="1"/>
           <p:nvPr/>
-        </p:nvPicPr>
-        <p:blipFill>
-          <a:blip r:embed="rId4"/>
-          <a:stretch>
-            <a:fillRect/>
-          </a:stretch>
-        </p:blipFill>
-        <p:spPr>
-          <a:xfrm>
-            <a:off x="769697" y="5068301"/>
-            <a:ext cx="3439005" cy="819264"/>
-          </a:xfrm>
-          <a:prstGeom prst="rect">
-            <a:avLst/>
-          </a:prstGeom>
-        </p:spPr>
-      </p:pic>
-      <p:pic>
-        <p:nvPicPr>
-          <p:cNvPr id="8" name="Picture 7">
+        </p:nvSpPr>
+        <p:spPr>
+          <a:xfrm>
+            <a:off x="518056" y="4048836"/>
+            <a:ext cx="4652432" cy="1384995"/>
+          </a:xfrm>
+          <a:prstGeom prst="rect">
+            <a:avLst/>
+          </a:prstGeom>
+          <a:noFill/>
+        </p:spPr>
+        <p:txBody>
+          <a:bodyPr wrap="square">
+            <a:spAutoFit/>
+          </a:bodyPr>
+          <a:lstStyle/>
+          <a:p>
+            <a:r>
+              <a:rPr lang="fr-CH" b="0" i="0" dirty="0">
+                <a:solidFill>
+                  <a:srgbClr val="212121"/>
+                </a:solidFill>
+                <a:effectLst/>
+                <a:latin typeface="Inter"/>
+              </a:rPr>
+              <a:t>https://formation.geopol.ch/cfgeo/ec2-52-59-216-77.eu-central-1.compute.amazonaws.com/cgi-bin/qgis_mapserv.fcgi.exe?MAP=cfgeo.qgz&amp;SERVICE=WMS&amp;VERSION=1.3.0&amp;REQUEST=GetMap&amp;BBOX=2534472,1176780,2541983,1182660&amp;SRS=EPSG:2056&amp;WIDTH=665&amp;HEIGHT=551&amp;LAYERS=commune&amp;FORMAT=image/jpeg</a:t>
+            </a:r>
+            <a:endParaRPr lang="fr-CH" dirty="0"/>
+          </a:p>
+        </p:txBody>
+      </p:sp>
+      <p:sp>
+        <p:nvSpPr>
+          <p:cNvPr id="7" name="TextBox 6">
             <a:extLst>
               <a:ext uri="{FF2B5EF4-FFF2-40B4-BE49-F238E27FC236}">
-                <a16:creationId xmlns:a16="http://schemas.microsoft.com/office/drawing/2014/main" id="{229FCDB0-986B-416E-B23B-49B86F283FEE}"/>
+                <a16:creationId xmlns:a16="http://schemas.microsoft.com/office/drawing/2014/main" id="{106E08A1-4AA7-48DF-9F96-2F5040841AAA}"/>
               </a:ext>
             </a:extLst>
           </p:cNvPr>
-          <p:cNvPicPr>
-            <a:picLocks noChangeAspect="1"/>
-          </p:cNvPicPr>
+          <p:cNvSpPr txBox="1"/>
           <p:nvPr/>
-        </p:nvPicPr>
-        <p:blipFill>
-          <a:blip r:embed="rId4"/>
-          <a:stretch>
-            <a:fillRect/>
-          </a:stretch>
-        </p:blipFill>
-        <p:spPr>
-          <a:xfrm>
-            <a:off x="4638963" y="1518372"/>
-            <a:ext cx="3439005" cy="819264"/>
-          </a:xfrm>
-          <a:prstGeom prst="rect">
-            <a:avLst/>
-          </a:prstGeom>
-        </p:spPr>
-      </p:pic>
+        </p:nvSpPr>
+        <p:spPr>
+          <a:xfrm>
+            <a:off x="618067" y="2011087"/>
+            <a:ext cx="1930400" cy="307777"/>
+          </a:xfrm>
+          <a:prstGeom prst="rect">
+            <a:avLst/>
+          </a:prstGeom>
+          <a:noFill/>
+        </p:spPr>
+        <p:txBody>
+          <a:bodyPr wrap="square" rtlCol="0">
+            <a:spAutoFit/>
+          </a:bodyPr>
+          <a:lstStyle/>
+          <a:p>
+            <a:r>
+              <a:rPr lang="en-GB" dirty="0" err="1"/>
+              <a:t>Exemples</a:t>
+            </a:r>
+            <a:r>
+              <a:rPr lang="en-GB" dirty="0"/>
+              <a:t> :</a:t>
+            </a:r>
+            <a:endParaRPr lang="fr-CH" dirty="0"/>
+          </a:p>
+        </p:txBody>
+      </p:sp>
     </p:spTree>
     <p:extLst>
       <p:ext uri="{BB962C8B-B14F-4D97-AF65-F5344CB8AC3E}">
-        <p14:creationId xmlns:p14="http://schemas.microsoft.com/office/powerpoint/2010/main" val="296832095"/>
+        <p14:creationId xmlns:p14="http://schemas.microsoft.com/office/powerpoint/2010/main" val="459384355"/>
       </p:ext>
     </p:extLst>
   </p:cSld>
@@ -6715,7 +6978,7 @@
                 <a:cs typeface="Century Gothic"/>
                 <a:sym typeface="Century Gothic"/>
               </a:rPr>
-              <a:t>WFS</a:t>
+              <a:t>WMTS</a:t>
             </a:r>
             <a:endParaRPr lang="fr-CH" dirty="0"/>
           </a:p>
@@ -6726,7 +6989,7 @@
           <p:cNvPr id="3" name="Picture 2">
             <a:extLst>
               <a:ext uri="{FF2B5EF4-FFF2-40B4-BE49-F238E27FC236}">
-                <a16:creationId xmlns:a16="http://schemas.microsoft.com/office/drawing/2014/main" id="{41637316-82AC-4D3B-83A7-B598D8A5CA5E}"/>
+                <a16:creationId xmlns:a16="http://schemas.microsoft.com/office/drawing/2014/main" id="{BD354DF7-F045-41F0-B072-18501EABFE5F}"/>
               </a:ext>
             </a:extLst>
           </p:cNvPr>
@@ -6743,8 +7006,68 @@
         </p:blipFill>
         <p:spPr>
           <a:xfrm>
-            <a:off x="1438469" y="2059317"/>
-            <a:ext cx="4810796" cy="2857899"/>
+            <a:off x="693168" y="1518372"/>
+            <a:ext cx="7544899" cy="4454748"/>
+          </a:xfrm>
+          <a:prstGeom prst="rect">
+            <a:avLst/>
+          </a:prstGeom>
+        </p:spPr>
+      </p:pic>
+      <p:pic>
+        <p:nvPicPr>
+          <p:cNvPr id="6" name="Picture 5">
+            <a:extLst>
+              <a:ext uri="{FF2B5EF4-FFF2-40B4-BE49-F238E27FC236}">
+                <a16:creationId xmlns:a16="http://schemas.microsoft.com/office/drawing/2014/main" id="{6F9FD353-782C-42D6-80C8-7FDB2E8895EA}"/>
+              </a:ext>
+            </a:extLst>
+          </p:cNvPr>
+          <p:cNvPicPr>
+            <a:picLocks noChangeAspect="1"/>
+          </p:cNvPicPr>
+          <p:nvPr/>
+        </p:nvPicPr>
+        <p:blipFill>
+          <a:blip r:embed="rId4"/>
+          <a:stretch>
+            <a:fillRect/>
+          </a:stretch>
+        </p:blipFill>
+        <p:spPr>
+          <a:xfrm>
+            <a:off x="769697" y="5068301"/>
+            <a:ext cx="3439005" cy="819264"/>
+          </a:xfrm>
+          <a:prstGeom prst="rect">
+            <a:avLst/>
+          </a:prstGeom>
+        </p:spPr>
+      </p:pic>
+      <p:pic>
+        <p:nvPicPr>
+          <p:cNvPr id="8" name="Picture 7">
+            <a:extLst>
+              <a:ext uri="{FF2B5EF4-FFF2-40B4-BE49-F238E27FC236}">
+                <a16:creationId xmlns:a16="http://schemas.microsoft.com/office/drawing/2014/main" id="{229FCDB0-986B-416E-B23B-49B86F283FEE}"/>
+              </a:ext>
+            </a:extLst>
+          </p:cNvPr>
+          <p:cNvPicPr>
+            <a:picLocks noChangeAspect="1"/>
+          </p:cNvPicPr>
+          <p:nvPr/>
+        </p:nvPicPr>
+        <p:blipFill>
+          <a:blip r:embed="rId4"/>
+          <a:stretch>
+            <a:fillRect/>
+          </a:stretch>
+        </p:blipFill>
+        <p:spPr>
+          <a:xfrm>
+            <a:off x="4638963" y="1518372"/>
+            <a:ext cx="3439005" cy="819264"/>
           </a:xfrm>
           <a:prstGeom prst="rect">
             <a:avLst/>
@@ -6754,7 +7077,7 @@
     </p:spTree>
     <p:extLst>
       <p:ext uri="{BB962C8B-B14F-4D97-AF65-F5344CB8AC3E}">
-        <p14:creationId xmlns:p14="http://schemas.microsoft.com/office/powerpoint/2010/main" val="2887245650"/>
+        <p14:creationId xmlns:p14="http://schemas.microsoft.com/office/powerpoint/2010/main" val="296832095"/>
       </p:ext>
     </p:extLst>
   </p:cSld>
@@ -6824,6 +7147,350 @@
           </a:bodyPr>
           <a:lstStyle/>
           <a:p>
+            <a:pPr marL="0" lvl="0" indent="0" algn="r" rtl="0">
+              <a:spcBef>
+                <a:spcPts val="0"/>
+              </a:spcBef>
+              <a:spcAft>
+                <a:spcPts val="0"/>
+              </a:spcAft>
+              <a:buNone/>
+            </a:pPr>
+            <a:r>
+              <a:rPr lang="fr-CH" dirty="0">
+                <a:latin typeface="Century Gothic"/>
+                <a:ea typeface="Century Gothic"/>
+                <a:cs typeface="Century Gothic"/>
+                <a:sym typeface="Century Gothic"/>
+              </a:rPr>
+              <a:t>WFS</a:t>
+            </a:r>
+            <a:endParaRPr lang="fr-CH" dirty="0"/>
+          </a:p>
+        </p:txBody>
+      </p:sp>
+      <p:pic>
+        <p:nvPicPr>
+          <p:cNvPr id="3" name="Picture 2">
+            <a:extLst>
+              <a:ext uri="{FF2B5EF4-FFF2-40B4-BE49-F238E27FC236}">
+                <a16:creationId xmlns:a16="http://schemas.microsoft.com/office/drawing/2014/main" id="{41637316-82AC-4D3B-83A7-B598D8A5CA5E}"/>
+              </a:ext>
+            </a:extLst>
+          </p:cNvPr>
+          <p:cNvPicPr>
+            <a:picLocks noChangeAspect="1"/>
+          </p:cNvPicPr>
+          <p:nvPr/>
+        </p:nvPicPr>
+        <p:blipFill>
+          <a:blip r:embed="rId3"/>
+          <a:stretch>
+            <a:fillRect/>
+          </a:stretch>
+        </p:blipFill>
+        <p:spPr>
+          <a:xfrm>
+            <a:off x="1438469" y="2059317"/>
+            <a:ext cx="4810796" cy="2857899"/>
+          </a:xfrm>
+          <a:prstGeom prst="rect">
+            <a:avLst/>
+          </a:prstGeom>
+        </p:spPr>
+      </p:pic>
+    </p:spTree>
+    <p:extLst>
+      <p:ext uri="{BB962C8B-B14F-4D97-AF65-F5344CB8AC3E}">
+        <p14:creationId xmlns:p14="http://schemas.microsoft.com/office/powerpoint/2010/main" val="2887245650"/>
+      </p:ext>
+    </p:extLst>
+  </p:cSld>
+  <p:clrMapOvr>
+    <a:masterClrMapping/>
+  </p:clrMapOvr>
+</p:sld>
+</file>
+
+<file path=ppt/slides/slide14.xml><?xml version="1.0" encoding="utf-8"?>
+<p:sld xmlns:a="http://schemas.openxmlformats.org/drawingml/2006/main" xmlns:r="http://schemas.openxmlformats.org/officeDocument/2006/relationships" xmlns:p="http://schemas.openxmlformats.org/presentationml/2006/main">
+  <p:cSld>
+    <p:spTree>
+      <p:nvGrpSpPr>
+        <p:cNvPr id="1" name="Shape 70"/>
+        <p:cNvGrpSpPr/>
+        <p:nvPr/>
+      </p:nvGrpSpPr>
+      <p:grpSpPr>
+        <a:xfrm>
+          <a:off x="0" y="0"/>
+          <a:ext cx="0" cy="0"/>
+          <a:chOff x="0" y="0"/>
+          <a:chExt cx="0" cy="0"/>
+        </a:xfrm>
+      </p:grpSpPr>
+      <p:sp>
+        <p:nvSpPr>
+          <p:cNvPr id="71" name="Google Shape;71;p3"/>
+          <p:cNvSpPr txBox="1">
+            <a:spLocks noGrp="1"/>
+          </p:cNvSpPr>
+          <p:nvPr>
+            <p:ph type="title"/>
+          </p:nvPr>
+        </p:nvSpPr>
+        <p:spPr>
+          <a:xfrm>
+            <a:off x="1196977" y="0"/>
+            <a:ext cx="7947023" cy="1196975"/>
+          </a:xfrm>
+          <a:prstGeom prst="rect">
+            <a:avLst/>
+          </a:prstGeom>
+          <a:gradFill>
+            <a:gsLst>
+              <a:gs pos="0">
+                <a:srgbClr val="FFFFFF">
+                  <a:alpha val="45882"/>
+                </a:srgbClr>
+              </a:gs>
+              <a:gs pos="100000">
+                <a:srgbClr val="FF3300">
+                  <a:alpha val="64705"/>
+                </a:srgbClr>
+              </a:gs>
+            </a:gsLst>
+            <a:lin ang="0" scaled="0"/>
+          </a:gradFill>
+          <a:ln>
+            <a:noFill/>
+          </a:ln>
+        </p:spPr>
+        <p:txBody>
+          <a:bodyPr spcFirstLastPara="1" wrap="square" lIns="91425" tIns="45700" rIns="91425" bIns="45700" anchor="ctr" anchorCtr="0">
+            <a:noAutofit/>
+          </a:bodyPr>
+          <a:lstStyle/>
+          <a:p>
+            <a:pPr marL="0" lvl="0" indent="0" algn="r" rtl="0">
+              <a:spcBef>
+                <a:spcPts val="0"/>
+              </a:spcBef>
+              <a:spcAft>
+                <a:spcPts val="0"/>
+              </a:spcAft>
+              <a:buNone/>
+            </a:pPr>
+            <a:r>
+              <a:rPr lang="fr-CH" dirty="0">
+                <a:latin typeface="Century Gothic"/>
+                <a:ea typeface="Century Gothic"/>
+                <a:cs typeface="Century Gothic"/>
+                <a:sym typeface="Century Gothic"/>
+              </a:rPr>
+              <a:t>WFS</a:t>
+            </a:r>
+            <a:endParaRPr lang="fr-CH" dirty="0"/>
+          </a:p>
+        </p:txBody>
+      </p:sp>
+      <p:sp>
+        <p:nvSpPr>
+          <p:cNvPr id="5" name="TextBox 4">
+            <a:extLst>
+              <a:ext uri="{FF2B5EF4-FFF2-40B4-BE49-F238E27FC236}">
+                <a16:creationId xmlns:a16="http://schemas.microsoft.com/office/drawing/2014/main" id="{72505978-E949-4F6B-A9D3-EE04B74ED4BC}"/>
+              </a:ext>
+            </a:extLst>
+          </p:cNvPr>
+          <p:cNvSpPr txBox="1"/>
+          <p:nvPr/>
+        </p:nvSpPr>
+        <p:spPr>
+          <a:xfrm>
+            <a:off x="618067" y="2655922"/>
+            <a:ext cx="4652432" cy="954107"/>
+          </a:xfrm>
+          <a:prstGeom prst="rect">
+            <a:avLst/>
+          </a:prstGeom>
+          <a:noFill/>
+        </p:spPr>
+        <p:txBody>
+          <a:bodyPr wrap="square">
+            <a:spAutoFit/>
+          </a:bodyPr>
+          <a:lstStyle/>
+          <a:p>
+            <a:r>
+              <a:rPr lang="fr-CH" b="0" i="0" dirty="0">
+                <a:solidFill>
+                  <a:srgbClr val="212121"/>
+                </a:solidFill>
+                <a:effectLst/>
+                <a:latin typeface="Inter"/>
+              </a:rPr>
+              <a:t>https://formation.geopol.ch/cfgeo/ec2-52-59-216-77.eu-central-1.compute.amazonaws.com/cgi-bin/qgis_mapserv.fcgi.exe?SERVICE=WFS&amp;VERSION=1.1.0&amp;REQUEST=GetCapabilities&amp;map=cfgeo.qgz</a:t>
+            </a:r>
+            <a:endParaRPr lang="fr-CH" dirty="0"/>
+          </a:p>
+        </p:txBody>
+      </p:sp>
+      <p:sp>
+        <p:nvSpPr>
+          <p:cNvPr id="6" name="TextBox 5">
+            <a:extLst>
+              <a:ext uri="{FF2B5EF4-FFF2-40B4-BE49-F238E27FC236}">
+                <a16:creationId xmlns:a16="http://schemas.microsoft.com/office/drawing/2014/main" id="{1B29E535-00CE-4343-85EE-B0C2388096DB}"/>
+              </a:ext>
+            </a:extLst>
+          </p:cNvPr>
+          <p:cNvSpPr txBox="1"/>
+          <p:nvPr/>
+        </p:nvSpPr>
+        <p:spPr>
+          <a:xfrm>
+            <a:off x="618067" y="2011087"/>
+            <a:ext cx="1930400" cy="307777"/>
+          </a:xfrm>
+          <a:prstGeom prst="rect">
+            <a:avLst/>
+          </a:prstGeom>
+          <a:noFill/>
+        </p:spPr>
+        <p:txBody>
+          <a:bodyPr wrap="square" rtlCol="0">
+            <a:spAutoFit/>
+          </a:bodyPr>
+          <a:lstStyle/>
+          <a:p>
+            <a:r>
+              <a:rPr lang="en-GB" dirty="0" err="1"/>
+              <a:t>Exemples</a:t>
+            </a:r>
+            <a:r>
+              <a:rPr lang="en-GB" dirty="0"/>
+              <a:t> :</a:t>
+            </a:r>
+            <a:endParaRPr lang="fr-CH" dirty="0"/>
+          </a:p>
+        </p:txBody>
+      </p:sp>
+      <p:sp>
+        <p:nvSpPr>
+          <p:cNvPr id="8" name="TextBox 7">
+            <a:extLst>
+              <a:ext uri="{FF2B5EF4-FFF2-40B4-BE49-F238E27FC236}">
+                <a16:creationId xmlns:a16="http://schemas.microsoft.com/office/drawing/2014/main" id="{5C0DF493-D8A1-4B67-95EE-04B37AA6E3F7}"/>
+              </a:ext>
+            </a:extLst>
+          </p:cNvPr>
+          <p:cNvSpPr txBox="1"/>
+          <p:nvPr/>
+        </p:nvSpPr>
+        <p:spPr>
+          <a:xfrm>
+            <a:off x="647699" y="3947087"/>
+            <a:ext cx="4652432" cy="954107"/>
+          </a:xfrm>
+          <a:prstGeom prst="rect">
+            <a:avLst/>
+          </a:prstGeom>
+          <a:noFill/>
+        </p:spPr>
+        <p:txBody>
+          <a:bodyPr wrap="square">
+            <a:spAutoFit/>
+          </a:bodyPr>
+          <a:lstStyle/>
+          <a:p>
+            <a:r>
+              <a:rPr lang="fr-CH" b="0" i="0" dirty="0">
+                <a:solidFill>
+                  <a:srgbClr val="212121"/>
+                </a:solidFill>
+                <a:effectLst/>
+                <a:latin typeface="Inter"/>
+              </a:rPr>
+              <a:t>https://formation.geopol.ch/cfgeo/ec2-52-59-216-77.eu-central-1.compute.amazonaws.com/cgi-bin/qgis_mapserv.fcgi.exe?MAP=cfgeo.qgz&amp;SERVICE=WFS&amp;VERSION=1.1.0&amp;REQUEST=GetFeature&amp;TypeName=bf</a:t>
+            </a:r>
+            <a:endParaRPr lang="fr-CH" dirty="0"/>
+          </a:p>
+        </p:txBody>
+      </p:sp>
+    </p:spTree>
+    <p:extLst>
+      <p:ext uri="{BB962C8B-B14F-4D97-AF65-F5344CB8AC3E}">
+        <p14:creationId xmlns:p14="http://schemas.microsoft.com/office/powerpoint/2010/main" val="676414870"/>
+      </p:ext>
+    </p:extLst>
+  </p:cSld>
+  <p:clrMapOvr>
+    <a:masterClrMapping/>
+  </p:clrMapOvr>
+</p:sld>
+</file>
+
+<file path=ppt/slides/slide15.xml><?xml version="1.0" encoding="utf-8"?>
+<p:sld xmlns:a="http://schemas.openxmlformats.org/drawingml/2006/main" xmlns:r="http://schemas.openxmlformats.org/officeDocument/2006/relationships" xmlns:p="http://schemas.openxmlformats.org/presentationml/2006/main">
+  <p:cSld>
+    <p:spTree>
+      <p:nvGrpSpPr>
+        <p:cNvPr id="1" name="Shape 70"/>
+        <p:cNvGrpSpPr/>
+        <p:nvPr/>
+      </p:nvGrpSpPr>
+      <p:grpSpPr>
+        <a:xfrm>
+          <a:off x="0" y="0"/>
+          <a:ext cx="0" cy="0"/>
+          <a:chOff x="0" y="0"/>
+          <a:chExt cx="0" cy="0"/>
+        </a:xfrm>
+      </p:grpSpPr>
+      <p:sp>
+        <p:nvSpPr>
+          <p:cNvPr id="71" name="Google Shape;71;p3"/>
+          <p:cNvSpPr txBox="1">
+            <a:spLocks noGrp="1"/>
+          </p:cNvSpPr>
+          <p:nvPr>
+            <p:ph type="title"/>
+          </p:nvPr>
+        </p:nvSpPr>
+        <p:spPr>
+          <a:xfrm>
+            <a:off x="1196977" y="0"/>
+            <a:ext cx="7947023" cy="1196975"/>
+          </a:xfrm>
+          <a:prstGeom prst="rect">
+            <a:avLst/>
+          </a:prstGeom>
+          <a:gradFill>
+            <a:gsLst>
+              <a:gs pos="0">
+                <a:srgbClr val="FFFFFF">
+                  <a:alpha val="45882"/>
+                </a:srgbClr>
+              </a:gs>
+              <a:gs pos="100000">
+                <a:srgbClr val="FF3300">
+                  <a:alpha val="64705"/>
+                </a:srgbClr>
+              </a:gs>
+            </a:gsLst>
+            <a:lin ang="0" scaled="0"/>
+          </a:gradFill>
+          <a:ln>
+            <a:noFill/>
+          </a:ln>
+        </p:spPr>
+        <p:txBody>
+          <a:bodyPr spcFirstLastPara="1" wrap="square" lIns="91425" tIns="45700" rIns="91425" bIns="45700" anchor="ctr" anchorCtr="0">
+            <a:noAutofit/>
+          </a:bodyPr>
+          <a:lstStyle/>
+          <a:p>
             <a:r>
               <a:rPr lang="fr-CH" b="1" dirty="0">
                 <a:effectLst/>
@@ -6923,7 +7590,7 @@
 </p:sld>
 </file>
 
-<file path=ppt/slides/slide14.xml><?xml version="1.0" encoding="utf-8"?>
+<file path=ppt/slides/slide16.xml><?xml version="1.0" encoding="utf-8"?>
 <p:sld xmlns:a="http://schemas.openxmlformats.org/drawingml/2006/main" xmlns:r="http://schemas.openxmlformats.org/officeDocument/2006/relationships" xmlns:p="http://schemas.openxmlformats.org/presentationml/2006/main" showMasterSp="0">
   <p:cSld>
     <p:spTree>
@@ -7335,7 +8002,7 @@
 </p:sld>
 </file>
 
-<file path=ppt/slides/slide15.xml><?xml version="1.0" encoding="utf-8"?>
+<file path=ppt/slides/slide17.xml><?xml version="1.0" encoding="utf-8"?>
 <p:sld xmlns:a="http://schemas.openxmlformats.org/drawingml/2006/main" xmlns:r="http://schemas.openxmlformats.org/officeDocument/2006/relationships" xmlns:p="http://schemas.openxmlformats.org/presentationml/2006/main">
   <p:cSld>
     <p:spTree>
@@ -7673,7 +8340,7 @@
 </p:sld>
 </file>
 
-<file path=ppt/slides/slide16.xml><?xml version="1.0" encoding="utf-8"?>
+<file path=ppt/slides/slide18.xml><?xml version="1.0" encoding="utf-8"?>
 <p:sld xmlns:a="http://schemas.openxmlformats.org/drawingml/2006/main" xmlns:r="http://schemas.openxmlformats.org/officeDocument/2006/relationships" xmlns:p="http://schemas.openxmlformats.org/presentationml/2006/main">
   <p:cSld>
     <p:spTree>
@@ -7798,7 +8465,7 @@
 </p:sld>
 </file>
 
-<file path=ppt/slides/slide17.xml><?xml version="1.0" encoding="utf-8"?>
+<file path=ppt/slides/slide19.xml><?xml version="1.0" encoding="utf-8"?>
 <p:sld xmlns:a="http://schemas.openxmlformats.org/drawingml/2006/main" xmlns:r="http://schemas.openxmlformats.org/officeDocument/2006/relationships" xmlns:p="http://schemas.openxmlformats.org/presentationml/2006/main">
   <p:cSld>
     <p:spTree>

--- a/slides/qgis.pptx
+++ b/slides/qgis.pptx
@@ -13,16 +13,16 @@
     <p:sldId id="260" r:id="rId4"/>
     <p:sldId id="270" r:id="rId5"/>
     <p:sldId id="336" r:id="rId6"/>
-    <p:sldId id="339" r:id="rId7"/>
-    <p:sldId id="271" r:id="rId8"/>
-    <p:sldId id="329" r:id="rId9"/>
-    <p:sldId id="335" r:id="rId10"/>
-    <p:sldId id="338" r:id="rId11"/>
-    <p:sldId id="341" r:id="rId12"/>
-    <p:sldId id="330" r:id="rId13"/>
-    <p:sldId id="331" r:id="rId14"/>
-    <p:sldId id="342" r:id="rId15"/>
-    <p:sldId id="332" r:id="rId16"/>
+    <p:sldId id="271" r:id="rId7"/>
+    <p:sldId id="329" r:id="rId8"/>
+    <p:sldId id="335" r:id="rId9"/>
+    <p:sldId id="338" r:id="rId10"/>
+    <p:sldId id="341" r:id="rId11"/>
+    <p:sldId id="330" r:id="rId12"/>
+    <p:sldId id="331" r:id="rId13"/>
+    <p:sldId id="342" r:id="rId14"/>
+    <p:sldId id="332" r:id="rId15"/>
+    <p:sldId id="339" r:id="rId16"/>
     <p:sldId id="340" r:id="rId17"/>
     <p:sldId id="337" r:id="rId18"/>
     <p:sldId id="333" r:id="rId19"/>
@@ -316,7 +316,7 @@
       </p15:notesGuideLst>
     </p:ext>
     <p:ext uri="http://customooxmlschemas.google.com/">
-      <go:slidesCustomData xmlns:go="http://customooxmlschemas.google.com/" xmlns:ahyp="http://schemas.microsoft.com/office/drawing/2018/hyperlinkcolor" xmlns:p15="http://schemas.microsoft.com/office/powerpoint/2012/main" xmlns:p14="http://schemas.microsoft.com/office/powerpoint/2010/main" xmlns:com="http://schemas.openxmlformats.org/drawingml/2006/compatibility" xmlns:pvml="urn:schemas-microsoft-com:office:powerpoint" xmlns:v="urn:schemas-microsoft-com:vml" xmlns:o="urn:schemas-microsoft-com:office:office" xmlns:dgm="http://schemas.openxmlformats.org/drawingml/2006/diagram" xmlns:c="http://schemas.openxmlformats.org/drawingml/2006/chart" xmlns:mv="urn:schemas-microsoft-com:mac:vml" xmlns:mc="http://schemas.openxmlformats.org/markup-compatibility/2006" xmlns="" r:id="rId89" roundtripDataSignature="AMtx7mh019ysyy8ngHVmXeADEBCdWKWQmw=="/>
+      <go:slidesCustomData xmlns="" xmlns:mc="http://schemas.openxmlformats.org/markup-compatibility/2006" xmlns:mv="urn:schemas-microsoft-com:mac:vml" xmlns:c="http://schemas.openxmlformats.org/drawingml/2006/chart" xmlns:dgm="http://schemas.openxmlformats.org/drawingml/2006/diagram" xmlns:o="urn:schemas-microsoft-com:office:office" xmlns:v="urn:schemas-microsoft-com:vml" xmlns:pvml="urn:schemas-microsoft-com:office:powerpoint" xmlns:com="http://schemas.openxmlformats.org/drawingml/2006/compatibility" xmlns:p14="http://schemas.microsoft.com/office/powerpoint/2010/main" xmlns:p15="http://schemas.microsoft.com/office/powerpoint/2012/main" xmlns:ahyp="http://schemas.microsoft.com/office/drawing/2018/hyperlinkcolor" xmlns:go="http://customooxmlschemas.google.com/" r:id="rId89" roundtripDataSignature="AMtx7mh019ysyy8ngHVmXeADEBCdWKWQmw=="/>
     </p:ext>
   </p:extLst>
 </p:presentation>
@@ -1899,7 +1899,7 @@
     </p:spTree>
     <p:extLst>
       <p:ext uri="{BB962C8B-B14F-4D97-AF65-F5344CB8AC3E}">
-        <p14:creationId xmlns:p14="http://schemas.microsoft.com/office/powerpoint/2010/main" val="4286807798"/>
+        <p14:creationId xmlns:p14="http://schemas.microsoft.com/office/powerpoint/2010/main" val="2373076378"/>
       </p:ext>
     </p:extLst>
   </p:cSld>
@@ -2008,7 +2008,7 @@
     </p:spTree>
     <p:extLst>
       <p:ext uri="{BB962C8B-B14F-4D97-AF65-F5344CB8AC3E}">
-        <p14:creationId xmlns:p14="http://schemas.microsoft.com/office/powerpoint/2010/main" val="2373076378"/>
+        <p14:creationId xmlns:p14="http://schemas.microsoft.com/office/powerpoint/2010/main" val="2966122645"/>
       </p:ext>
     </p:extLst>
   </p:cSld>
@@ -2117,7 +2117,7 @@
     </p:spTree>
     <p:extLst>
       <p:ext uri="{BB962C8B-B14F-4D97-AF65-F5344CB8AC3E}">
-        <p14:creationId xmlns:p14="http://schemas.microsoft.com/office/powerpoint/2010/main" val="2966122645"/>
+        <p14:creationId xmlns:p14="http://schemas.microsoft.com/office/powerpoint/2010/main" val="3061366039"/>
       </p:ext>
     </p:extLst>
   </p:cSld>
@@ -2226,7 +2226,7 @@
     </p:spTree>
     <p:extLst>
       <p:ext uri="{BB962C8B-B14F-4D97-AF65-F5344CB8AC3E}">
-        <p14:creationId xmlns:p14="http://schemas.microsoft.com/office/powerpoint/2010/main" val="3061366039"/>
+        <p14:creationId xmlns:p14="http://schemas.microsoft.com/office/powerpoint/2010/main" val="2913973306"/>
       </p:ext>
     </p:extLst>
   </p:cSld>
@@ -2335,7 +2335,7 @@
     </p:spTree>
     <p:extLst>
       <p:ext uri="{BB962C8B-B14F-4D97-AF65-F5344CB8AC3E}">
-        <p14:creationId xmlns:p14="http://schemas.microsoft.com/office/powerpoint/2010/main" val="2913973306"/>
+        <p14:creationId xmlns:p14="http://schemas.microsoft.com/office/powerpoint/2010/main" val="352550514"/>
       </p:ext>
     </p:extLst>
   </p:cSld>
@@ -2350,7 +2350,7 @@
   <p:cSld>
     <p:spTree>
       <p:nvGrpSpPr>
-        <p:cNvPr id="1" name="Shape 67"/>
+        <p:cNvPr id="1" name="Shape 79"/>
         <p:cNvGrpSpPr/>
         <p:nvPr/>
       </p:nvGrpSpPr>
@@ -2364,45 +2364,53 @@
       </p:grpSpPr>
       <p:sp>
         <p:nvSpPr>
-          <p:cNvPr id="68" name="Google Shape;68;p3:notes"/>
+          <p:cNvPr id="80" name="Google Shape;80;p5:notes"/>
           <p:cNvSpPr txBox="1">
             <a:spLocks noGrp="1"/>
           </p:cNvSpPr>
           <p:nvPr>
-            <p:ph type="body" idx="1"/>
+            <p:ph type="sldNum" idx="12"/>
           </p:nvPr>
         </p:nvSpPr>
         <p:spPr>
           <a:xfrm>
-            <a:off x="685800" y="4343400"/>
-            <a:ext cx="5486400" cy="4114800"/>
-          </a:xfrm>
-          <a:prstGeom prst="rect">
-            <a:avLst/>
-          </a:prstGeom>
+            <a:off x="3884613" y="8685213"/>
+            <a:ext cx="2971800" cy="457200"/>
+          </a:xfrm>
+          <a:prstGeom prst="rect">
+            <a:avLst/>
+          </a:prstGeom>
+          <a:noFill/>
+          <a:ln>
+            <a:noFill/>
+          </a:ln>
         </p:spPr>
         <p:txBody>
-          <a:bodyPr spcFirstLastPara="1" wrap="square" lIns="91425" tIns="45700" rIns="91425" bIns="45700" anchor="t" anchorCtr="0">
+          <a:bodyPr spcFirstLastPara="1" wrap="square" lIns="91425" tIns="45700" rIns="91425" bIns="45700" anchor="b" anchorCtr="0">
             <a:noAutofit/>
           </a:bodyPr>
           <a:lstStyle/>
           <a:p>
-            <a:pPr marL="0" lvl="0" indent="0" algn="l" rtl="0">
-              <a:spcBef>
-                <a:spcPts val="360"/>
+            <a:pPr marL="0" lvl="0" indent="0" algn="r" rtl="0">
+              <a:spcBef>
+                <a:spcPts val="0"/>
               </a:spcBef>
               <a:spcAft>
                 <a:spcPts val="0"/>
               </a:spcAft>
               <a:buNone/>
             </a:pPr>
+            <a:fld id="{00000000-1234-1234-1234-123412341234}" type="slidenum">
+              <a:rPr lang="fr-CH"/>
+              <a:t>15</a:t>
+            </a:fld>
             <a:endParaRPr/>
           </a:p>
         </p:txBody>
       </p:sp>
       <p:sp>
         <p:nvSpPr>
-          <p:cNvPr id="69" name="Google Shape;69;p3:notes"/>
+          <p:cNvPr id="81" name="Google Shape;81;p5:notes"/>
           <p:cNvSpPr>
             <a:spLocks noGrp="1" noRot="1" noChangeAspect="1"/>
           </p:cNvSpPr>
@@ -2412,8 +2420,8 @@
         </p:nvSpPr>
         <p:spPr>
           <a:xfrm>
-            <a:off x="1143000" y="685800"/>
-            <a:ext cx="4572000" cy="3429000"/>
+            <a:off x="1144588" y="687388"/>
+            <a:ext cx="4568825" cy="3427412"/>
           </a:xfrm>
           <a:custGeom>
             <a:avLst/>
@@ -2439,12 +2447,104 @@
               </a:path>
             </a:pathLst>
           </a:custGeom>
-        </p:spPr>
+          <a:noFill/>
+          <a:ln>
+            <a:noFill/>
+          </a:ln>
+        </p:spPr>
+      </p:sp>
+      <p:sp>
+        <p:nvSpPr>
+          <p:cNvPr id="82" name="Google Shape;82;p5:notes"/>
+          <p:cNvSpPr txBox="1">
+            <a:spLocks noGrp="1"/>
+          </p:cNvSpPr>
+          <p:nvPr>
+            <p:ph type="body" idx="1"/>
+          </p:nvPr>
+        </p:nvSpPr>
+        <p:spPr>
+          <a:xfrm>
+            <a:off x="685800" y="4343400"/>
+            <a:ext cx="5486400" cy="4114800"/>
+          </a:xfrm>
+          <a:prstGeom prst="rect">
+            <a:avLst/>
+          </a:prstGeom>
+          <a:noFill/>
+          <a:ln>
+            <a:noFill/>
+          </a:ln>
+        </p:spPr>
+        <p:txBody>
+          <a:bodyPr spcFirstLastPara="1" wrap="square" lIns="91425" tIns="45700" rIns="91425" bIns="45700" anchor="t" anchorCtr="0">
+            <a:noAutofit/>
+          </a:bodyPr>
+          <a:lstStyle/>
+          <a:p>
+            <a:pPr marL="0" lvl="0" indent="0" algn="l" rtl="0">
+              <a:spcBef>
+                <a:spcPts val="0"/>
+              </a:spcBef>
+              <a:spcAft>
+                <a:spcPts val="0"/>
+              </a:spcAft>
+              <a:buNone/>
+            </a:pPr>
+            <a:endParaRPr/>
+          </a:p>
+        </p:txBody>
+      </p:sp>
+      <p:sp>
+        <p:nvSpPr>
+          <p:cNvPr id="83" name="Google Shape;83;p5:notes"/>
+          <p:cNvSpPr txBox="1">
+            <a:spLocks noGrp="1"/>
+          </p:cNvSpPr>
+          <p:nvPr>
+            <p:ph type="ftr" idx="11"/>
+          </p:nvPr>
+        </p:nvSpPr>
+        <p:spPr>
+          <a:xfrm>
+            <a:off x="0" y="8685213"/>
+            <a:ext cx="2971800" cy="457200"/>
+          </a:xfrm>
+          <a:prstGeom prst="rect">
+            <a:avLst/>
+          </a:prstGeom>
+          <a:noFill/>
+          <a:ln>
+            <a:noFill/>
+          </a:ln>
+        </p:spPr>
+        <p:txBody>
+          <a:bodyPr spcFirstLastPara="1" wrap="square" lIns="91425" tIns="45700" rIns="91425" bIns="45700" anchor="b" anchorCtr="0">
+            <a:noAutofit/>
+          </a:bodyPr>
+          <a:lstStyle/>
+          <a:p>
+            <a:pPr marL="0" lvl="0" indent="0" algn="l" rtl="0">
+              <a:spcBef>
+                <a:spcPts val="0"/>
+              </a:spcBef>
+              <a:spcAft>
+                <a:spcPts val="0"/>
+              </a:spcAft>
+              <a:buNone/>
+            </a:pPr>
+            <a:r>
+              <a:rPr lang="fr-CH"/>
+              <a:t>CF-geo présentation</a:t>
+            </a:r>
+            <a:endParaRPr/>
+          </a:p>
+        </p:txBody>
       </p:sp>
     </p:spTree>
     <p:extLst>
       <p:ext uri="{BB962C8B-B14F-4D97-AF65-F5344CB8AC3E}">
-        <p14:creationId xmlns:p14="http://schemas.microsoft.com/office/powerpoint/2010/main" val="352550514"/>
+        <p14:creationId xmlns:p14="http://schemas.microsoft.com/office/powerpoint/2010/main" val="4052146646"/>
       </p:ext>
     </p:extLst>
   </p:cSld>
@@ -3702,7 +3802,7 @@
   <p:cSld>
     <p:spTree>
       <p:nvGrpSpPr>
-        <p:cNvPr id="1" name="Shape 79"/>
+        <p:cNvPr id="1" name="Shape 67"/>
         <p:cNvGrpSpPr/>
         <p:nvPr/>
       </p:nvGrpSpPr>
@@ -3716,53 +3816,45 @@
       </p:grpSpPr>
       <p:sp>
         <p:nvSpPr>
-          <p:cNvPr id="80" name="Google Shape;80;p5:notes"/>
+          <p:cNvPr id="68" name="Google Shape;68;p3:notes"/>
           <p:cNvSpPr txBox="1">
             <a:spLocks noGrp="1"/>
           </p:cNvSpPr>
           <p:nvPr>
-            <p:ph type="sldNum" idx="12"/>
+            <p:ph type="body" idx="1"/>
           </p:nvPr>
         </p:nvSpPr>
         <p:spPr>
           <a:xfrm>
-            <a:off x="3884613" y="8685213"/>
-            <a:ext cx="2971800" cy="457200"/>
-          </a:xfrm>
-          <a:prstGeom prst="rect">
-            <a:avLst/>
-          </a:prstGeom>
-          <a:noFill/>
-          <a:ln>
-            <a:noFill/>
-          </a:ln>
+            <a:off x="685800" y="4343400"/>
+            <a:ext cx="5486400" cy="4114800"/>
+          </a:xfrm>
+          <a:prstGeom prst="rect">
+            <a:avLst/>
+          </a:prstGeom>
         </p:spPr>
         <p:txBody>
-          <a:bodyPr spcFirstLastPara="1" wrap="square" lIns="91425" tIns="45700" rIns="91425" bIns="45700" anchor="b" anchorCtr="0">
+          <a:bodyPr spcFirstLastPara="1" wrap="square" lIns="91425" tIns="45700" rIns="91425" bIns="45700" anchor="t" anchorCtr="0">
             <a:noAutofit/>
           </a:bodyPr>
           <a:lstStyle/>
           <a:p>
-            <a:pPr marL="0" lvl="0" indent="0" algn="r" rtl="0">
-              <a:spcBef>
-                <a:spcPts val="0"/>
+            <a:pPr marL="0" lvl="0" indent="0" algn="l" rtl="0">
+              <a:spcBef>
+                <a:spcPts val="360"/>
               </a:spcBef>
               <a:spcAft>
                 <a:spcPts val="0"/>
               </a:spcAft>
               <a:buNone/>
             </a:pPr>
-            <a:fld id="{00000000-1234-1234-1234-123412341234}" type="slidenum">
-              <a:rPr lang="fr-CH"/>
-              <a:t>6</a:t>
-            </a:fld>
             <a:endParaRPr/>
           </a:p>
         </p:txBody>
       </p:sp>
       <p:sp>
         <p:nvSpPr>
-          <p:cNvPr id="81" name="Google Shape;81;p5:notes"/>
+          <p:cNvPr id="69" name="Google Shape;69;p3:notes"/>
           <p:cNvSpPr>
             <a:spLocks noGrp="1" noRot="1" noChangeAspect="1"/>
           </p:cNvSpPr>
@@ -3772,8 +3864,8 @@
         </p:nvSpPr>
         <p:spPr>
           <a:xfrm>
-            <a:off x="1144588" y="687388"/>
-            <a:ext cx="4568825" cy="3427412"/>
+            <a:off x="1143000" y="685800"/>
+            <a:ext cx="4572000" cy="3429000"/>
           </a:xfrm>
           <a:custGeom>
             <a:avLst/>
@@ -3799,104 +3891,12 @@
               </a:path>
             </a:pathLst>
           </a:custGeom>
-          <a:noFill/>
-          <a:ln>
-            <a:noFill/>
-          </a:ln>
-        </p:spPr>
-      </p:sp>
-      <p:sp>
-        <p:nvSpPr>
-          <p:cNvPr id="82" name="Google Shape;82;p5:notes"/>
-          <p:cNvSpPr txBox="1">
-            <a:spLocks noGrp="1"/>
-          </p:cNvSpPr>
-          <p:nvPr>
-            <p:ph type="body" idx="1"/>
-          </p:nvPr>
-        </p:nvSpPr>
-        <p:spPr>
-          <a:xfrm>
-            <a:off x="685800" y="4343400"/>
-            <a:ext cx="5486400" cy="4114800"/>
-          </a:xfrm>
-          <a:prstGeom prst="rect">
-            <a:avLst/>
-          </a:prstGeom>
-          <a:noFill/>
-          <a:ln>
-            <a:noFill/>
-          </a:ln>
-        </p:spPr>
-        <p:txBody>
-          <a:bodyPr spcFirstLastPara="1" wrap="square" lIns="91425" tIns="45700" rIns="91425" bIns="45700" anchor="t" anchorCtr="0">
-            <a:noAutofit/>
-          </a:bodyPr>
-          <a:lstStyle/>
-          <a:p>
-            <a:pPr marL="0" lvl="0" indent="0" algn="l" rtl="0">
-              <a:spcBef>
-                <a:spcPts val="0"/>
-              </a:spcBef>
-              <a:spcAft>
-                <a:spcPts val="0"/>
-              </a:spcAft>
-              <a:buNone/>
-            </a:pPr>
-            <a:endParaRPr/>
-          </a:p>
-        </p:txBody>
-      </p:sp>
-      <p:sp>
-        <p:nvSpPr>
-          <p:cNvPr id="83" name="Google Shape;83;p5:notes"/>
-          <p:cNvSpPr txBox="1">
-            <a:spLocks noGrp="1"/>
-          </p:cNvSpPr>
-          <p:nvPr>
-            <p:ph type="ftr" idx="11"/>
-          </p:nvPr>
-        </p:nvSpPr>
-        <p:spPr>
-          <a:xfrm>
-            <a:off x="0" y="8685213"/>
-            <a:ext cx="2971800" cy="457200"/>
-          </a:xfrm>
-          <a:prstGeom prst="rect">
-            <a:avLst/>
-          </a:prstGeom>
-          <a:noFill/>
-          <a:ln>
-            <a:noFill/>
-          </a:ln>
-        </p:spPr>
-        <p:txBody>
-          <a:bodyPr spcFirstLastPara="1" wrap="square" lIns="91425" tIns="45700" rIns="91425" bIns="45700" anchor="b" anchorCtr="0">
-            <a:noAutofit/>
-          </a:bodyPr>
-          <a:lstStyle/>
-          <a:p>
-            <a:pPr marL="0" lvl="0" indent="0" algn="l" rtl="0">
-              <a:spcBef>
-                <a:spcPts val="0"/>
-              </a:spcBef>
-              <a:spcAft>
-                <a:spcPts val="0"/>
-              </a:spcAft>
-              <a:buNone/>
-            </a:pPr>
-            <a:r>
-              <a:rPr lang="fr-CH"/>
-              <a:t>CF-geo présentation</a:t>
-            </a:r>
-            <a:endParaRPr/>
-          </a:p>
-        </p:txBody>
+        </p:spPr>
       </p:sp>
     </p:spTree>
     <p:extLst>
       <p:ext uri="{BB962C8B-B14F-4D97-AF65-F5344CB8AC3E}">
-        <p14:creationId xmlns:p14="http://schemas.microsoft.com/office/powerpoint/2010/main" val="4052146646"/>
+        <p14:creationId xmlns:p14="http://schemas.microsoft.com/office/powerpoint/2010/main" val="1779793049"/>
       </p:ext>
     </p:extLst>
   </p:cSld>
@@ -4005,7 +4005,7 @@
     </p:spTree>
     <p:extLst>
       <p:ext uri="{BB962C8B-B14F-4D97-AF65-F5344CB8AC3E}">
-        <p14:creationId xmlns:p14="http://schemas.microsoft.com/office/powerpoint/2010/main" val="1779793049"/>
+        <p14:creationId xmlns:p14="http://schemas.microsoft.com/office/powerpoint/2010/main" val="238318479"/>
       </p:ext>
     </p:extLst>
   </p:cSld>
@@ -4114,7 +4114,7 @@
     </p:spTree>
     <p:extLst>
       <p:ext uri="{BB962C8B-B14F-4D97-AF65-F5344CB8AC3E}">
-        <p14:creationId xmlns:p14="http://schemas.microsoft.com/office/powerpoint/2010/main" val="238318479"/>
+        <p14:creationId xmlns:p14="http://schemas.microsoft.com/office/powerpoint/2010/main" val="2495945172"/>
       </p:ext>
     </p:extLst>
   </p:cSld>
@@ -4223,7 +4223,7 @@
     </p:spTree>
     <p:extLst>
       <p:ext uri="{BB962C8B-B14F-4D97-AF65-F5344CB8AC3E}">
-        <p14:creationId xmlns:p14="http://schemas.microsoft.com/office/powerpoint/2010/main" val="2495945172"/>
+        <p14:creationId xmlns:p14="http://schemas.microsoft.com/office/powerpoint/2010/main" val="4286807798"/>
       </p:ext>
     </p:extLst>
   </p:cSld>
@@ -6058,7 +6058,7 @@
         <p14:doors dir="vert"/>
       </p:transition>
     </mc:Choice>
-    <mc:Fallback xmlns:ahyp="http://schemas.microsoft.com/office/drawing/2018/hyperlinkcolor" xmlns:p15="http://schemas.microsoft.com/office/powerpoint/2012/main" xmlns:com="http://schemas.openxmlformats.org/drawingml/2006/compatibility" xmlns:pvml="urn:schemas-microsoft-com:office:powerpoint" xmlns:v="urn:schemas-microsoft-com:vml" xmlns:o="urn:schemas-microsoft-com:office:office" xmlns:dgm="http://schemas.openxmlformats.org/drawingml/2006/diagram" xmlns:c="http://schemas.openxmlformats.org/drawingml/2006/chart" xmlns:mv="urn:schemas-microsoft-com:mac:vml" xmlns="">
+    <mc:Fallback xmlns="" xmlns:mv="urn:schemas-microsoft-com:mac:vml" xmlns:c="http://schemas.openxmlformats.org/drawingml/2006/chart" xmlns:dgm="http://schemas.openxmlformats.org/drawingml/2006/diagram" xmlns:o="urn:schemas-microsoft-com:office:office" xmlns:v="urn:schemas-microsoft-com:vml" xmlns:pvml="urn:schemas-microsoft-com:office:powerpoint" xmlns:com="http://schemas.openxmlformats.org/drawingml/2006/compatibility" xmlns:p15="http://schemas.microsoft.com/office/powerpoint/2012/main" xmlns:ahyp="http://schemas.microsoft.com/office/drawing/2018/hyperlinkcolor">
       <p:transition spd="med">
         <p:fade/>
       </p:transition>
@@ -6160,511 +6160,172 @@
       </p:sp>
       <p:sp>
         <p:nvSpPr>
-          <p:cNvPr id="4" name="Rectangle 2">
+          <p:cNvPr id="6" name="TextBox 5">
             <a:extLst>
               <a:ext uri="{FF2B5EF4-FFF2-40B4-BE49-F238E27FC236}">
-                <a16:creationId xmlns:a16="http://schemas.microsoft.com/office/drawing/2014/main" id="{0669BD4E-63C0-4CF8-8A29-CF150CBE0CAF}"/>
+                <a16:creationId xmlns:a16="http://schemas.microsoft.com/office/drawing/2014/main" id="{560AB34C-2C32-4F23-9203-8D394AA89DE9}"/>
               </a:ext>
             </a:extLst>
           </p:cNvPr>
-          <p:cNvSpPr>
-            <a:spLocks noChangeArrowheads="1"/>
-          </p:cNvSpPr>
+          <p:cNvSpPr txBox="1"/>
           <p:nvPr/>
         </p:nvSpPr>
-        <p:spPr bwMode="auto">
-          <a:xfrm>
-            <a:off x="846666" y="1520499"/>
-            <a:ext cx="5186035" cy="4401205"/>
+        <p:spPr>
+          <a:xfrm>
+            <a:off x="518056" y="2474893"/>
+            <a:ext cx="4652432" cy="954107"/>
           </a:xfrm>
           <a:prstGeom prst="rect">
             <a:avLst/>
           </a:prstGeom>
           <a:noFill/>
-          <a:ln>
-            <a:noFill/>
-          </a:ln>
-          <a:effectLst/>
-          <a:extLst>
-            <a:ext uri="{909E8E84-426E-40DD-AFC4-6F175D3DCCD1}">
-              <a14:hiddenFill xmlns:a14="http://schemas.microsoft.com/office/drawing/2010/main">
-                <a:solidFill>
-                  <a:schemeClr val="accent1"/>
-                </a:solidFill>
-              </a14:hiddenFill>
-            </a:ext>
-            <a:ext uri="{91240B29-F687-4F45-9708-019B960494DF}">
-              <a14:hiddenLine xmlns:a14="http://schemas.microsoft.com/office/drawing/2010/main" w="9525">
-                <a:solidFill>
-                  <a:schemeClr val="tx1"/>
-                </a:solidFill>
-                <a:miter lim="800000"/>
-                <a:headEnd/>
-                <a:tailEnd/>
-              </a14:hiddenLine>
-            </a:ext>
-            <a:ext uri="{AF507438-7753-43E0-B8FC-AC1667EBCBE1}">
-              <a14:hiddenEffects xmlns:a14="http://schemas.microsoft.com/office/drawing/2010/main">
-                <a:effectLst>
-                  <a:outerShdw dist="35921" dir="2700000" algn="ctr" rotWithShape="0">
-                    <a:schemeClr val="bg2"/>
-                  </a:outerShdw>
-                </a:effectLst>
-              </a14:hiddenEffects>
-            </a:ext>
-          </a:extLst>
         </p:spPr>
         <p:txBody>
-          <a:bodyPr vert="horz" wrap="none" lIns="91440" tIns="45720" rIns="91440" bIns="45720" numCol="1" anchor="ctr" anchorCtr="0" compatLnSpc="1">
-            <a:prstTxWarp prst="textNoShape">
-              <a:avLst/>
-            </a:prstTxWarp>
+          <a:bodyPr wrap="square">
             <a:spAutoFit/>
           </a:bodyPr>
           <a:lstStyle/>
           <a:p>
-            <a:pPr marL="0" marR="0" lvl="0" indent="0" algn="l" defTabSz="914400" rtl="0" eaLnBrk="0" fontAlgn="base" latinLnBrk="0" hangingPunct="0">
-              <a:lnSpc>
-                <a:spcPct val="100000"/>
-              </a:lnSpc>
-              <a:spcBef>
-                <a:spcPct val="0"/>
-              </a:spcBef>
-              <a:spcAft>
-                <a:spcPct val="0"/>
-              </a:spcAft>
-              <a:buClrTx/>
-              <a:buSzTx/>
-              <a:buFontTx/>
-              <a:buNone/>
-              <a:tabLst/>
-            </a:pPr>
-            <a:r>
-              <a:rPr kumimoji="0" lang="fr-FR" altLang="fr-FR" sz="2000" b="0" i="0" u="none" strike="noStrike" cap="none" normalizeH="0" baseline="0" dirty="0">
-                <a:ln>
-                  <a:noFill/>
-                </a:ln>
-                <a:solidFill>
-                  <a:schemeClr val="tx1"/>
-                </a:solidFill>
-                <a:effectLst/>
-                <a:latin typeface="Arial Unicode MS"/>
-              </a:rPr>
-              <a:t>&lt;</a:t>
-            </a:r>
-            <a:r>
-              <a:rPr kumimoji="0" lang="fr-FR" altLang="fr-FR" sz="2000" b="0" i="0" u="none" strike="noStrike" cap="none" normalizeH="0" baseline="0" dirty="0" err="1">
-                <a:ln>
-                  <a:noFill/>
-                </a:ln>
-                <a:solidFill>
-                  <a:schemeClr val="tx1"/>
-                </a:solidFill>
-                <a:effectLst/>
-                <a:latin typeface="Arial Unicode MS"/>
-              </a:rPr>
-              <a:t>votre_DNS</a:t>
-            </a:r>
-            <a:r>
-              <a:rPr kumimoji="0" lang="fr-FR" altLang="fr-FR" sz="2000" b="0" i="0" u="none" strike="noStrike" cap="none" normalizeH="0" baseline="0" dirty="0">
-                <a:ln>
-                  <a:noFill/>
-                </a:ln>
-                <a:solidFill>
-                  <a:schemeClr val="tx1"/>
-                </a:solidFill>
-                <a:effectLst/>
-                <a:latin typeface="Arial Unicode MS"/>
-              </a:rPr>
-              <a:t>&gt;/</a:t>
-            </a:r>
-            <a:r>
-              <a:rPr kumimoji="0" lang="fr-FR" altLang="fr-FR" sz="2000" b="0" i="0" u="none" strike="noStrike" cap="none" normalizeH="0" baseline="0" dirty="0" err="1">
-                <a:ln>
-                  <a:noFill/>
-                </a:ln>
-                <a:solidFill>
-                  <a:schemeClr val="tx1"/>
-                </a:solidFill>
-                <a:effectLst/>
-                <a:latin typeface="Arial Unicode MS"/>
-              </a:rPr>
-              <a:t>cgi</a:t>
-            </a:r>
-            <a:r>
-              <a:rPr kumimoji="0" lang="fr-FR" altLang="fr-FR" sz="2000" b="0" i="0" u="none" strike="noStrike" cap="none" normalizeH="0" baseline="0" dirty="0">
-                <a:ln>
-                  <a:noFill/>
-                </a:ln>
-                <a:solidFill>
-                  <a:schemeClr val="tx1"/>
-                </a:solidFill>
-                <a:effectLst/>
-                <a:latin typeface="Arial Unicode MS"/>
-              </a:rPr>
-              <a:t>-bin/qgis_mapserv.fcgi.exe</a:t>
-            </a:r>
-          </a:p>
-          <a:p>
-            <a:pPr marL="0" marR="0" lvl="0" indent="0" algn="l" defTabSz="914400" rtl="0" eaLnBrk="0" fontAlgn="base" latinLnBrk="0" hangingPunct="0">
-              <a:lnSpc>
-                <a:spcPct val="100000"/>
-              </a:lnSpc>
-              <a:spcBef>
-                <a:spcPct val="30000"/>
-              </a:spcBef>
-              <a:spcAft>
-                <a:spcPct val="0"/>
-              </a:spcAft>
-              <a:buClrTx/>
-              <a:buSzTx/>
-              <a:buFontTx/>
-              <a:buNone/>
-              <a:tabLst/>
-            </a:pPr>
-            <a:r>
-              <a:rPr lang="fr-CH" sz="2000" b="0" i="0" dirty="0">
+            <a:r>
+              <a:rPr lang="fr-CH" b="0" i="0" dirty="0">
                 <a:solidFill>
                   <a:srgbClr val="212121"/>
                 </a:solidFill>
                 <a:effectLst/>
                 <a:latin typeface="Inter"/>
               </a:rPr>
-              <a:t>?MAP=</a:t>
-            </a:r>
-            <a:r>
-              <a:rPr lang="fr-CH" sz="2000" b="0" i="0" dirty="0" err="1">
+              <a:t>https://formation.geopol.ch/cfgeo/</a:t>
+            </a:r>
+            <a:r>
+              <a:rPr lang="fr-CH" b="0" i="0" dirty="0">
+                <a:solidFill>
+                  <a:srgbClr val="FF0000"/>
+                </a:solidFill>
+                <a:effectLst/>
+                <a:latin typeface="Inter"/>
+              </a:rPr>
+              <a:t>ec2-52-59-216-77.eu-central-1.compute.amazonaws.com</a:t>
+            </a:r>
+            <a:r>
+              <a:rPr lang="fr-CH" b="0" i="0" dirty="0">
                 <a:solidFill>
                   <a:srgbClr val="212121"/>
                 </a:solidFill>
                 <a:effectLst/>
                 <a:latin typeface="Inter"/>
               </a:rPr>
-              <a:t>cfgeo.qgz</a:t>
-            </a:r>
-            <a:endParaRPr lang="fr-CH" sz="2000" b="0" i="0" dirty="0">
-              <a:solidFill>
-                <a:srgbClr val="212121"/>
-              </a:solidFill>
-              <a:effectLst/>
-              <a:latin typeface="Inter"/>
-            </a:endParaRPr>
+              <a:t>/cgi-bin/qgis_mapserv.fcgi.exe?SERVICE=WMS&amp;VERSION=1.3.0&amp;REQUEST=GetCapabilities&amp;map=cfgeo.qgz</a:t>
+            </a:r>
+            <a:endParaRPr lang="fr-CH" dirty="0"/>
           </a:p>
+        </p:txBody>
+      </p:sp>
+      <p:sp>
+        <p:nvSpPr>
+          <p:cNvPr id="8" name="TextBox 7">
+            <a:extLst>
+              <a:ext uri="{FF2B5EF4-FFF2-40B4-BE49-F238E27FC236}">
+                <a16:creationId xmlns:a16="http://schemas.microsoft.com/office/drawing/2014/main" id="{EDA0A2AE-DBA7-4DC6-A447-17B4CDF38CA6}"/>
+              </a:ext>
+            </a:extLst>
+          </p:cNvPr>
+          <p:cNvSpPr txBox="1"/>
+          <p:nvPr/>
+        </p:nvSpPr>
+        <p:spPr>
+          <a:xfrm>
+            <a:off x="518056" y="4048836"/>
+            <a:ext cx="4652432" cy="1384995"/>
+          </a:xfrm>
+          <a:prstGeom prst="rect">
+            <a:avLst/>
+          </a:prstGeom>
+          <a:noFill/>
+        </p:spPr>
+        <p:txBody>
+          <a:bodyPr wrap="square">
+            <a:spAutoFit/>
+          </a:bodyPr>
+          <a:lstStyle/>
           <a:p>
-            <a:pPr marL="0" marR="0" lvl="0" indent="0" algn="l" defTabSz="914400" rtl="0" eaLnBrk="0" fontAlgn="base" latinLnBrk="0" hangingPunct="0">
-              <a:lnSpc>
-                <a:spcPct val="100000"/>
-              </a:lnSpc>
-              <a:spcBef>
-                <a:spcPct val="30000"/>
-              </a:spcBef>
-              <a:spcAft>
-                <a:spcPct val="0"/>
-              </a:spcAft>
-              <a:buClrTx/>
-              <a:buSzTx/>
-              <a:buFontTx/>
-              <a:buNone/>
-              <a:tabLst/>
-            </a:pPr>
-            <a:r>
-              <a:rPr lang="fr-CH" sz="2000" b="0" i="0" dirty="0">
+            <a:r>
+              <a:rPr lang="fr-CH" b="0" i="0" dirty="0">
                 <a:solidFill>
                   <a:srgbClr val="212121"/>
                 </a:solidFill>
                 <a:effectLst/>
                 <a:latin typeface="Inter"/>
               </a:rPr>
-              <a:t>&amp;SERVICE=WMS</a:t>
-            </a:r>
-          </a:p>
-          <a:p>
-            <a:pPr marL="0" marR="0" lvl="0" indent="0" algn="l" defTabSz="914400" rtl="0" eaLnBrk="0" fontAlgn="base" latinLnBrk="0" hangingPunct="0">
-              <a:lnSpc>
-                <a:spcPct val="100000"/>
-              </a:lnSpc>
-              <a:spcBef>
-                <a:spcPct val="30000"/>
-              </a:spcBef>
-              <a:spcAft>
-                <a:spcPct val="0"/>
-              </a:spcAft>
-              <a:buClrTx/>
-              <a:buSzTx/>
-              <a:buFontTx/>
-              <a:buNone/>
-              <a:tabLst/>
-            </a:pPr>
-            <a:r>
-              <a:rPr lang="fr-CH" sz="2000" b="0" i="0" dirty="0">
+              <a:t>https://formation.geopol.ch/cfgeo/</a:t>
+            </a:r>
+            <a:r>
+              <a:rPr lang="fr-CH" b="0" i="0" dirty="0">
+                <a:solidFill>
+                  <a:srgbClr val="FF0000"/>
+                </a:solidFill>
+                <a:effectLst/>
+                <a:latin typeface="Inter"/>
+              </a:rPr>
+              <a:t>ec2-52-59-216-77.eu-central-1.compute.amazonaws.com</a:t>
+            </a:r>
+            <a:r>
+              <a:rPr lang="fr-CH" b="0" i="0" dirty="0">
                 <a:solidFill>
                   <a:srgbClr val="212121"/>
                 </a:solidFill>
                 <a:effectLst/>
                 <a:latin typeface="Inter"/>
               </a:rPr>
-              <a:t>&amp;VERSION=1.3.0&amp;</a:t>
-            </a:r>
-          </a:p>
-          <a:p>
-            <a:pPr marL="0" marR="0" lvl="0" indent="0" algn="l" defTabSz="914400" rtl="0" eaLnBrk="0" fontAlgn="base" latinLnBrk="0" hangingPunct="0">
-              <a:lnSpc>
-                <a:spcPct val="100000"/>
-              </a:lnSpc>
-              <a:spcBef>
-                <a:spcPct val="30000"/>
-              </a:spcBef>
-              <a:spcAft>
-                <a:spcPct val="0"/>
-              </a:spcAft>
-              <a:buClrTx/>
-              <a:buSzTx/>
-              <a:buFontTx/>
-              <a:buNone/>
-              <a:tabLst/>
-            </a:pPr>
-            <a:r>
-              <a:rPr lang="fr-CH" sz="2000" b="0" i="0" dirty="0">
-                <a:solidFill>
-                  <a:srgbClr val="212121"/>
-                </a:solidFill>
-                <a:effectLst/>
-                <a:latin typeface="Inter"/>
-              </a:rPr>
-              <a:t>REQUEST=</a:t>
-            </a:r>
-            <a:r>
-              <a:rPr lang="fr-CH" sz="2000" b="0" i="0" dirty="0" err="1">
-                <a:solidFill>
-                  <a:srgbClr val="212121"/>
-                </a:solidFill>
-                <a:effectLst/>
-                <a:latin typeface="Inter"/>
-              </a:rPr>
-              <a:t>GetMap</a:t>
-            </a:r>
-            <a:endParaRPr lang="fr-CH" sz="2000" b="0" i="0" dirty="0">
-              <a:solidFill>
-                <a:srgbClr val="212121"/>
-              </a:solidFill>
-              <a:effectLst/>
-              <a:latin typeface="Inter"/>
-            </a:endParaRPr>
-          </a:p>
-          <a:p>
-            <a:pPr marL="0" marR="0" lvl="0" indent="0" algn="l" defTabSz="914400" rtl="0" eaLnBrk="0" fontAlgn="base" latinLnBrk="0" hangingPunct="0">
-              <a:lnSpc>
-                <a:spcPct val="100000"/>
-              </a:lnSpc>
-              <a:spcBef>
-                <a:spcPct val="30000"/>
-              </a:spcBef>
-              <a:spcAft>
-                <a:spcPct val="0"/>
-              </a:spcAft>
-              <a:buClrTx/>
-              <a:buSzTx/>
-              <a:buFontTx/>
-              <a:buNone/>
-              <a:tabLst/>
-            </a:pPr>
-            <a:r>
-              <a:rPr lang="fr-CH" sz="2000" b="0" i="0" dirty="0">
-                <a:solidFill>
-                  <a:srgbClr val="212121"/>
-                </a:solidFill>
-                <a:effectLst/>
-                <a:latin typeface="Inter"/>
-              </a:rPr>
-              <a:t>&amp;BBOX=2534472,1176780,2541983,1182660</a:t>
-            </a:r>
-          </a:p>
-          <a:p>
-            <a:pPr marL="0" marR="0" lvl="0" indent="0" algn="l" defTabSz="914400" rtl="0" eaLnBrk="0" fontAlgn="base" latinLnBrk="0" hangingPunct="0">
-              <a:lnSpc>
-                <a:spcPct val="100000"/>
-              </a:lnSpc>
-              <a:spcBef>
-                <a:spcPct val="30000"/>
-              </a:spcBef>
-              <a:spcAft>
-                <a:spcPct val="0"/>
-              </a:spcAft>
-              <a:buClrTx/>
-              <a:buSzTx/>
-              <a:buFontTx/>
-              <a:buNone/>
-              <a:tabLst/>
-            </a:pPr>
-            <a:r>
-              <a:rPr lang="fr-CH" sz="2000" b="0" i="0" dirty="0">
-                <a:solidFill>
-                  <a:srgbClr val="212121"/>
-                </a:solidFill>
-                <a:effectLst/>
-                <a:latin typeface="Inter"/>
-              </a:rPr>
-              <a:t>&amp;SRS=EPSG:2056</a:t>
-            </a:r>
-          </a:p>
-          <a:p>
-            <a:pPr marL="0" marR="0" lvl="0" indent="0" algn="l" defTabSz="914400" rtl="0" eaLnBrk="0" fontAlgn="base" latinLnBrk="0" hangingPunct="0">
-              <a:lnSpc>
-                <a:spcPct val="100000"/>
-              </a:lnSpc>
-              <a:spcBef>
-                <a:spcPct val="30000"/>
-              </a:spcBef>
-              <a:spcAft>
-                <a:spcPct val="0"/>
-              </a:spcAft>
-              <a:buClrTx/>
-              <a:buSzTx/>
-              <a:buFontTx/>
-              <a:buNone/>
-              <a:tabLst/>
-            </a:pPr>
-            <a:r>
-              <a:rPr lang="fr-CH" sz="2000" b="0" i="0" dirty="0">
-                <a:solidFill>
-                  <a:srgbClr val="212121"/>
-                </a:solidFill>
-                <a:effectLst/>
-                <a:latin typeface="Inter"/>
-              </a:rPr>
-              <a:t>&amp;WIDTH=665</a:t>
-            </a:r>
-          </a:p>
-          <a:p>
-            <a:pPr marL="0" marR="0" lvl="0" indent="0" algn="l" defTabSz="914400" rtl="0" eaLnBrk="0" fontAlgn="base" latinLnBrk="0" hangingPunct="0">
-              <a:lnSpc>
-                <a:spcPct val="100000"/>
-              </a:lnSpc>
-              <a:spcBef>
-                <a:spcPct val="30000"/>
-              </a:spcBef>
-              <a:spcAft>
-                <a:spcPct val="0"/>
-              </a:spcAft>
-              <a:buClrTx/>
-              <a:buSzTx/>
-              <a:buFontTx/>
-              <a:buNone/>
-              <a:tabLst/>
-            </a:pPr>
-            <a:r>
-              <a:rPr lang="fr-CH" sz="2000" b="0" i="0" dirty="0">
-                <a:solidFill>
-                  <a:srgbClr val="212121"/>
-                </a:solidFill>
-                <a:effectLst/>
-                <a:latin typeface="Inter"/>
-              </a:rPr>
-              <a:t>&amp;HEIGHT=551</a:t>
-            </a:r>
-          </a:p>
-          <a:p>
-            <a:pPr marL="0" marR="0" lvl="0" indent="0" algn="l" defTabSz="914400" rtl="0" eaLnBrk="0" fontAlgn="base" latinLnBrk="0" hangingPunct="0">
-              <a:lnSpc>
-                <a:spcPct val="100000"/>
-              </a:lnSpc>
-              <a:spcBef>
-                <a:spcPct val="30000"/>
-              </a:spcBef>
-              <a:spcAft>
-                <a:spcPct val="0"/>
-              </a:spcAft>
-              <a:buClrTx/>
-              <a:buSzTx/>
-              <a:buFontTx/>
-              <a:buNone/>
-              <a:tabLst/>
-            </a:pPr>
-            <a:r>
-              <a:rPr lang="fr-CH" sz="2000" b="0" i="0" dirty="0">
-                <a:solidFill>
-                  <a:srgbClr val="212121"/>
-                </a:solidFill>
-                <a:effectLst/>
-                <a:latin typeface="Inter"/>
-              </a:rPr>
-              <a:t>&amp;LAYERS=commune</a:t>
-            </a:r>
-          </a:p>
-          <a:p>
-            <a:pPr marL="0" marR="0" lvl="0" indent="0" algn="l" defTabSz="914400" rtl="0" eaLnBrk="0" fontAlgn="base" latinLnBrk="0" hangingPunct="0">
-              <a:lnSpc>
-                <a:spcPct val="100000"/>
-              </a:lnSpc>
-              <a:spcBef>
-                <a:spcPct val="30000"/>
-              </a:spcBef>
-              <a:spcAft>
-                <a:spcPct val="0"/>
-              </a:spcAft>
-              <a:buClrTx/>
-              <a:buSzTx/>
-              <a:buFontTx/>
-              <a:buNone/>
-              <a:tabLst/>
-            </a:pPr>
-            <a:r>
-              <a:rPr lang="fr-CH" sz="2000" b="0" i="0" dirty="0">
-                <a:solidFill>
-                  <a:srgbClr val="212121"/>
-                </a:solidFill>
-                <a:effectLst/>
-                <a:latin typeface="Inter"/>
-              </a:rPr>
-              <a:t>&amp;FORMAT=image/jpeg</a:t>
-            </a:r>
-            <a:endParaRPr kumimoji="0" lang="fr-FR" altLang="fr-FR" sz="2000" b="0" i="0" u="none" strike="noStrike" cap="none" normalizeH="0" baseline="0" dirty="0">
-              <a:ln>
-                <a:noFill/>
-              </a:ln>
-              <a:solidFill>
-                <a:schemeClr val="tx1"/>
-              </a:solidFill>
-              <a:effectLst/>
-              <a:latin typeface="Arial" panose="020B0604020202020204" pitchFamily="34" charset="0"/>
-            </a:endParaRPr>
+              <a:t>/cgi-bin/qgis_mapserv.fcgi.exe?MAP=cfgeo.qgz&amp;SERVICE=WMS&amp;VERSION=1.3.0&amp;REQUEST=GetMap&amp;BBOX=2534472,1176780,2541983,1182660&amp;SRS=EPSG:2056&amp;WIDTH=665&amp;HEIGHT=551&amp;LAYERS=commune&amp;FORMAT=image/jpeg</a:t>
+            </a:r>
+            <a:endParaRPr lang="fr-CH" dirty="0"/>
           </a:p>
         </p:txBody>
       </p:sp>
-      <p:pic>
-        <p:nvPicPr>
-          <p:cNvPr id="3" name="Picture 2">
+      <p:sp>
+        <p:nvSpPr>
+          <p:cNvPr id="7" name="TextBox 6">
             <a:extLst>
               <a:ext uri="{FF2B5EF4-FFF2-40B4-BE49-F238E27FC236}">
-                <a16:creationId xmlns:a16="http://schemas.microsoft.com/office/drawing/2014/main" id="{A2EA95C5-710E-467D-AD57-FB031DE2FB6C}"/>
+                <a16:creationId xmlns:a16="http://schemas.microsoft.com/office/drawing/2014/main" id="{106E08A1-4AA7-48DF-9F96-2F5040841AAA}"/>
               </a:ext>
             </a:extLst>
           </p:cNvPr>
-          <p:cNvPicPr>
-            <a:picLocks noChangeAspect="1"/>
-          </p:cNvPicPr>
+          <p:cNvSpPr txBox="1"/>
           <p:nvPr/>
-        </p:nvPicPr>
-        <p:blipFill>
-          <a:blip r:embed="rId3"/>
-          <a:stretch>
-            <a:fillRect/>
-          </a:stretch>
-        </p:blipFill>
-        <p:spPr>
-          <a:xfrm>
-            <a:off x="5940080" y="3807593"/>
-            <a:ext cx="2718795" cy="2288407"/>
-          </a:xfrm>
-          <a:prstGeom prst="rect">
-            <a:avLst/>
-          </a:prstGeom>
-        </p:spPr>
-      </p:pic>
+        </p:nvSpPr>
+        <p:spPr>
+          <a:xfrm>
+            <a:off x="618067" y="2011087"/>
+            <a:ext cx="1930400" cy="307777"/>
+          </a:xfrm>
+          <a:prstGeom prst="rect">
+            <a:avLst/>
+          </a:prstGeom>
+          <a:noFill/>
+        </p:spPr>
+        <p:txBody>
+          <a:bodyPr wrap="square" rtlCol="0">
+            <a:spAutoFit/>
+          </a:bodyPr>
+          <a:lstStyle/>
+          <a:p>
+            <a:r>
+              <a:rPr lang="en-GB" dirty="0" err="1"/>
+              <a:t>Exemples</a:t>
+            </a:r>
+            <a:r>
+              <a:rPr lang="en-GB" dirty="0"/>
+              <a:t> :</a:t>
+            </a:r>
+            <a:endParaRPr lang="fr-CH" dirty="0"/>
+          </a:p>
+        </p:txBody>
+      </p:sp>
     </p:spTree>
     <p:extLst>
       <p:ext uri="{BB962C8B-B14F-4D97-AF65-F5344CB8AC3E}">
-        <p14:creationId xmlns:p14="http://schemas.microsoft.com/office/powerpoint/2010/main" val="1493302573"/>
+        <p14:creationId xmlns:p14="http://schemas.microsoft.com/office/powerpoint/2010/main" val="459384355"/>
       </p:ext>
     </p:extLst>
   </p:cSld>
@@ -6750,149 +6411,106 @@
                 <a:cs typeface="Century Gothic"/>
                 <a:sym typeface="Century Gothic"/>
               </a:rPr>
-              <a:t>WMS - </a:t>
-            </a:r>
-            <a:r>
-              <a:rPr lang="fr-CH" dirty="0" err="1">
-                <a:latin typeface="Century Gothic"/>
-                <a:ea typeface="Century Gothic"/>
-                <a:cs typeface="Century Gothic"/>
-                <a:sym typeface="Century Gothic"/>
-              </a:rPr>
-              <a:t>GetMap</a:t>
+              <a:t>WMTS</a:t>
             </a:r>
             <a:endParaRPr lang="fr-CH" dirty="0"/>
           </a:p>
         </p:txBody>
       </p:sp>
-      <p:sp>
-        <p:nvSpPr>
-          <p:cNvPr id="6" name="TextBox 5">
+      <p:pic>
+        <p:nvPicPr>
+          <p:cNvPr id="3" name="Picture 2">
             <a:extLst>
               <a:ext uri="{FF2B5EF4-FFF2-40B4-BE49-F238E27FC236}">
-                <a16:creationId xmlns:a16="http://schemas.microsoft.com/office/drawing/2014/main" id="{560AB34C-2C32-4F23-9203-8D394AA89DE9}"/>
+                <a16:creationId xmlns:a16="http://schemas.microsoft.com/office/drawing/2014/main" id="{BD354DF7-F045-41F0-B072-18501EABFE5F}"/>
               </a:ext>
             </a:extLst>
           </p:cNvPr>
-          <p:cNvSpPr txBox="1"/>
+          <p:cNvPicPr>
+            <a:picLocks noChangeAspect="1"/>
+          </p:cNvPicPr>
           <p:nvPr/>
-        </p:nvSpPr>
-        <p:spPr>
-          <a:xfrm>
-            <a:off x="518056" y="2474893"/>
-            <a:ext cx="4652432" cy="954107"/>
-          </a:xfrm>
-          <a:prstGeom prst="rect">
-            <a:avLst/>
-          </a:prstGeom>
-          <a:noFill/>
-        </p:spPr>
-        <p:txBody>
-          <a:bodyPr wrap="square">
-            <a:spAutoFit/>
-          </a:bodyPr>
-          <a:lstStyle/>
-          <a:p>
-            <a:r>
-              <a:rPr lang="fr-CH" b="0" i="0" dirty="0">
-                <a:solidFill>
-                  <a:srgbClr val="212121"/>
-                </a:solidFill>
-                <a:effectLst/>
-                <a:latin typeface="Inter"/>
-              </a:rPr>
-              <a:t>https://formation.geopol.ch/cfgeo/ec2-52-59-216-77.eu-central-1.compute.amazonaws.com/cgi-bin/qgis_mapserv.fcgi.exe?SERVICE=WMS&amp;VERSION=1.3.0&amp;REQUEST=GetCapabilities&amp;map=cfgeo.qgz</a:t>
-            </a:r>
-            <a:endParaRPr lang="fr-CH" dirty="0"/>
-          </a:p>
-        </p:txBody>
-      </p:sp>
-      <p:sp>
-        <p:nvSpPr>
-          <p:cNvPr id="8" name="TextBox 7">
+        </p:nvPicPr>
+        <p:blipFill>
+          <a:blip r:embed="rId3"/>
+          <a:stretch>
+            <a:fillRect/>
+          </a:stretch>
+        </p:blipFill>
+        <p:spPr>
+          <a:xfrm>
+            <a:off x="693168" y="1518372"/>
+            <a:ext cx="7544899" cy="4454748"/>
+          </a:xfrm>
+          <a:prstGeom prst="rect">
+            <a:avLst/>
+          </a:prstGeom>
+        </p:spPr>
+      </p:pic>
+      <p:pic>
+        <p:nvPicPr>
+          <p:cNvPr id="6" name="Picture 5">
             <a:extLst>
               <a:ext uri="{FF2B5EF4-FFF2-40B4-BE49-F238E27FC236}">
-                <a16:creationId xmlns:a16="http://schemas.microsoft.com/office/drawing/2014/main" id="{EDA0A2AE-DBA7-4DC6-A447-17B4CDF38CA6}"/>
+                <a16:creationId xmlns:a16="http://schemas.microsoft.com/office/drawing/2014/main" id="{6F9FD353-782C-42D6-80C8-7FDB2E8895EA}"/>
               </a:ext>
             </a:extLst>
           </p:cNvPr>
-          <p:cNvSpPr txBox="1"/>
+          <p:cNvPicPr>
+            <a:picLocks noChangeAspect="1"/>
+          </p:cNvPicPr>
           <p:nvPr/>
-        </p:nvSpPr>
-        <p:spPr>
-          <a:xfrm>
-            <a:off x="518056" y="4048836"/>
-            <a:ext cx="4652432" cy="1384995"/>
-          </a:xfrm>
-          <a:prstGeom prst="rect">
-            <a:avLst/>
-          </a:prstGeom>
-          <a:noFill/>
-        </p:spPr>
-        <p:txBody>
-          <a:bodyPr wrap="square">
-            <a:spAutoFit/>
-          </a:bodyPr>
-          <a:lstStyle/>
-          <a:p>
-            <a:r>
-              <a:rPr lang="fr-CH" b="0" i="0" dirty="0">
-                <a:solidFill>
-                  <a:srgbClr val="212121"/>
-                </a:solidFill>
-                <a:effectLst/>
-                <a:latin typeface="Inter"/>
-              </a:rPr>
-              <a:t>https://formation.geopol.ch/cfgeo/ec2-52-59-216-77.eu-central-1.compute.amazonaws.com/cgi-bin/qgis_mapserv.fcgi.exe?MAP=cfgeo.qgz&amp;SERVICE=WMS&amp;VERSION=1.3.0&amp;REQUEST=GetMap&amp;BBOX=2534472,1176780,2541983,1182660&amp;SRS=EPSG:2056&amp;WIDTH=665&amp;HEIGHT=551&amp;LAYERS=commune&amp;FORMAT=image/jpeg</a:t>
-            </a:r>
-            <a:endParaRPr lang="fr-CH" dirty="0"/>
-          </a:p>
-        </p:txBody>
-      </p:sp>
-      <p:sp>
-        <p:nvSpPr>
-          <p:cNvPr id="7" name="TextBox 6">
+        </p:nvPicPr>
+        <p:blipFill>
+          <a:blip r:embed="rId4"/>
+          <a:stretch>
+            <a:fillRect/>
+          </a:stretch>
+        </p:blipFill>
+        <p:spPr>
+          <a:xfrm>
+            <a:off x="769697" y="5068301"/>
+            <a:ext cx="3439005" cy="819264"/>
+          </a:xfrm>
+          <a:prstGeom prst="rect">
+            <a:avLst/>
+          </a:prstGeom>
+        </p:spPr>
+      </p:pic>
+      <p:pic>
+        <p:nvPicPr>
+          <p:cNvPr id="8" name="Picture 7">
             <a:extLst>
               <a:ext uri="{FF2B5EF4-FFF2-40B4-BE49-F238E27FC236}">
-                <a16:creationId xmlns:a16="http://schemas.microsoft.com/office/drawing/2014/main" id="{106E08A1-4AA7-48DF-9F96-2F5040841AAA}"/>
+                <a16:creationId xmlns:a16="http://schemas.microsoft.com/office/drawing/2014/main" id="{229FCDB0-986B-416E-B23B-49B86F283FEE}"/>
               </a:ext>
             </a:extLst>
           </p:cNvPr>
-          <p:cNvSpPr txBox="1"/>
+          <p:cNvPicPr>
+            <a:picLocks noChangeAspect="1"/>
+          </p:cNvPicPr>
           <p:nvPr/>
-        </p:nvSpPr>
-        <p:spPr>
-          <a:xfrm>
-            <a:off x="618067" y="2011087"/>
-            <a:ext cx="1930400" cy="307777"/>
-          </a:xfrm>
-          <a:prstGeom prst="rect">
-            <a:avLst/>
-          </a:prstGeom>
-          <a:noFill/>
-        </p:spPr>
-        <p:txBody>
-          <a:bodyPr wrap="square" rtlCol="0">
-            <a:spAutoFit/>
-          </a:bodyPr>
-          <a:lstStyle/>
-          <a:p>
-            <a:r>
-              <a:rPr lang="en-GB" dirty="0" err="1"/>
-              <a:t>Exemples</a:t>
-            </a:r>
-            <a:r>
-              <a:rPr lang="en-GB" dirty="0"/>
-              <a:t> :</a:t>
-            </a:r>
-            <a:endParaRPr lang="fr-CH" dirty="0"/>
-          </a:p>
-        </p:txBody>
-      </p:sp>
+        </p:nvPicPr>
+        <p:blipFill>
+          <a:blip r:embed="rId4"/>
+          <a:stretch>
+            <a:fillRect/>
+          </a:stretch>
+        </p:blipFill>
+        <p:spPr>
+          <a:xfrm>
+            <a:off x="4638963" y="1518372"/>
+            <a:ext cx="3439005" cy="819264"/>
+          </a:xfrm>
+          <a:prstGeom prst="rect">
+            <a:avLst/>
+          </a:prstGeom>
+        </p:spPr>
+      </p:pic>
     </p:spTree>
     <p:extLst>
       <p:ext uri="{BB962C8B-B14F-4D97-AF65-F5344CB8AC3E}">
-        <p14:creationId xmlns:p14="http://schemas.microsoft.com/office/powerpoint/2010/main" val="459384355"/>
+        <p14:creationId xmlns:p14="http://schemas.microsoft.com/office/powerpoint/2010/main" val="296832095"/>
       </p:ext>
     </p:extLst>
   </p:cSld>
@@ -6978,7 +6596,7 @@
                 <a:cs typeface="Century Gothic"/>
                 <a:sym typeface="Century Gothic"/>
               </a:rPr>
-              <a:t>WMTS</a:t>
+              <a:t>WFS</a:t>
             </a:r>
             <a:endParaRPr lang="fr-CH" dirty="0"/>
           </a:p>
@@ -6989,7 +6607,7 @@
           <p:cNvPr id="3" name="Picture 2">
             <a:extLst>
               <a:ext uri="{FF2B5EF4-FFF2-40B4-BE49-F238E27FC236}">
-                <a16:creationId xmlns:a16="http://schemas.microsoft.com/office/drawing/2014/main" id="{BD354DF7-F045-41F0-B072-18501EABFE5F}"/>
+                <a16:creationId xmlns:a16="http://schemas.microsoft.com/office/drawing/2014/main" id="{41637316-82AC-4D3B-83A7-B598D8A5CA5E}"/>
               </a:ext>
             </a:extLst>
           </p:cNvPr>
@@ -7006,68 +6624,8 @@
         </p:blipFill>
         <p:spPr>
           <a:xfrm>
-            <a:off x="693168" y="1518372"/>
-            <a:ext cx="7544899" cy="4454748"/>
-          </a:xfrm>
-          <a:prstGeom prst="rect">
-            <a:avLst/>
-          </a:prstGeom>
-        </p:spPr>
-      </p:pic>
-      <p:pic>
-        <p:nvPicPr>
-          <p:cNvPr id="6" name="Picture 5">
-            <a:extLst>
-              <a:ext uri="{FF2B5EF4-FFF2-40B4-BE49-F238E27FC236}">
-                <a16:creationId xmlns:a16="http://schemas.microsoft.com/office/drawing/2014/main" id="{6F9FD353-782C-42D6-80C8-7FDB2E8895EA}"/>
-              </a:ext>
-            </a:extLst>
-          </p:cNvPr>
-          <p:cNvPicPr>
-            <a:picLocks noChangeAspect="1"/>
-          </p:cNvPicPr>
-          <p:nvPr/>
-        </p:nvPicPr>
-        <p:blipFill>
-          <a:blip r:embed="rId4"/>
-          <a:stretch>
-            <a:fillRect/>
-          </a:stretch>
-        </p:blipFill>
-        <p:spPr>
-          <a:xfrm>
-            <a:off x="769697" y="5068301"/>
-            <a:ext cx="3439005" cy="819264"/>
-          </a:xfrm>
-          <a:prstGeom prst="rect">
-            <a:avLst/>
-          </a:prstGeom>
-        </p:spPr>
-      </p:pic>
-      <p:pic>
-        <p:nvPicPr>
-          <p:cNvPr id="8" name="Picture 7">
-            <a:extLst>
-              <a:ext uri="{FF2B5EF4-FFF2-40B4-BE49-F238E27FC236}">
-                <a16:creationId xmlns:a16="http://schemas.microsoft.com/office/drawing/2014/main" id="{229FCDB0-986B-416E-B23B-49B86F283FEE}"/>
-              </a:ext>
-            </a:extLst>
-          </p:cNvPr>
-          <p:cNvPicPr>
-            <a:picLocks noChangeAspect="1"/>
-          </p:cNvPicPr>
-          <p:nvPr/>
-        </p:nvPicPr>
-        <p:blipFill>
-          <a:blip r:embed="rId4"/>
-          <a:stretch>
-            <a:fillRect/>
-          </a:stretch>
-        </p:blipFill>
-        <p:spPr>
-          <a:xfrm>
-            <a:off x="4638963" y="1518372"/>
-            <a:ext cx="3439005" cy="819264"/>
+            <a:off x="1438469" y="2059317"/>
+            <a:ext cx="4810796" cy="2857899"/>
           </a:xfrm>
           <a:prstGeom prst="rect">
             <a:avLst/>
@@ -7077,7 +6635,7 @@
     </p:spTree>
     <p:extLst>
       <p:ext uri="{BB962C8B-B14F-4D97-AF65-F5344CB8AC3E}">
-        <p14:creationId xmlns:p14="http://schemas.microsoft.com/office/powerpoint/2010/main" val="296832095"/>
+        <p14:creationId xmlns:p14="http://schemas.microsoft.com/office/powerpoint/2010/main" val="2887245650"/>
       </p:ext>
     </p:extLst>
   </p:cSld>
@@ -7169,40 +6727,174 @@
           </a:p>
         </p:txBody>
       </p:sp>
-      <p:pic>
-        <p:nvPicPr>
-          <p:cNvPr id="3" name="Picture 2">
+      <p:sp>
+        <p:nvSpPr>
+          <p:cNvPr id="5" name="TextBox 4">
             <a:extLst>
               <a:ext uri="{FF2B5EF4-FFF2-40B4-BE49-F238E27FC236}">
-                <a16:creationId xmlns:a16="http://schemas.microsoft.com/office/drawing/2014/main" id="{41637316-82AC-4D3B-83A7-B598D8A5CA5E}"/>
+                <a16:creationId xmlns:a16="http://schemas.microsoft.com/office/drawing/2014/main" id="{72505978-E949-4F6B-A9D3-EE04B74ED4BC}"/>
               </a:ext>
             </a:extLst>
           </p:cNvPr>
-          <p:cNvPicPr>
-            <a:picLocks noChangeAspect="1"/>
-          </p:cNvPicPr>
+          <p:cNvSpPr txBox="1"/>
           <p:nvPr/>
-        </p:nvPicPr>
-        <p:blipFill>
-          <a:blip r:embed="rId3"/>
-          <a:stretch>
-            <a:fillRect/>
-          </a:stretch>
-        </p:blipFill>
-        <p:spPr>
-          <a:xfrm>
-            <a:off x="1438469" y="2059317"/>
-            <a:ext cx="4810796" cy="2857899"/>
-          </a:xfrm>
-          <a:prstGeom prst="rect">
-            <a:avLst/>
-          </a:prstGeom>
-        </p:spPr>
-      </p:pic>
+        </p:nvSpPr>
+        <p:spPr>
+          <a:xfrm>
+            <a:off x="618067" y="2655922"/>
+            <a:ext cx="4652432" cy="954107"/>
+          </a:xfrm>
+          <a:prstGeom prst="rect">
+            <a:avLst/>
+          </a:prstGeom>
+          <a:noFill/>
+        </p:spPr>
+        <p:txBody>
+          <a:bodyPr wrap="square">
+            <a:spAutoFit/>
+          </a:bodyPr>
+          <a:lstStyle/>
+          <a:p>
+            <a:r>
+              <a:rPr lang="fr-CH" b="0" i="0" dirty="0">
+                <a:solidFill>
+                  <a:srgbClr val="212121"/>
+                </a:solidFill>
+                <a:effectLst/>
+                <a:latin typeface="Inter"/>
+              </a:rPr>
+              <a:t>https://formation.geopol.ch/cfgeo/</a:t>
+            </a:r>
+            <a:r>
+              <a:rPr lang="fr-CH" b="0" i="0" dirty="0">
+                <a:solidFill>
+                  <a:srgbClr val="FF0000"/>
+                </a:solidFill>
+                <a:effectLst/>
+                <a:latin typeface="Inter"/>
+              </a:rPr>
+              <a:t>ec2-52-59-216-77.eu-central-1.compute.amazonaws.com</a:t>
+            </a:r>
+            <a:r>
+              <a:rPr lang="fr-CH" b="0" i="0" dirty="0">
+                <a:solidFill>
+                  <a:srgbClr val="212121"/>
+                </a:solidFill>
+                <a:effectLst/>
+                <a:latin typeface="Inter"/>
+              </a:rPr>
+              <a:t>/cgi-bin/qgis_mapserv.fcgi.exe?SERVICE=WFS&amp;VERSION=1.1.0&amp;REQUEST=GetCapabilities&amp;map=cfgeo.qgz</a:t>
+            </a:r>
+            <a:endParaRPr lang="fr-CH" dirty="0"/>
+          </a:p>
+        </p:txBody>
+      </p:sp>
+      <p:sp>
+        <p:nvSpPr>
+          <p:cNvPr id="6" name="TextBox 5">
+            <a:extLst>
+              <a:ext uri="{FF2B5EF4-FFF2-40B4-BE49-F238E27FC236}">
+                <a16:creationId xmlns:a16="http://schemas.microsoft.com/office/drawing/2014/main" id="{1B29E535-00CE-4343-85EE-B0C2388096DB}"/>
+              </a:ext>
+            </a:extLst>
+          </p:cNvPr>
+          <p:cNvSpPr txBox="1"/>
+          <p:nvPr/>
+        </p:nvSpPr>
+        <p:spPr>
+          <a:xfrm>
+            <a:off x="618067" y="2011087"/>
+            <a:ext cx="1930400" cy="307777"/>
+          </a:xfrm>
+          <a:prstGeom prst="rect">
+            <a:avLst/>
+          </a:prstGeom>
+          <a:noFill/>
+        </p:spPr>
+        <p:txBody>
+          <a:bodyPr wrap="square" rtlCol="0">
+            <a:spAutoFit/>
+          </a:bodyPr>
+          <a:lstStyle/>
+          <a:p>
+            <a:r>
+              <a:rPr lang="en-GB" dirty="0" err="1"/>
+              <a:t>Exemples</a:t>
+            </a:r>
+            <a:r>
+              <a:rPr lang="en-GB" dirty="0"/>
+              <a:t> :</a:t>
+            </a:r>
+            <a:endParaRPr lang="fr-CH" dirty="0"/>
+          </a:p>
+        </p:txBody>
+      </p:sp>
+      <p:sp>
+        <p:nvSpPr>
+          <p:cNvPr id="8" name="TextBox 7">
+            <a:extLst>
+              <a:ext uri="{FF2B5EF4-FFF2-40B4-BE49-F238E27FC236}">
+                <a16:creationId xmlns:a16="http://schemas.microsoft.com/office/drawing/2014/main" id="{5C0DF493-D8A1-4B67-95EE-04B37AA6E3F7}"/>
+              </a:ext>
+            </a:extLst>
+          </p:cNvPr>
+          <p:cNvSpPr txBox="1"/>
+          <p:nvPr/>
+        </p:nvSpPr>
+        <p:spPr>
+          <a:xfrm>
+            <a:off x="647699" y="3947087"/>
+            <a:ext cx="4652432" cy="954107"/>
+          </a:xfrm>
+          <a:prstGeom prst="rect">
+            <a:avLst/>
+          </a:prstGeom>
+          <a:noFill/>
+        </p:spPr>
+        <p:txBody>
+          <a:bodyPr wrap="square">
+            <a:spAutoFit/>
+          </a:bodyPr>
+          <a:lstStyle/>
+          <a:p>
+            <a:r>
+              <a:rPr lang="fr-CH" b="0" i="0" dirty="0">
+                <a:solidFill>
+                  <a:srgbClr val="212121"/>
+                </a:solidFill>
+                <a:effectLst/>
+                <a:latin typeface="Inter"/>
+              </a:rPr>
+              <a:t>https://formation.geopol.ch/cfgeo/</a:t>
+            </a:r>
+            <a:r>
+              <a:rPr lang="fr-CH" b="0" i="0" dirty="0">
+                <a:solidFill>
+                  <a:srgbClr val="FF0000"/>
+                </a:solidFill>
+                <a:effectLst/>
+                <a:latin typeface="Inter"/>
+              </a:rPr>
+              <a:t>ec2-52-59-216-77.eu-central-1.compute.amazonaws.com</a:t>
+            </a:r>
+            <a:r>
+              <a:rPr lang="fr-CH" b="0" i="0" dirty="0">
+                <a:solidFill>
+                  <a:srgbClr val="212121"/>
+                </a:solidFill>
+                <a:effectLst/>
+                <a:latin typeface="Inter"/>
+              </a:rPr>
+              <a:t>/cgi-bin/qgis_mapserv.fcgi.exe?MAP=cfgeo.qgz&amp;SERVICE=WFS&amp;VERSION=1.1.0&amp;REQUEST=GetFeature&amp;TypeName=bf</a:t>
+            </a:r>
+            <a:endParaRPr lang="fr-CH" dirty="0"/>
+          </a:p>
+        </p:txBody>
+      </p:sp>
     </p:spTree>
     <p:extLst>
       <p:ext uri="{BB962C8B-B14F-4D97-AF65-F5344CB8AC3E}">
-        <p14:creationId xmlns:p14="http://schemas.microsoft.com/office/powerpoint/2010/main" val="2887245650"/>
+        <p14:creationId xmlns:p14="http://schemas.microsoft.com/office/powerpoint/2010/main" val="676414870"/>
       </p:ext>
     </p:extLst>
   </p:cSld>
@@ -7272,225 +6964,6 @@
           </a:bodyPr>
           <a:lstStyle/>
           <a:p>
-            <a:pPr marL="0" lvl="0" indent="0" algn="r" rtl="0">
-              <a:spcBef>
-                <a:spcPts val="0"/>
-              </a:spcBef>
-              <a:spcAft>
-                <a:spcPts val="0"/>
-              </a:spcAft>
-              <a:buNone/>
-            </a:pPr>
-            <a:r>
-              <a:rPr lang="fr-CH" dirty="0">
-                <a:latin typeface="Century Gothic"/>
-                <a:ea typeface="Century Gothic"/>
-                <a:cs typeface="Century Gothic"/>
-                <a:sym typeface="Century Gothic"/>
-              </a:rPr>
-              <a:t>WFS</a:t>
-            </a:r>
-            <a:endParaRPr lang="fr-CH" dirty="0"/>
-          </a:p>
-        </p:txBody>
-      </p:sp>
-      <p:sp>
-        <p:nvSpPr>
-          <p:cNvPr id="5" name="TextBox 4">
-            <a:extLst>
-              <a:ext uri="{FF2B5EF4-FFF2-40B4-BE49-F238E27FC236}">
-                <a16:creationId xmlns:a16="http://schemas.microsoft.com/office/drawing/2014/main" id="{72505978-E949-4F6B-A9D3-EE04B74ED4BC}"/>
-              </a:ext>
-            </a:extLst>
-          </p:cNvPr>
-          <p:cNvSpPr txBox="1"/>
-          <p:nvPr/>
-        </p:nvSpPr>
-        <p:spPr>
-          <a:xfrm>
-            <a:off x="618067" y="2655922"/>
-            <a:ext cx="4652432" cy="954107"/>
-          </a:xfrm>
-          <a:prstGeom prst="rect">
-            <a:avLst/>
-          </a:prstGeom>
-          <a:noFill/>
-        </p:spPr>
-        <p:txBody>
-          <a:bodyPr wrap="square">
-            <a:spAutoFit/>
-          </a:bodyPr>
-          <a:lstStyle/>
-          <a:p>
-            <a:r>
-              <a:rPr lang="fr-CH" b="0" i="0" dirty="0">
-                <a:solidFill>
-                  <a:srgbClr val="212121"/>
-                </a:solidFill>
-                <a:effectLst/>
-                <a:latin typeface="Inter"/>
-              </a:rPr>
-              <a:t>https://formation.geopol.ch/cfgeo/ec2-52-59-216-77.eu-central-1.compute.amazonaws.com/cgi-bin/qgis_mapserv.fcgi.exe?SERVICE=WFS&amp;VERSION=1.1.0&amp;REQUEST=GetCapabilities&amp;map=cfgeo.qgz</a:t>
-            </a:r>
-            <a:endParaRPr lang="fr-CH" dirty="0"/>
-          </a:p>
-        </p:txBody>
-      </p:sp>
-      <p:sp>
-        <p:nvSpPr>
-          <p:cNvPr id="6" name="TextBox 5">
-            <a:extLst>
-              <a:ext uri="{FF2B5EF4-FFF2-40B4-BE49-F238E27FC236}">
-                <a16:creationId xmlns:a16="http://schemas.microsoft.com/office/drawing/2014/main" id="{1B29E535-00CE-4343-85EE-B0C2388096DB}"/>
-              </a:ext>
-            </a:extLst>
-          </p:cNvPr>
-          <p:cNvSpPr txBox="1"/>
-          <p:nvPr/>
-        </p:nvSpPr>
-        <p:spPr>
-          <a:xfrm>
-            <a:off x="618067" y="2011087"/>
-            <a:ext cx="1930400" cy="307777"/>
-          </a:xfrm>
-          <a:prstGeom prst="rect">
-            <a:avLst/>
-          </a:prstGeom>
-          <a:noFill/>
-        </p:spPr>
-        <p:txBody>
-          <a:bodyPr wrap="square" rtlCol="0">
-            <a:spAutoFit/>
-          </a:bodyPr>
-          <a:lstStyle/>
-          <a:p>
-            <a:r>
-              <a:rPr lang="en-GB" dirty="0" err="1"/>
-              <a:t>Exemples</a:t>
-            </a:r>
-            <a:r>
-              <a:rPr lang="en-GB" dirty="0"/>
-              <a:t> :</a:t>
-            </a:r>
-            <a:endParaRPr lang="fr-CH" dirty="0"/>
-          </a:p>
-        </p:txBody>
-      </p:sp>
-      <p:sp>
-        <p:nvSpPr>
-          <p:cNvPr id="8" name="TextBox 7">
-            <a:extLst>
-              <a:ext uri="{FF2B5EF4-FFF2-40B4-BE49-F238E27FC236}">
-                <a16:creationId xmlns:a16="http://schemas.microsoft.com/office/drawing/2014/main" id="{5C0DF493-D8A1-4B67-95EE-04B37AA6E3F7}"/>
-              </a:ext>
-            </a:extLst>
-          </p:cNvPr>
-          <p:cNvSpPr txBox="1"/>
-          <p:nvPr/>
-        </p:nvSpPr>
-        <p:spPr>
-          <a:xfrm>
-            <a:off x="647699" y="3947087"/>
-            <a:ext cx="4652432" cy="954107"/>
-          </a:xfrm>
-          <a:prstGeom prst="rect">
-            <a:avLst/>
-          </a:prstGeom>
-          <a:noFill/>
-        </p:spPr>
-        <p:txBody>
-          <a:bodyPr wrap="square">
-            <a:spAutoFit/>
-          </a:bodyPr>
-          <a:lstStyle/>
-          <a:p>
-            <a:r>
-              <a:rPr lang="fr-CH" b="0" i="0" dirty="0">
-                <a:solidFill>
-                  <a:srgbClr val="212121"/>
-                </a:solidFill>
-                <a:effectLst/>
-                <a:latin typeface="Inter"/>
-              </a:rPr>
-              <a:t>https://formation.geopol.ch/cfgeo/ec2-52-59-216-77.eu-central-1.compute.amazonaws.com/cgi-bin/qgis_mapserv.fcgi.exe?MAP=cfgeo.qgz&amp;SERVICE=WFS&amp;VERSION=1.1.0&amp;REQUEST=GetFeature&amp;TypeName=bf</a:t>
-            </a:r>
-            <a:endParaRPr lang="fr-CH" dirty="0"/>
-          </a:p>
-        </p:txBody>
-      </p:sp>
-    </p:spTree>
-    <p:extLst>
-      <p:ext uri="{BB962C8B-B14F-4D97-AF65-F5344CB8AC3E}">
-        <p14:creationId xmlns:p14="http://schemas.microsoft.com/office/powerpoint/2010/main" val="676414870"/>
-      </p:ext>
-    </p:extLst>
-  </p:cSld>
-  <p:clrMapOvr>
-    <a:masterClrMapping/>
-  </p:clrMapOvr>
-</p:sld>
-</file>
-
-<file path=ppt/slides/slide15.xml><?xml version="1.0" encoding="utf-8"?>
-<p:sld xmlns:a="http://schemas.openxmlformats.org/drawingml/2006/main" xmlns:r="http://schemas.openxmlformats.org/officeDocument/2006/relationships" xmlns:p="http://schemas.openxmlformats.org/presentationml/2006/main">
-  <p:cSld>
-    <p:spTree>
-      <p:nvGrpSpPr>
-        <p:cNvPr id="1" name="Shape 70"/>
-        <p:cNvGrpSpPr/>
-        <p:nvPr/>
-      </p:nvGrpSpPr>
-      <p:grpSpPr>
-        <a:xfrm>
-          <a:off x="0" y="0"/>
-          <a:ext cx="0" cy="0"/>
-          <a:chOff x="0" y="0"/>
-          <a:chExt cx="0" cy="0"/>
-        </a:xfrm>
-      </p:grpSpPr>
-      <p:sp>
-        <p:nvSpPr>
-          <p:cNvPr id="71" name="Google Shape;71;p3"/>
-          <p:cNvSpPr txBox="1">
-            <a:spLocks noGrp="1"/>
-          </p:cNvSpPr>
-          <p:nvPr>
-            <p:ph type="title"/>
-          </p:nvPr>
-        </p:nvSpPr>
-        <p:spPr>
-          <a:xfrm>
-            <a:off x="1196977" y="0"/>
-            <a:ext cx="7947023" cy="1196975"/>
-          </a:xfrm>
-          <a:prstGeom prst="rect">
-            <a:avLst/>
-          </a:prstGeom>
-          <a:gradFill>
-            <a:gsLst>
-              <a:gs pos="0">
-                <a:srgbClr val="FFFFFF">
-                  <a:alpha val="45882"/>
-                </a:srgbClr>
-              </a:gs>
-              <a:gs pos="100000">
-                <a:srgbClr val="FF3300">
-                  <a:alpha val="64705"/>
-                </a:srgbClr>
-              </a:gs>
-            </a:gsLst>
-            <a:lin ang="0" scaled="0"/>
-          </a:gradFill>
-          <a:ln>
-            <a:noFill/>
-          </a:ln>
-        </p:spPr>
-        <p:txBody>
-          <a:bodyPr spcFirstLastPara="1" wrap="square" lIns="91425" tIns="45700" rIns="91425" bIns="45700" anchor="ctr" anchorCtr="0">
-            <a:noAutofit/>
-          </a:bodyPr>
-          <a:lstStyle/>
-          <a:p>
             <a:r>
               <a:rPr lang="fr-CH" b="1" dirty="0">
                 <a:effectLst/>
@@ -7581,6 +7054,576 @@
     <p:extLst>
       <p:ext uri="{BB962C8B-B14F-4D97-AF65-F5344CB8AC3E}">
         <p14:creationId xmlns:p14="http://schemas.microsoft.com/office/powerpoint/2010/main" val="2282036139"/>
+      </p:ext>
+    </p:extLst>
+  </p:cSld>
+  <p:clrMapOvr>
+    <a:masterClrMapping/>
+  </p:clrMapOvr>
+</p:sld>
+</file>
+
+<file path=ppt/slides/slide15.xml><?xml version="1.0" encoding="utf-8"?>
+<p:sld xmlns:a="http://schemas.openxmlformats.org/drawingml/2006/main" xmlns:r="http://schemas.openxmlformats.org/officeDocument/2006/relationships" xmlns:p="http://schemas.openxmlformats.org/presentationml/2006/main" showMasterSp="0">
+  <p:cSld>
+    <p:spTree>
+      <p:nvGrpSpPr>
+        <p:cNvPr id="1" name="Shape 84"/>
+        <p:cNvGrpSpPr/>
+        <p:nvPr/>
+      </p:nvGrpSpPr>
+      <p:grpSpPr>
+        <a:xfrm>
+          <a:off x="0" y="0"/>
+          <a:ext cx="0" cy="0"/>
+          <a:chOff x="0" y="0"/>
+          <a:chExt cx="0" cy="0"/>
+        </a:xfrm>
+      </p:grpSpPr>
+      <p:sp>
+        <p:nvSpPr>
+          <p:cNvPr id="85" name="Google Shape;85;p5"/>
+          <p:cNvSpPr txBox="1">
+            <a:spLocks noGrp="1"/>
+          </p:cNvSpPr>
+          <p:nvPr>
+            <p:ph type="title" idx="4294967295"/>
+          </p:nvPr>
+        </p:nvSpPr>
+        <p:spPr>
+          <a:xfrm>
+            <a:off x="1196975" y="0"/>
+            <a:ext cx="7947025" cy="1196975"/>
+          </a:xfrm>
+          <a:prstGeom prst="rect">
+            <a:avLst/>
+          </a:prstGeom>
+          <a:gradFill>
+            <a:gsLst>
+              <a:gs pos="0">
+                <a:srgbClr val="FFFFFF">
+                  <a:alpha val="45882"/>
+                </a:srgbClr>
+              </a:gs>
+              <a:gs pos="100000">
+                <a:srgbClr val="0070C0"/>
+              </a:gs>
+            </a:gsLst>
+            <a:lin ang="0" scaled="0"/>
+          </a:gradFill>
+          <a:ln>
+            <a:noFill/>
+          </a:ln>
+        </p:spPr>
+        <p:txBody>
+          <a:bodyPr spcFirstLastPara="1" wrap="square" lIns="91425" tIns="45700" rIns="91425" bIns="45700" anchor="ctr" anchorCtr="0">
+            <a:noAutofit/>
+          </a:bodyPr>
+          <a:lstStyle/>
+          <a:p>
+            <a:pPr marL="0" lvl="0" indent="0" algn="r" rtl="0">
+              <a:spcBef>
+                <a:spcPts val="0"/>
+              </a:spcBef>
+              <a:spcAft>
+                <a:spcPts val="0"/>
+              </a:spcAft>
+              <a:buNone/>
+            </a:pPr>
+            <a:r>
+              <a:rPr lang="fr-CH" dirty="0">
+                <a:solidFill>
+                  <a:schemeClr val="accent4"/>
+                </a:solidFill>
+              </a:rPr>
+              <a:t>EXERCICE</a:t>
+            </a:r>
+            <a:endParaRPr dirty="0">
+              <a:solidFill>
+                <a:schemeClr val="accent4"/>
+              </a:solidFill>
+            </a:endParaRPr>
+          </a:p>
+        </p:txBody>
+      </p:sp>
+      <p:pic>
+        <p:nvPicPr>
+          <p:cNvPr id="86" name="Google Shape;86;p5"/>
+          <p:cNvPicPr preferRelativeResize="0"/>
+          <p:nvPr/>
+        </p:nvPicPr>
+        <p:blipFill rotWithShape="1">
+          <a:blip r:embed="rId3">
+            <a:alphaModFix/>
+          </a:blip>
+          <a:srcRect/>
+          <a:stretch/>
+        </p:blipFill>
+        <p:spPr>
+          <a:xfrm>
+            <a:off x="107504" y="116632"/>
+            <a:ext cx="725050" cy="720977"/>
+          </a:xfrm>
+          <a:prstGeom prst="rect">
+            <a:avLst/>
+          </a:prstGeom>
+          <a:noFill/>
+          <a:ln>
+            <a:noFill/>
+          </a:ln>
+        </p:spPr>
+      </p:pic>
+      <p:sp>
+        <p:nvSpPr>
+          <p:cNvPr id="2" name="TextBox 1">
+            <a:extLst>
+              <a:ext uri="{FF2B5EF4-FFF2-40B4-BE49-F238E27FC236}">
+                <a16:creationId xmlns:a16="http://schemas.microsoft.com/office/drawing/2014/main" id="{374207FF-839A-4AE2-A342-BC86793CC55C}"/>
+              </a:ext>
+            </a:extLst>
+          </p:cNvPr>
+          <p:cNvSpPr txBox="1"/>
+          <p:nvPr/>
+        </p:nvSpPr>
+        <p:spPr>
+          <a:xfrm>
+            <a:off x="468743" y="1689084"/>
+            <a:ext cx="6375400" cy="369332"/>
+          </a:xfrm>
+          <a:prstGeom prst="rect">
+            <a:avLst/>
+          </a:prstGeom>
+          <a:noFill/>
+        </p:spPr>
+        <p:txBody>
+          <a:bodyPr wrap="square" rtlCol="0">
+            <a:spAutoFit/>
+          </a:bodyPr>
+          <a:lstStyle/>
+          <a:p>
+            <a:r>
+              <a:rPr lang="en-GB" sz="1800" b="1" dirty="0"/>
+              <a:t>Installation </a:t>
+            </a:r>
+            <a:r>
+              <a:rPr lang="en-GB" sz="1800" b="1" dirty="0" err="1"/>
+              <a:t>d’Apache</a:t>
+            </a:r>
+            <a:endParaRPr lang="en-GB" sz="1800" b="1" dirty="0"/>
+          </a:p>
+        </p:txBody>
+      </p:sp>
+      <p:pic>
+        <p:nvPicPr>
+          <p:cNvPr id="5" name="Picture 4">
+            <a:extLst>
+              <a:ext uri="{FF2B5EF4-FFF2-40B4-BE49-F238E27FC236}">
+                <a16:creationId xmlns:a16="http://schemas.microsoft.com/office/drawing/2014/main" id="{BAE3657D-E0DE-479B-BA84-B0846C8C9271}"/>
+              </a:ext>
+            </a:extLst>
+          </p:cNvPr>
+          <p:cNvPicPr>
+            <a:picLocks noChangeAspect="1"/>
+          </p:cNvPicPr>
+          <p:nvPr/>
+        </p:nvPicPr>
+        <p:blipFill>
+          <a:blip r:embed="rId4"/>
+          <a:stretch>
+            <a:fillRect/>
+          </a:stretch>
+        </p:blipFill>
+        <p:spPr>
+          <a:xfrm>
+            <a:off x="584200" y="2233116"/>
+            <a:ext cx="720000" cy="720000"/>
+          </a:xfrm>
+          <a:prstGeom prst="rect">
+            <a:avLst/>
+          </a:prstGeom>
+        </p:spPr>
+      </p:pic>
+      <p:sp>
+        <p:nvSpPr>
+          <p:cNvPr id="8" name="TextBox 7">
+            <a:extLst>
+              <a:ext uri="{FF2B5EF4-FFF2-40B4-BE49-F238E27FC236}">
+                <a16:creationId xmlns:a16="http://schemas.microsoft.com/office/drawing/2014/main" id="{AFEFF684-C225-481A-AAEC-846FAC23F3A4}"/>
+              </a:ext>
+            </a:extLst>
+          </p:cNvPr>
+          <p:cNvSpPr txBox="1"/>
+          <p:nvPr/>
+        </p:nvSpPr>
+        <p:spPr>
+          <a:xfrm>
+            <a:off x="1591734" y="4422070"/>
+            <a:ext cx="6375400" cy="307777"/>
+          </a:xfrm>
+          <a:prstGeom prst="rect">
+            <a:avLst/>
+          </a:prstGeom>
+          <a:noFill/>
+        </p:spPr>
+        <p:txBody>
+          <a:bodyPr wrap="square" rtlCol="0">
+            <a:spAutoFit/>
+          </a:bodyPr>
+          <a:lstStyle/>
+          <a:p>
+            <a:r>
+              <a:rPr lang="en-GB" dirty="0"/>
+              <a:t>15 min</a:t>
+            </a:r>
+          </a:p>
+        </p:txBody>
+      </p:sp>
+      <p:sp>
+        <p:nvSpPr>
+          <p:cNvPr id="9" name="TextBox 8">
+            <a:extLst>
+              <a:ext uri="{FF2B5EF4-FFF2-40B4-BE49-F238E27FC236}">
+                <a16:creationId xmlns:a16="http://schemas.microsoft.com/office/drawing/2014/main" id="{6EEC1985-47CC-45C2-8DF3-A0E5DE7D5C56}"/>
+              </a:ext>
+            </a:extLst>
+          </p:cNvPr>
+          <p:cNvSpPr txBox="1"/>
+          <p:nvPr/>
+        </p:nvSpPr>
+        <p:spPr>
+          <a:xfrm>
+            <a:off x="1540934" y="3429000"/>
+            <a:ext cx="6375400" cy="307777"/>
+          </a:xfrm>
+          <a:prstGeom prst="rect">
+            <a:avLst/>
+          </a:prstGeom>
+          <a:noFill/>
+        </p:spPr>
+        <p:txBody>
+          <a:bodyPr wrap="square" rtlCol="0">
+            <a:spAutoFit/>
+          </a:bodyPr>
+          <a:lstStyle/>
+          <a:p>
+            <a:r>
+              <a:rPr lang="fr-FR"/>
+              <a:t>Selon github + video si necessaire - https://github.com/regislon/cfgeo_s2</a:t>
+            </a:r>
+          </a:p>
+        </p:txBody>
+      </p:sp>
+      <p:pic>
+        <p:nvPicPr>
+          <p:cNvPr id="7" name="Picture 6">
+            <a:extLst>
+              <a:ext uri="{FF2B5EF4-FFF2-40B4-BE49-F238E27FC236}">
+                <a16:creationId xmlns:a16="http://schemas.microsoft.com/office/drawing/2014/main" id="{0397F167-12B7-4650-A9B7-DB41731C18C8}"/>
+              </a:ext>
+            </a:extLst>
+          </p:cNvPr>
+          <p:cNvPicPr>
+            <a:picLocks noChangeAspect="1"/>
+          </p:cNvPicPr>
+          <p:nvPr/>
+        </p:nvPicPr>
+        <p:blipFill>
+          <a:blip r:embed="rId5"/>
+          <a:stretch>
+            <a:fillRect/>
+          </a:stretch>
+        </p:blipFill>
+        <p:spPr>
+          <a:xfrm>
+            <a:off x="573945" y="3199470"/>
+            <a:ext cx="730255" cy="656305"/>
+          </a:xfrm>
+          <a:prstGeom prst="rect">
+            <a:avLst/>
+          </a:prstGeom>
+        </p:spPr>
+      </p:pic>
+      <p:pic>
+        <p:nvPicPr>
+          <p:cNvPr id="11" name="Picture 10">
+            <a:extLst>
+              <a:ext uri="{FF2B5EF4-FFF2-40B4-BE49-F238E27FC236}">
+                <a16:creationId xmlns:a16="http://schemas.microsoft.com/office/drawing/2014/main" id="{EC91C96D-E29D-4BD5-A105-3C2C5E4EA381}"/>
+              </a:ext>
+            </a:extLst>
+          </p:cNvPr>
+          <p:cNvPicPr>
+            <a:picLocks noChangeAspect="1"/>
+          </p:cNvPicPr>
+          <p:nvPr/>
+        </p:nvPicPr>
+        <p:blipFill>
+          <a:blip r:embed="rId6"/>
+          <a:stretch>
+            <a:fillRect/>
+          </a:stretch>
+        </p:blipFill>
+        <p:spPr>
+          <a:xfrm>
+            <a:off x="651932" y="4247549"/>
+            <a:ext cx="660499" cy="673753"/>
+          </a:xfrm>
+          <a:prstGeom prst="rect">
+            <a:avLst/>
+          </a:prstGeom>
+        </p:spPr>
+      </p:pic>
+      <p:sp>
+        <p:nvSpPr>
+          <p:cNvPr id="14" name="TextBox 13">
+            <a:extLst>
+              <a:ext uri="{FF2B5EF4-FFF2-40B4-BE49-F238E27FC236}">
+                <a16:creationId xmlns:a16="http://schemas.microsoft.com/office/drawing/2014/main" id="{87FC9565-0ACC-47DF-8971-28A327A074A8}"/>
+              </a:ext>
+            </a:extLst>
+          </p:cNvPr>
+          <p:cNvSpPr txBox="1"/>
+          <p:nvPr/>
+        </p:nvSpPr>
+        <p:spPr>
+          <a:xfrm>
+            <a:off x="1540934" y="2435930"/>
+            <a:ext cx="6375400" cy="307777"/>
+          </a:xfrm>
+          <a:prstGeom prst="rect">
+            <a:avLst/>
+          </a:prstGeom>
+          <a:noFill/>
+        </p:spPr>
+        <p:txBody>
+          <a:bodyPr wrap="square" rtlCol="0">
+            <a:spAutoFit/>
+          </a:bodyPr>
+          <a:lstStyle/>
+          <a:p>
+            <a:r>
+              <a:rPr lang="en-GB" dirty="0"/>
+              <a:t>Objectif : installer </a:t>
+            </a:r>
+            <a:r>
+              <a:rPr lang="en-GB" dirty="0" err="1"/>
+              <a:t>ce</a:t>
+            </a:r>
+            <a:r>
+              <a:rPr lang="en-GB" dirty="0"/>
+              <a:t> server web</a:t>
+            </a:r>
+          </a:p>
+        </p:txBody>
+      </p:sp>
+      <p:pic>
+        <p:nvPicPr>
+          <p:cNvPr id="6" name="Picture 5">
+            <a:extLst>
+              <a:ext uri="{FF2B5EF4-FFF2-40B4-BE49-F238E27FC236}">
+                <a16:creationId xmlns:a16="http://schemas.microsoft.com/office/drawing/2014/main" id="{A47D9217-7523-4115-AC86-8924A54FCF4B}"/>
+              </a:ext>
+            </a:extLst>
+          </p:cNvPr>
+          <p:cNvPicPr>
+            <a:picLocks noChangeAspect="1"/>
+          </p:cNvPicPr>
+          <p:nvPr/>
+        </p:nvPicPr>
+        <p:blipFill>
+          <a:blip r:embed="rId7"/>
+          <a:stretch>
+            <a:fillRect/>
+          </a:stretch>
+        </p:blipFill>
+        <p:spPr>
+          <a:xfrm>
+            <a:off x="2931097" y="3982662"/>
+            <a:ext cx="2614569" cy="2709520"/>
+          </a:xfrm>
+          <a:prstGeom prst="rect">
+            <a:avLst/>
+          </a:prstGeom>
+        </p:spPr>
+      </p:pic>
+      <p:pic>
+        <p:nvPicPr>
+          <p:cNvPr id="12" name="Picture 11">
+            <a:extLst>
+              <a:ext uri="{FF2B5EF4-FFF2-40B4-BE49-F238E27FC236}">
+                <a16:creationId xmlns:a16="http://schemas.microsoft.com/office/drawing/2014/main" id="{5FB7D72B-7608-4DE3-B090-47F13A3D3D9F}"/>
+              </a:ext>
+            </a:extLst>
+          </p:cNvPr>
+          <p:cNvPicPr>
+            <a:picLocks noChangeAspect="1"/>
+          </p:cNvPicPr>
+          <p:nvPr/>
+        </p:nvPicPr>
+        <p:blipFill>
+          <a:blip r:embed="rId8"/>
+          <a:stretch>
+            <a:fillRect/>
+          </a:stretch>
+        </p:blipFill>
+        <p:spPr>
+          <a:xfrm>
+            <a:off x="4665631" y="1873750"/>
+            <a:ext cx="4357023" cy="950278"/>
+          </a:xfrm>
+          <a:prstGeom prst="rect">
+            <a:avLst/>
+          </a:prstGeom>
+        </p:spPr>
+      </p:pic>
+      <p:pic>
+        <p:nvPicPr>
+          <p:cNvPr id="4" name="Picture 3">
+            <a:extLst>
+              <a:ext uri="{FF2B5EF4-FFF2-40B4-BE49-F238E27FC236}">
+                <a16:creationId xmlns:a16="http://schemas.microsoft.com/office/drawing/2014/main" id="{91BF2D32-4CB9-4956-B296-3E84C132DB88}"/>
+              </a:ext>
+            </a:extLst>
+          </p:cNvPr>
+          <p:cNvPicPr>
+            <a:picLocks noChangeAspect="1"/>
+          </p:cNvPicPr>
+          <p:nvPr/>
+        </p:nvPicPr>
+        <p:blipFill>
+          <a:blip r:embed="rId9"/>
+          <a:stretch>
+            <a:fillRect/>
+          </a:stretch>
+        </p:blipFill>
+        <p:spPr>
+          <a:xfrm>
+            <a:off x="5671985" y="4033973"/>
+            <a:ext cx="2984694" cy="2305299"/>
+          </a:xfrm>
+          <a:prstGeom prst="rect">
+            <a:avLst/>
+          </a:prstGeom>
+        </p:spPr>
+      </p:pic>
+      <p:sp>
+        <p:nvSpPr>
+          <p:cNvPr id="10" name="TextBox 9">
+            <a:extLst>
+              <a:ext uri="{FF2B5EF4-FFF2-40B4-BE49-F238E27FC236}">
+                <a16:creationId xmlns:a16="http://schemas.microsoft.com/office/drawing/2014/main" id="{82E715C2-48B9-488B-BACC-11EEABCDC623}"/>
+              </a:ext>
+            </a:extLst>
+          </p:cNvPr>
+          <p:cNvSpPr txBox="1"/>
+          <p:nvPr/>
+        </p:nvSpPr>
+        <p:spPr>
+          <a:xfrm>
+            <a:off x="4238381" y="3977591"/>
+            <a:ext cx="257419" cy="307777"/>
+          </a:xfrm>
+          <a:prstGeom prst="rect">
+            <a:avLst/>
+          </a:prstGeom>
+          <a:solidFill>
+            <a:schemeClr val="accent2"/>
+          </a:solidFill>
+        </p:spPr>
+        <p:txBody>
+          <a:bodyPr wrap="square" rtlCol="0">
+            <a:spAutoFit/>
+          </a:bodyPr>
+          <a:lstStyle/>
+          <a:p>
+            <a:r>
+              <a:rPr lang="en-GB" dirty="0"/>
+              <a:t>1</a:t>
+            </a:r>
+            <a:endParaRPr lang="fr-CH" dirty="0"/>
+          </a:p>
+        </p:txBody>
+      </p:sp>
+      <p:sp>
+        <p:nvSpPr>
+          <p:cNvPr id="16" name="TextBox 15">
+            <a:extLst>
+              <a:ext uri="{FF2B5EF4-FFF2-40B4-BE49-F238E27FC236}">
+                <a16:creationId xmlns:a16="http://schemas.microsoft.com/office/drawing/2014/main" id="{F7E43487-B93B-40CD-81AA-1127D3BE25CC}"/>
+              </a:ext>
+            </a:extLst>
+          </p:cNvPr>
+          <p:cNvSpPr txBox="1"/>
+          <p:nvPr/>
+        </p:nvSpPr>
+        <p:spPr>
+          <a:xfrm>
+            <a:off x="4314581" y="2138736"/>
+            <a:ext cx="257419" cy="307777"/>
+          </a:xfrm>
+          <a:prstGeom prst="rect">
+            <a:avLst/>
+          </a:prstGeom>
+          <a:solidFill>
+            <a:schemeClr val="accent2"/>
+          </a:solidFill>
+        </p:spPr>
+        <p:txBody>
+          <a:bodyPr wrap="square" rtlCol="0">
+            <a:spAutoFit/>
+          </a:bodyPr>
+          <a:lstStyle/>
+          <a:p>
+            <a:r>
+              <a:rPr lang="en-GB" dirty="0"/>
+              <a:t>2</a:t>
+            </a:r>
+            <a:endParaRPr lang="fr-CH" dirty="0"/>
+          </a:p>
+        </p:txBody>
+      </p:sp>
+      <p:sp>
+        <p:nvSpPr>
+          <p:cNvPr id="17" name="TextBox 16">
+            <a:extLst>
+              <a:ext uri="{FF2B5EF4-FFF2-40B4-BE49-F238E27FC236}">
+                <a16:creationId xmlns:a16="http://schemas.microsoft.com/office/drawing/2014/main" id="{E46D7F92-C741-4750-B4F3-4C809D06986F}"/>
+              </a:ext>
+            </a:extLst>
+          </p:cNvPr>
+          <p:cNvSpPr txBox="1"/>
+          <p:nvPr/>
+        </p:nvSpPr>
+        <p:spPr>
+          <a:xfrm>
+            <a:off x="8319314" y="3880084"/>
+            <a:ext cx="257419" cy="307777"/>
+          </a:xfrm>
+          <a:prstGeom prst="rect">
+            <a:avLst/>
+          </a:prstGeom>
+          <a:solidFill>
+            <a:schemeClr val="accent2"/>
+          </a:solidFill>
+        </p:spPr>
+        <p:txBody>
+          <a:bodyPr wrap="square" rtlCol="0">
+            <a:spAutoFit/>
+          </a:bodyPr>
+          <a:lstStyle/>
+          <a:p>
+            <a:r>
+              <a:rPr lang="en-GB" dirty="0"/>
+              <a:t>3</a:t>
+            </a:r>
+            <a:endParaRPr lang="fr-CH" dirty="0"/>
+          </a:p>
+        </p:txBody>
+      </p:sp>
+    </p:spTree>
+    <p:extLst>
+      <p:ext uri="{BB962C8B-B14F-4D97-AF65-F5344CB8AC3E}">
+        <p14:creationId xmlns:p14="http://schemas.microsoft.com/office/powerpoint/2010/main" val="4086098945"/>
       </p:ext>
     </p:extLst>
   </p:cSld>
@@ -10702,8 +10745,32 @@
           <a:lstStyle/>
           <a:p>
             <a:r>
-              <a:rPr lang="fr-FR"/>
-              <a:t>Selon github + video si necessaire - https://github.com/regislon/cfgeo_s2</a:t>
+              <a:rPr lang="fr-FR" dirty="0"/>
+              <a:t>Selon </a:t>
+            </a:r>
+            <a:r>
+              <a:rPr lang="fr-FR" dirty="0" err="1"/>
+              <a:t>github</a:t>
+            </a:r>
+            <a:r>
+              <a:rPr lang="fr-FR" dirty="0"/>
+              <a:t> + </a:t>
+            </a:r>
+            <a:r>
+              <a:rPr lang="fr-FR" dirty="0" err="1"/>
+              <a:t>video</a:t>
+            </a:r>
+            <a:r>
+              <a:rPr lang="fr-FR" dirty="0"/>
+              <a:t> si </a:t>
+            </a:r>
+            <a:r>
+              <a:rPr lang="fr-FR" dirty="0" err="1"/>
+              <a:t>necessaire</a:t>
+            </a:r>
+            <a:r>
+              <a:rPr lang="fr-FR" dirty="0"/>
+              <a:t> - https://github.com/regislon/cfgeo_s2</a:t>
             </a:r>
           </a:p>
         </p:txBody>
@@ -11417,7 +11484,7 @@
               <a:rPr lang="en-GB" sz="1800" dirty="0">
                 <a:sym typeface="Wingdings" panose="05000000000000000000" pitchFamily="2" charset="2"/>
               </a:rPr>
-              <a:t>Test WMS</a:t>
+              <a:t>Test WMS  / WFS</a:t>
             </a:r>
           </a:p>
           <a:p>
@@ -11461,11 +11528,11 @@
 </file>
 
 <file path=ppt/slides/slide6.xml><?xml version="1.0" encoding="utf-8"?>
-<p:sld xmlns:a="http://schemas.openxmlformats.org/drawingml/2006/main" xmlns:r="http://schemas.openxmlformats.org/officeDocument/2006/relationships" xmlns:p="http://schemas.openxmlformats.org/presentationml/2006/main" showMasterSp="0">
+<p:sld xmlns:a="http://schemas.openxmlformats.org/drawingml/2006/main" xmlns:r="http://schemas.openxmlformats.org/officeDocument/2006/relationships" xmlns:p="http://schemas.openxmlformats.org/presentationml/2006/main">
   <p:cSld>
     <p:spTree>
       <p:nvGrpSpPr>
-        <p:cNvPr id="1" name="Shape 84"/>
+        <p:cNvPr id="1" name="Shape 70"/>
         <p:cNvGrpSpPr/>
         <p:nvPr/>
       </p:nvGrpSpPr>
@@ -11479,18 +11546,18 @@
       </p:grpSpPr>
       <p:sp>
         <p:nvSpPr>
-          <p:cNvPr id="85" name="Google Shape;85;p5"/>
+          <p:cNvPr id="71" name="Google Shape;71;p3"/>
           <p:cNvSpPr txBox="1">
             <a:spLocks noGrp="1"/>
           </p:cNvSpPr>
           <p:nvPr>
-            <p:ph type="title" idx="4294967295"/>
+            <p:ph type="title"/>
           </p:nvPr>
         </p:nvSpPr>
         <p:spPr>
           <a:xfrm>
-            <a:off x="1196975" y="0"/>
-            <a:ext cx="7947025" cy="1196975"/>
+            <a:off x="1196977" y="0"/>
+            <a:ext cx="7947023" cy="1196975"/>
           </a:xfrm>
           <a:prstGeom prst="rect">
             <a:avLst/>
@@ -11503,7 +11570,9 @@
                 </a:srgbClr>
               </a:gs>
               <a:gs pos="100000">
-                <a:srgbClr val="0070C0"/>
+                <a:srgbClr val="FF3300">
+                  <a:alpha val="64705"/>
+                </a:srgbClr>
               </a:gs>
             </a:gsLst>
             <a:lin ang="0" scaled="0"/>
@@ -11529,93 +11598,23 @@
             </a:pPr>
             <a:r>
               <a:rPr lang="fr-CH" dirty="0">
-                <a:solidFill>
-                  <a:schemeClr val="accent4"/>
-                </a:solidFill>
+                <a:latin typeface="Century Gothic"/>
+                <a:ea typeface="Century Gothic"/>
+                <a:cs typeface="Century Gothic"/>
+                <a:sym typeface="Century Gothic"/>
               </a:rPr>
-              <a:t>EXERCICE</a:t>
-            </a:r>
-            <a:endParaRPr dirty="0">
-              <a:solidFill>
-                <a:schemeClr val="accent4"/>
-              </a:solidFill>
-            </a:endParaRPr>
+              <a:t>Introduction</a:t>
+            </a:r>
+            <a:endParaRPr lang="fr-CH" dirty="0"/>
           </a:p>
         </p:txBody>
       </p:sp>
       <p:pic>
         <p:nvPicPr>
-          <p:cNvPr id="86" name="Google Shape;86;p5"/>
-          <p:cNvPicPr preferRelativeResize="0"/>
-          <p:nvPr/>
-        </p:nvPicPr>
-        <p:blipFill rotWithShape="1">
-          <a:blip r:embed="rId3">
-            <a:alphaModFix/>
-          </a:blip>
-          <a:srcRect/>
-          <a:stretch/>
-        </p:blipFill>
-        <p:spPr>
-          <a:xfrm>
-            <a:off x="107504" y="116632"/>
-            <a:ext cx="725050" cy="720977"/>
-          </a:xfrm>
-          <a:prstGeom prst="rect">
-            <a:avLst/>
-          </a:prstGeom>
-          <a:noFill/>
-          <a:ln>
-            <a:noFill/>
-          </a:ln>
-        </p:spPr>
-      </p:pic>
-      <p:sp>
-        <p:nvSpPr>
-          <p:cNvPr id="2" name="TextBox 1">
+          <p:cNvPr id="3" name="Picture 2">
             <a:extLst>
               <a:ext uri="{FF2B5EF4-FFF2-40B4-BE49-F238E27FC236}">
-                <a16:creationId xmlns:a16="http://schemas.microsoft.com/office/drawing/2014/main" id="{374207FF-839A-4AE2-A342-BC86793CC55C}"/>
-              </a:ext>
-            </a:extLst>
-          </p:cNvPr>
-          <p:cNvSpPr txBox="1"/>
-          <p:nvPr/>
-        </p:nvSpPr>
-        <p:spPr>
-          <a:xfrm>
-            <a:off x="468743" y="1689084"/>
-            <a:ext cx="6375400" cy="369332"/>
-          </a:xfrm>
-          <a:prstGeom prst="rect">
-            <a:avLst/>
-          </a:prstGeom>
-          <a:noFill/>
-        </p:spPr>
-        <p:txBody>
-          <a:bodyPr wrap="square" rtlCol="0">
-            <a:spAutoFit/>
-          </a:bodyPr>
-          <a:lstStyle/>
-          <a:p>
-            <a:r>
-              <a:rPr lang="en-GB" sz="1800" b="1" dirty="0"/>
-              <a:t>Installation </a:t>
-            </a:r>
-            <a:r>
-              <a:rPr lang="en-GB" sz="1800" b="1" dirty="0" err="1"/>
-              <a:t>d’Apache</a:t>
-            </a:r>
-            <a:endParaRPr lang="en-GB" sz="1800" b="1" dirty="0"/>
-          </a:p>
-        </p:txBody>
-      </p:sp>
-      <p:pic>
-        <p:nvPicPr>
-          <p:cNvPr id="5" name="Picture 4">
-            <a:extLst>
-              <a:ext uri="{FF2B5EF4-FFF2-40B4-BE49-F238E27FC236}">
-                <a16:creationId xmlns:a16="http://schemas.microsoft.com/office/drawing/2014/main" id="{BAE3657D-E0DE-479B-BA84-B0846C8C9271}"/>
+                <a16:creationId xmlns:a16="http://schemas.microsoft.com/office/drawing/2014/main" id="{650BF82D-784C-459D-BE85-6D344D46E1C0}"/>
               </a:ext>
             </a:extLst>
           </p:cNvPr>
@@ -11625,402 +11624,25 @@
           <p:nvPr/>
         </p:nvPicPr>
         <p:blipFill>
-          <a:blip r:embed="rId4"/>
+          <a:blip r:embed="rId3"/>
           <a:stretch>
             <a:fillRect/>
           </a:stretch>
         </p:blipFill>
         <p:spPr>
           <a:xfrm>
-            <a:off x="584200" y="2233116"/>
-            <a:ext cx="720000" cy="720000"/>
+            <a:off x="199415" y="1440620"/>
+            <a:ext cx="8745170" cy="4315427"/>
           </a:xfrm>
           <a:prstGeom prst="rect">
             <a:avLst/>
           </a:prstGeom>
         </p:spPr>
       </p:pic>
-      <p:sp>
-        <p:nvSpPr>
-          <p:cNvPr id="8" name="TextBox 7">
-            <a:extLst>
-              <a:ext uri="{FF2B5EF4-FFF2-40B4-BE49-F238E27FC236}">
-                <a16:creationId xmlns:a16="http://schemas.microsoft.com/office/drawing/2014/main" id="{AFEFF684-C225-481A-AAEC-846FAC23F3A4}"/>
-              </a:ext>
-            </a:extLst>
-          </p:cNvPr>
-          <p:cNvSpPr txBox="1"/>
-          <p:nvPr/>
-        </p:nvSpPr>
-        <p:spPr>
-          <a:xfrm>
-            <a:off x="1591734" y="4422070"/>
-            <a:ext cx="6375400" cy="307777"/>
-          </a:xfrm>
-          <a:prstGeom prst="rect">
-            <a:avLst/>
-          </a:prstGeom>
-          <a:noFill/>
-        </p:spPr>
-        <p:txBody>
-          <a:bodyPr wrap="square" rtlCol="0">
-            <a:spAutoFit/>
-          </a:bodyPr>
-          <a:lstStyle/>
-          <a:p>
-            <a:r>
-              <a:rPr lang="en-GB" dirty="0"/>
-              <a:t>15 min</a:t>
-            </a:r>
-          </a:p>
-        </p:txBody>
-      </p:sp>
-      <p:sp>
-        <p:nvSpPr>
-          <p:cNvPr id="9" name="TextBox 8">
-            <a:extLst>
-              <a:ext uri="{FF2B5EF4-FFF2-40B4-BE49-F238E27FC236}">
-                <a16:creationId xmlns:a16="http://schemas.microsoft.com/office/drawing/2014/main" id="{6EEC1985-47CC-45C2-8DF3-A0E5DE7D5C56}"/>
-              </a:ext>
-            </a:extLst>
-          </p:cNvPr>
-          <p:cNvSpPr txBox="1"/>
-          <p:nvPr/>
-        </p:nvSpPr>
-        <p:spPr>
-          <a:xfrm>
-            <a:off x="1540934" y="3429000"/>
-            <a:ext cx="6375400" cy="307777"/>
-          </a:xfrm>
-          <a:prstGeom prst="rect">
-            <a:avLst/>
-          </a:prstGeom>
-          <a:noFill/>
-        </p:spPr>
-        <p:txBody>
-          <a:bodyPr wrap="square" rtlCol="0">
-            <a:spAutoFit/>
-          </a:bodyPr>
-          <a:lstStyle/>
-          <a:p>
-            <a:r>
-              <a:rPr lang="fr-FR"/>
-              <a:t>Selon github + video si necessaire - https://github.com/regislon/cfgeo_s2</a:t>
-            </a:r>
-          </a:p>
-        </p:txBody>
-      </p:sp>
-      <p:pic>
-        <p:nvPicPr>
-          <p:cNvPr id="7" name="Picture 6">
-            <a:extLst>
-              <a:ext uri="{FF2B5EF4-FFF2-40B4-BE49-F238E27FC236}">
-                <a16:creationId xmlns:a16="http://schemas.microsoft.com/office/drawing/2014/main" id="{0397F167-12B7-4650-A9B7-DB41731C18C8}"/>
-              </a:ext>
-            </a:extLst>
-          </p:cNvPr>
-          <p:cNvPicPr>
-            <a:picLocks noChangeAspect="1"/>
-          </p:cNvPicPr>
-          <p:nvPr/>
-        </p:nvPicPr>
-        <p:blipFill>
-          <a:blip r:embed="rId5"/>
-          <a:stretch>
-            <a:fillRect/>
-          </a:stretch>
-        </p:blipFill>
-        <p:spPr>
-          <a:xfrm>
-            <a:off x="573945" y="3199470"/>
-            <a:ext cx="730255" cy="656305"/>
-          </a:xfrm>
-          <a:prstGeom prst="rect">
-            <a:avLst/>
-          </a:prstGeom>
-        </p:spPr>
-      </p:pic>
-      <p:pic>
-        <p:nvPicPr>
-          <p:cNvPr id="11" name="Picture 10">
-            <a:extLst>
-              <a:ext uri="{FF2B5EF4-FFF2-40B4-BE49-F238E27FC236}">
-                <a16:creationId xmlns:a16="http://schemas.microsoft.com/office/drawing/2014/main" id="{EC91C96D-E29D-4BD5-A105-3C2C5E4EA381}"/>
-              </a:ext>
-            </a:extLst>
-          </p:cNvPr>
-          <p:cNvPicPr>
-            <a:picLocks noChangeAspect="1"/>
-          </p:cNvPicPr>
-          <p:nvPr/>
-        </p:nvPicPr>
-        <p:blipFill>
-          <a:blip r:embed="rId6"/>
-          <a:stretch>
-            <a:fillRect/>
-          </a:stretch>
-        </p:blipFill>
-        <p:spPr>
-          <a:xfrm>
-            <a:off x="651932" y="4247549"/>
-            <a:ext cx="660499" cy="673753"/>
-          </a:xfrm>
-          <a:prstGeom prst="rect">
-            <a:avLst/>
-          </a:prstGeom>
-        </p:spPr>
-      </p:pic>
-      <p:sp>
-        <p:nvSpPr>
-          <p:cNvPr id="14" name="TextBox 13">
-            <a:extLst>
-              <a:ext uri="{FF2B5EF4-FFF2-40B4-BE49-F238E27FC236}">
-                <a16:creationId xmlns:a16="http://schemas.microsoft.com/office/drawing/2014/main" id="{87FC9565-0ACC-47DF-8971-28A327A074A8}"/>
-              </a:ext>
-            </a:extLst>
-          </p:cNvPr>
-          <p:cNvSpPr txBox="1"/>
-          <p:nvPr/>
-        </p:nvSpPr>
-        <p:spPr>
-          <a:xfrm>
-            <a:off x="1540934" y="2435930"/>
-            <a:ext cx="6375400" cy="307777"/>
-          </a:xfrm>
-          <a:prstGeom prst="rect">
-            <a:avLst/>
-          </a:prstGeom>
-          <a:noFill/>
-        </p:spPr>
-        <p:txBody>
-          <a:bodyPr wrap="square" rtlCol="0">
-            <a:spAutoFit/>
-          </a:bodyPr>
-          <a:lstStyle/>
-          <a:p>
-            <a:r>
-              <a:rPr lang="en-GB" dirty="0"/>
-              <a:t>Objectif : installer </a:t>
-            </a:r>
-            <a:r>
-              <a:rPr lang="en-GB" dirty="0" err="1"/>
-              <a:t>ce</a:t>
-            </a:r>
-            <a:r>
-              <a:rPr lang="en-GB" dirty="0"/>
-              <a:t> server web</a:t>
-            </a:r>
-          </a:p>
-        </p:txBody>
-      </p:sp>
-      <p:pic>
-        <p:nvPicPr>
-          <p:cNvPr id="6" name="Picture 5">
-            <a:extLst>
-              <a:ext uri="{FF2B5EF4-FFF2-40B4-BE49-F238E27FC236}">
-                <a16:creationId xmlns:a16="http://schemas.microsoft.com/office/drawing/2014/main" id="{A47D9217-7523-4115-AC86-8924A54FCF4B}"/>
-              </a:ext>
-            </a:extLst>
-          </p:cNvPr>
-          <p:cNvPicPr>
-            <a:picLocks noChangeAspect="1"/>
-          </p:cNvPicPr>
-          <p:nvPr/>
-        </p:nvPicPr>
-        <p:blipFill>
-          <a:blip r:embed="rId7"/>
-          <a:stretch>
-            <a:fillRect/>
-          </a:stretch>
-        </p:blipFill>
-        <p:spPr>
-          <a:xfrm>
-            <a:off x="2931097" y="3982662"/>
-            <a:ext cx="2614569" cy="2709520"/>
-          </a:xfrm>
-          <a:prstGeom prst="rect">
-            <a:avLst/>
-          </a:prstGeom>
-        </p:spPr>
-      </p:pic>
-      <p:pic>
-        <p:nvPicPr>
-          <p:cNvPr id="12" name="Picture 11">
-            <a:extLst>
-              <a:ext uri="{FF2B5EF4-FFF2-40B4-BE49-F238E27FC236}">
-                <a16:creationId xmlns:a16="http://schemas.microsoft.com/office/drawing/2014/main" id="{5FB7D72B-7608-4DE3-B090-47F13A3D3D9F}"/>
-              </a:ext>
-            </a:extLst>
-          </p:cNvPr>
-          <p:cNvPicPr>
-            <a:picLocks noChangeAspect="1"/>
-          </p:cNvPicPr>
-          <p:nvPr/>
-        </p:nvPicPr>
-        <p:blipFill>
-          <a:blip r:embed="rId8"/>
-          <a:stretch>
-            <a:fillRect/>
-          </a:stretch>
-        </p:blipFill>
-        <p:spPr>
-          <a:xfrm>
-            <a:off x="4665631" y="1873750"/>
-            <a:ext cx="4357023" cy="950278"/>
-          </a:xfrm>
-          <a:prstGeom prst="rect">
-            <a:avLst/>
-          </a:prstGeom>
-        </p:spPr>
-      </p:pic>
-      <p:pic>
-        <p:nvPicPr>
-          <p:cNvPr id="4" name="Picture 3">
-            <a:extLst>
-              <a:ext uri="{FF2B5EF4-FFF2-40B4-BE49-F238E27FC236}">
-                <a16:creationId xmlns:a16="http://schemas.microsoft.com/office/drawing/2014/main" id="{91BF2D32-4CB9-4956-B296-3E84C132DB88}"/>
-              </a:ext>
-            </a:extLst>
-          </p:cNvPr>
-          <p:cNvPicPr>
-            <a:picLocks noChangeAspect="1"/>
-          </p:cNvPicPr>
-          <p:nvPr/>
-        </p:nvPicPr>
-        <p:blipFill>
-          <a:blip r:embed="rId9"/>
-          <a:stretch>
-            <a:fillRect/>
-          </a:stretch>
-        </p:blipFill>
-        <p:spPr>
-          <a:xfrm>
-            <a:off x="5671985" y="4033973"/>
-            <a:ext cx="2984694" cy="2305299"/>
-          </a:xfrm>
-          <a:prstGeom prst="rect">
-            <a:avLst/>
-          </a:prstGeom>
-        </p:spPr>
-      </p:pic>
-      <p:sp>
-        <p:nvSpPr>
-          <p:cNvPr id="10" name="TextBox 9">
-            <a:extLst>
-              <a:ext uri="{FF2B5EF4-FFF2-40B4-BE49-F238E27FC236}">
-                <a16:creationId xmlns:a16="http://schemas.microsoft.com/office/drawing/2014/main" id="{82E715C2-48B9-488B-BACC-11EEABCDC623}"/>
-              </a:ext>
-            </a:extLst>
-          </p:cNvPr>
-          <p:cNvSpPr txBox="1"/>
-          <p:nvPr/>
-        </p:nvSpPr>
-        <p:spPr>
-          <a:xfrm>
-            <a:off x="4238381" y="3977591"/>
-            <a:ext cx="257419" cy="307777"/>
-          </a:xfrm>
-          <a:prstGeom prst="rect">
-            <a:avLst/>
-          </a:prstGeom>
-          <a:solidFill>
-            <a:schemeClr val="accent2"/>
-          </a:solidFill>
-        </p:spPr>
-        <p:txBody>
-          <a:bodyPr wrap="square" rtlCol="0">
-            <a:spAutoFit/>
-          </a:bodyPr>
-          <a:lstStyle/>
-          <a:p>
-            <a:r>
-              <a:rPr lang="en-GB" dirty="0"/>
-              <a:t>1</a:t>
-            </a:r>
-            <a:endParaRPr lang="fr-CH" dirty="0"/>
-          </a:p>
-        </p:txBody>
-      </p:sp>
-      <p:sp>
-        <p:nvSpPr>
-          <p:cNvPr id="16" name="TextBox 15">
-            <a:extLst>
-              <a:ext uri="{FF2B5EF4-FFF2-40B4-BE49-F238E27FC236}">
-                <a16:creationId xmlns:a16="http://schemas.microsoft.com/office/drawing/2014/main" id="{F7E43487-B93B-40CD-81AA-1127D3BE25CC}"/>
-              </a:ext>
-            </a:extLst>
-          </p:cNvPr>
-          <p:cNvSpPr txBox="1"/>
-          <p:nvPr/>
-        </p:nvSpPr>
-        <p:spPr>
-          <a:xfrm>
-            <a:off x="4314581" y="2138736"/>
-            <a:ext cx="257419" cy="307777"/>
-          </a:xfrm>
-          <a:prstGeom prst="rect">
-            <a:avLst/>
-          </a:prstGeom>
-          <a:solidFill>
-            <a:schemeClr val="accent2"/>
-          </a:solidFill>
-        </p:spPr>
-        <p:txBody>
-          <a:bodyPr wrap="square" rtlCol="0">
-            <a:spAutoFit/>
-          </a:bodyPr>
-          <a:lstStyle/>
-          <a:p>
-            <a:r>
-              <a:rPr lang="en-GB" dirty="0"/>
-              <a:t>2</a:t>
-            </a:r>
-            <a:endParaRPr lang="fr-CH" dirty="0"/>
-          </a:p>
-        </p:txBody>
-      </p:sp>
-      <p:sp>
-        <p:nvSpPr>
-          <p:cNvPr id="17" name="TextBox 16">
-            <a:extLst>
-              <a:ext uri="{FF2B5EF4-FFF2-40B4-BE49-F238E27FC236}">
-                <a16:creationId xmlns:a16="http://schemas.microsoft.com/office/drawing/2014/main" id="{E46D7F92-C741-4750-B4F3-4C809D06986F}"/>
-              </a:ext>
-            </a:extLst>
-          </p:cNvPr>
-          <p:cNvSpPr txBox="1"/>
-          <p:nvPr/>
-        </p:nvSpPr>
-        <p:spPr>
-          <a:xfrm>
-            <a:off x="8319314" y="3880084"/>
-            <a:ext cx="257419" cy="307777"/>
-          </a:xfrm>
-          <a:prstGeom prst="rect">
-            <a:avLst/>
-          </a:prstGeom>
-          <a:solidFill>
-            <a:schemeClr val="accent2"/>
-          </a:solidFill>
-        </p:spPr>
-        <p:txBody>
-          <a:bodyPr wrap="square" rtlCol="0">
-            <a:spAutoFit/>
-          </a:bodyPr>
-          <a:lstStyle/>
-          <a:p>
-            <a:r>
-              <a:rPr lang="en-GB" dirty="0"/>
-              <a:t>3</a:t>
-            </a:r>
-            <a:endParaRPr lang="fr-CH" dirty="0"/>
-          </a:p>
-        </p:txBody>
-      </p:sp>
     </p:spTree>
     <p:extLst>
       <p:ext uri="{BB962C8B-B14F-4D97-AF65-F5344CB8AC3E}">
-        <p14:creationId xmlns:p14="http://schemas.microsoft.com/office/powerpoint/2010/main" val="4086098945"/>
+        <p14:creationId xmlns:p14="http://schemas.microsoft.com/office/powerpoint/2010/main" val="2754974566"/>
       </p:ext>
     </p:extLst>
   </p:cSld>
@@ -12106,7 +11728,7 @@
                 <a:cs typeface="Century Gothic"/>
                 <a:sym typeface="Century Gothic"/>
               </a:rPr>
-              <a:t>Introduction</a:t>
+              <a:t>WMS</a:t>
             </a:r>
             <a:endParaRPr lang="fr-CH" dirty="0"/>
           </a:p>
@@ -12114,10 +11736,10 @@
       </p:sp>
       <p:pic>
         <p:nvPicPr>
-          <p:cNvPr id="3" name="Picture 2">
+          <p:cNvPr id="4" name="Picture 3">
             <a:extLst>
               <a:ext uri="{FF2B5EF4-FFF2-40B4-BE49-F238E27FC236}">
-                <a16:creationId xmlns:a16="http://schemas.microsoft.com/office/drawing/2014/main" id="{650BF82D-784C-459D-BE85-6D344D46E1C0}"/>
+                <a16:creationId xmlns:a16="http://schemas.microsoft.com/office/drawing/2014/main" id="{A7CDC650-E566-4ABA-977E-4531F2C77DA2}"/>
               </a:ext>
             </a:extLst>
           </p:cNvPr>
@@ -12134,8 +11756,8 @@
         </p:blipFill>
         <p:spPr>
           <a:xfrm>
-            <a:off x="199415" y="1440620"/>
-            <a:ext cx="8745170" cy="4315427"/>
+            <a:off x="1555396" y="1619972"/>
+            <a:ext cx="5068007" cy="4820323"/>
           </a:xfrm>
           <a:prstGeom prst="rect">
             <a:avLst/>
@@ -12145,7 +11767,7 @@
     </p:spTree>
     <p:extLst>
       <p:ext uri="{BB962C8B-B14F-4D97-AF65-F5344CB8AC3E}">
-        <p14:creationId xmlns:p14="http://schemas.microsoft.com/office/powerpoint/2010/main" val="2754974566"/>
+        <p14:creationId xmlns:p14="http://schemas.microsoft.com/office/powerpoint/2010/main" val="1223346140"/>
       </p:ext>
     </p:extLst>
   </p:cSld>
@@ -12231,18 +11853,496 @@
                 <a:cs typeface="Century Gothic"/>
                 <a:sym typeface="Century Gothic"/>
               </a:rPr>
-              <a:t>WMS</a:t>
+              <a:t>WMS - </a:t>
+            </a:r>
+            <a:r>
+              <a:rPr lang="fr-CH" dirty="0" err="1">
+                <a:latin typeface="Century Gothic"/>
+                <a:ea typeface="Century Gothic"/>
+                <a:cs typeface="Century Gothic"/>
+                <a:sym typeface="Century Gothic"/>
+              </a:rPr>
+              <a:t>GetCapabilities</a:t>
             </a:r>
             <a:endParaRPr lang="fr-CH" dirty="0"/>
+          </a:p>
+        </p:txBody>
+      </p:sp>
+      <p:sp>
+        <p:nvSpPr>
+          <p:cNvPr id="2" name="Rectangle 1">
+            <a:extLst>
+              <a:ext uri="{FF2B5EF4-FFF2-40B4-BE49-F238E27FC236}">
+                <a16:creationId xmlns:a16="http://schemas.microsoft.com/office/drawing/2014/main" id="{7D10EF96-C1B1-4409-8609-8679A9D026E1}"/>
+              </a:ext>
+            </a:extLst>
+          </p:cNvPr>
+          <p:cNvSpPr>
+            <a:spLocks noChangeArrowheads="1"/>
+          </p:cNvSpPr>
+          <p:nvPr/>
+        </p:nvSpPr>
+        <p:spPr bwMode="auto">
+          <a:xfrm>
+            <a:off x="484590" y="1680790"/>
+            <a:ext cx="4685898" cy="2585323"/>
+          </a:xfrm>
+          <a:prstGeom prst="rect">
+            <a:avLst/>
+          </a:prstGeom>
+          <a:noFill/>
+          <a:ln>
+            <a:noFill/>
+          </a:ln>
+          <a:effectLst/>
+          <a:extLst>
+            <a:ext uri="{909E8E84-426E-40DD-AFC4-6F175D3DCCD1}">
+              <a14:hiddenFill xmlns:a14="http://schemas.microsoft.com/office/drawing/2010/main">
+                <a:solidFill>
+                  <a:schemeClr val="accent1"/>
+                </a:solidFill>
+              </a14:hiddenFill>
+            </a:ext>
+            <a:ext uri="{91240B29-F687-4F45-9708-019B960494DF}">
+              <a14:hiddenLine xmlns:a14="http://schemas.microsoft.com/office/drawing/2010/main" w="9525">
+                <a:solidFill>
+                  <a:schemeClr val="tx1"/>
+                </a:solidFill>
+                <a:miter lim="800000"/>
+                <a:headEnd/>
+                <a:tailEnd/>
+              </a14:hiddenLine>
+            </a:ext>
+            <a:ext uri="{AF507438-7753-43E0-B8FC-AC1667EBCBE1}">
+              <a14:hiddenEffects xmlns:a14="http://schemas.microsoft.com/office/drawing/2010/main">
+                <a:effectLst>
+                  <a:outerShdw dist="35921" dir="2700000" algn="ctr" rotWithShape="0">
+                    <a:schemeClr val="bg2"/>
+                  </a:outerShdw>
+                </a:effectLst>
+              </a14:hiddenEffects>
+            </a:ext>
+          </a:extLst>
+        </p:spPr>
+        <p:txBody>
+          <a:bodyPr vert="horz" wrap="none" lIns="91440" tIns="45720" rIns="91440" bIns="45720" numCol="1" anchor="ctr" anchorCtr="0" compatLnSpc="1">
+            <a:prstTxWarp prst="textNoShape">
+              <a:avLst/>
+            </a:prstTxWarp>
+            <a:spAutoFit/>
+          </a:bodyPr>
+          <a:lstStyle/>
+          <a:p>
+            <a:pPr marL="0" marR="0" lvl="0" indent="0" algn="l" defTabSz="914400" rtl="0" eaLnBrk="0" fontAlgn="base" latinLnBrk="0" hangingPunct="0">
+              <a:lnSpc>
+                <a:spcPct val="100000"/>
+              </a:lnSpc>
+              <a:spcBef>
+                <a:spcPct val="0"/>
+              </a:spcBef>
+              <a:spcAft>
+                <a:spcPct val="0"/>
+              </a:spcAft>
+              <a:buClrTx/>
+              <a:buSzTx/>
+              <a:buFontTx/>
+              <a:buNone/>
+              <a:tabLst/>
+            </a:pPr>
+            <a:r>
+              <a:rPr kumimoji="0" lang="fr-FR" altLang="fr-FR" sz="1800" b="0" i="0" u="none" strike="noStrike" cap="none" normalizeH="0" baseline="0" dirty="0">
+                <a:ln>
+                  <a:noFill/>
+                </a:ln>
+                <a:solidFill>
+                  <a:schemeClr val="tx1"/>
+                </a:solidFill>
+                <a:effectLst/>
+                <a:latin typeface="Arial Unicode MS"/>
+              </a:rPr>
+              <a:t>&lt;</a:t>
+            </a:r>
+            <a:r>
+              <a:rPr kumimoji="0" lang="fr-FR" altLang="fr-FR" sz="1800" b="0" i="0" u="none" strike="noStrike" cap="none" normalizeH="0" baseline="0" dirty="0" err="1">
+                <a:ln>
+                  <a:noFill/>
+                </a:ln>
+                <a:solidFill>
+                  <a:schemeClr val="tx1"/>
+                </a:solidFill>
+                <a:effectLst/>
+                <a:latin typeface="Arial Unicode MS"/>
+              </a:rPr>
+              <a:t>votre_DNS</a:t>
+            </a:r>
+            <a:r>
+              <a:rPr kumimoji="0" lang="fr-FR" altLang="fr-FR" sz="1800" b="0" i="0" u="none" strike="noStrike" cap="none" normalizeH="0" baseline="0" dirty="0">
+                <a:ln>
+                  <a:noFill/>
+                </a:ln>
+                <a:solidFill>
+                  <a:schemeClr val="tx1"/>
+                </a:solidFill>
+                <a:effectLst/>
+                <a:latin typeface="Arial Unicode MS"/>
+              </a:rPr>
+              <a:t>&gt;/</a:t>
+            </a:r>
+            <a:r>
+              <a:rPr kumimoji="0" lang="fr-FR" altLang="fr-FR" sz="1800" b="0" i="0" u="none" strike="noStrike" cap="none" normalizeH="0" baseline="0" dirty="0" err="1">
+                <a:ln>
+                  <a:noFill/>
+                </a:ln>
+                <a:solidFill>
+                  <a:schemeClr val="tx1"/>
+                </a:solidFill>
+                <a:effectLst/>
+                <a:latin typeface="Arial Unicode MS"/>
+              </a:rPr>
+              <a:t>cgi</a:t>
+            </a:r>
+            <a:r>
+              <a:rPr kumimoji="0" lang="fr-FR" altLang="fr-FR" sz="1800" b="0" i="0" u="none" strike="noStrike" cap="none" normalizeH="0" baseline="0" dirty="0">
+                <a:ln>
+                  <a:noFill/>
+                </a:ln>
+                <a:solidFill>
+                  <a:schemeClr val="tx1"/>
+                </a:solidFill>
+                <a:effectLst/>
+                <a:latin typeface="Arial Unicode MS"/>
+              </a:rPr>
+              <a:t>-bin/qgis_mapserv.fcgi.exe</a:t>
+            </a:r>
+          </a:p>
+          <a:p>
+            <a:pPr marL="0" marR="0" lvl="0" indent="0" algn="l" defTabSz="914400" rtl="0" eaLnBrk="0" fontAlgn="base" latinLnBrk="0" hangingPunct="0">
+              <a:lnSpc>
+                <a:spcPct val="100000"/>
+              </a:lnSpc>
+              <a:spcBef>
+                <a:spcPct val="0"/>
+              </a:spcBef>
+              <a:spcAft>
+                <a:spcPct val="0"/>
+              </a:spcAft>
+              <a:buClrTx/>
+              <a:buSzTx/>
+              <a:buFontTx/>
+              <a:buNone/>
+              <a:tabLst/>
+            </a:pPr>
+            <a:endParaRPr kumimoji="0" lang="fr-FR" altLang="fr-FR" sz="1800" b="0" i="0" u="none" strike="noStrike" cap="none" normalizeH="0" baseline="0" dirty="0">
+              <a:ln>
+                <a:noFill/>
+              </a:ln>
+              <a:solidFill>
+                <a:schemeClr val="tx1"/>
+              </a:solidFill>
+              <a:effectLst/>
+              <a:latin typeface="Arial Unicode MS"/>
+            </a:endParaRPr>
+          </a:p>
+          <a:p>
+            <a:pPr marL="0" marR="0" lvl="0" indent="0" algn="l" defTabSz="914400" rtl="0" eaLnBrk="0" fontAlgn="base" latinLnBrk="0" hangingPunct="0">
+              <a:lnSpc>
+                <a:spcPct val="100000"/>
+              </a:lnSpc>
+              <a:spcBef>
+                <a:spcPct val="0"/>
+              </a:spcBef>
+              <a:spcAft>
+                <a:spcPct val="0"/>
+              </a:spcAft>
+              <a:buClrTx/>
+              <a:buSzTx/>
+              <a:buFontTx/>
+              <a:buNone/>
+              <a:tabLst/>
+            </a:pPr>
+            <a:r>
+              <a:rPr kumimoji="0" lang="fr-FR" altLang="fr-FR" sz="1800" b="0" i="0" u="none" strike="noStrike" cap="none" normalizeH="0" baseline="0" dirty="0">
+                <a:ln>
+                  <a:noFill/>
+                </a:ln>
+                <a:solidFill>
+                  <a:schemeClr val="tx1"/>
+                </a:solidFill>
+                <a:effectLst/>
+                <a:latin typeface="Arial Unicode MS"/>
+              </a:rPr>
+              <a:t>?SERVICE=WMS</a:t>
+            </a:r>
+          </a:p>
+          <a:p>
+            <a:pPr marL="0" marR="0" lvl="0" indent="0" algn="l" defTabSz="914400" rtl="0" eaLnBrk="0" fontAlgn="base" latinLnBrk="0" hangingPunct="0">
+              <a:lnSpc>
+                <a:spcPct val="100000"/>
+              </a:lnSpc>
+              <a:spcBef>
+                <a:spcPct val="0"/>
+              </a:spcBef>
+              <a:spcAft>
+                <a:spcPct val="0"/>
+              </a:spcAft>
+              <a:buClrTx/>
+              <a:buSzTx/>
+              <a:buFontTx/>
+              <a:buNone/>
+              <a:tabLst/>
+            </a:pPr>
+            <a:endParaRPr kumimoji="0" lang="fr-FR" altLang="fr-FR" sz="1800" b="0" i="0" u="none" strike="noStrike" cap="none" normalizeH="0" baseline="0" dirty="0">
+              <a:ln>
+                <a:noFill/>
+              </a:ln>
+              <a:solidFill>
+                <a:schemeClr val="tx1"/>
+              </a:solidFill>
+              <a:effectLst/>
+              <a:latin typeface="Arial Unicode MS"/>
+            </a:endParaRPr>
+          </a:p>
+          <a:p>
+            <a:pPr marL="0" marR="0" lvl="0" indent="0" algn="l" defTabSz="914400" rtl="0" eaLnBrk="0" fontAlgn="base" latinLnBrk="0" hangingPunct="0">
+              <a:lnSpc>
+                <a:spcPct val="100000"/>
+              </a:lnSpc>
+              <a:spcBef>
+                <a:spcPct val="0"/>
+              </a:spcBef>
+              <a:spcAft>
+                <a:spcPct val="0"/>
+              </a:spcAft>
+              <a:buClrTx/>
+              <a:buSzTx/>
+              <a:buFontTx/>
+              <a:buNone/>
+              <a:tabLst/>
+            </a:pPr>
+            <a:r>
+              <a:rPr kumimoji="0" lang="fr-FR" altLang="fr-FR" sz="1800" b="0" i="0" u="none" strike="noStrike" cap="none" normalizeH="0" baseline="0" dirty="0">
+                <a:ln>
+                  <a:noFill/>
+                </a:ln>
+                <a:solidFill>
+                  <a:schemeClr val="tx1"/>
+                </a:solidFill>
+                <a:effectLst/>
+                <a:latin typeface="Arial Unicode MS"/>
+              </a:rPr>
+              <a:t>&amp;VERSION=1.3.0</a:t>
+            </a:r>
+          </a:p>
+          <a:p>
+            <a:pPr marL="0" marR="0" lvl="0" indent="0" algn="l" defTabSz="914400" rtl="0" eaLnBrk="0" fontAlgn="base" latinLnBrk="0" hangingPunct="0">
+              <a:lnSpc>
+                <a:spcPct val="100000"/>
+              </a:lnSpc>
+              <a:spcBef>
+                <a:spcPct val="0"/>
+              </a:spcBef>
+              <a:spcAft>
+                <a:spcPct val="0"/>
+              </a:spcAft>
+              <a:buClrTx/>
+              <a:buSzTx/>
+              <a:buFontTx/>
+              <a:buNone/>
+              <a:tabLst/>
+            </a:pPr>
+            <a:endParaRPr kumimoji="0" lang="fr-FR" altLang="fr-FR" sz="1800" b="0" i="0" u="none" strike="noStrike" cap="none" normalizeH="0" baseline="0" dirty="0">
+              <a:ln>
+                <a:noFill/>
+              </a:ln>
+              <a:solidFill>
+                <a:schemeClr val="tx1"/>
+              </a:solidFill>
+              <a:effectLst/>
+              <a:latin typeface="Arial Unicode MS"/>
+            </a:endParaRPr>
+          </a:p>
+          <a:p>
+            <a:pPr marL="0" marR="0" lvl="0" indent="0" algn="l" defTabSz="914400" rtl="0" eaLnBrk="0" fontAlgn="base" latinLnBrk="0" hangingPunct="0">
+              <a:lnSpc>
+                <a:spcPct val="100000"/>
+              </a:lnSpc>
+              <a:spcBef>
+                <a:spcPct val="0"/>
+              </a:spcBef>
+              <a:spcAft>
+                <a:spcPct val="0"/>
+              </a:spcAft>
+              <a:buClrTx/>
+              <a:buSzTx/>
+              <a:buFontTx/>
+              <a:buNone/>
+              <a:tabLst/>
+            </a:pPr>
+            <a:r>
+              <a:rPr kumimoji="0" lang="fr-FR" altLang="fr-FR" sz="1800" b="0" i="0" u="none" strike="noStrike" cap="none" normalizeH="0" baseline="0" dirty="0">
+                <a:ln>
+                  <a:noFill/>
+                </a:ln>
+                <a:solidFill>
+                  <a:schemeClr val="tx1"/>
+                </a:solidFill>
+                <a:effectLst/>
+                <a:latin typeface="Arial Unicode MS"/>
+              </a:rPr>
+              <a:t>&amp;REQUEST=</a:t>
+            </a:r>
+            <a:r>
+              <a:rPr kumimoji="0" lang="fr-FR" altLang="fr-FR" sz="1800" b="0" i="0" u="none" strike="noStrike" cap="none" normalizeH="0" baseline="0" dirty="0" err="1">
+                <a:ln>
+                  <a:noFill/>
+                </a:ln>
+                <a:solidFill>
+                  <a:schemeClr val="tx1"/>
+                </a:solidFill>
+                <a:effectLst/>
+                <a:latin typeface="Arial Unicode MS"/>
+              </a:rPr>
+              <a:t>GetCapabilities</a:t>
+            </a:r>
+            <a:endParaRPr kumimoji="0" lang="fr-FR" altLang="fr-FR" sz="1800" b="0" i="0" u="none" strike="noStrike" cap="none" normalizeH="0" baseline="0" dirty="0">
+              <a:ln>
+                <a:noFill/>
+              </a:ln>
+              <a:solidFill>
+                <a:schemeClr val="tx1"/>
+              </a:solidFill>
+              <a:effectLst/>
+              <a:latin typeface="Arial Unicode MS"/>
+            </a:endParaRPr>
+          </a:p>
+          <a:p>
+            <a:pPr marL="0" marR="0" lvl="0" indent="0" algn="l" defTabSz="914400" rtl="0" eaLnBrk="0" fontAlgn="base" latinLnBrk="0" hangingPunct="0">
+              <a:lnSpc>
+                <a:spcPct val="100000"/>
+              </a:lnSpc>
+              <a:spcBef>
+                <a:spcPct val="0"/>
+              </a:spcBef>
+              <a:spcAft>
+                <a:spcPct val="0"/>
+              </a:spcAft>
+              <a:buClrTx/>
+              <a:buSzTx/>
+              <a:buFontTx/>
+              <a:buNone/>
+              <a:tabLst/>
+            </a:pPr>
+            <a:endParaRPr kumimoji="0" lang="fr-FR" altLang="fr-FR" sz="1800" b="0" i="0" u="none" strike="noStrike" cap="none" normalizeH="0" baseline="0" dirty="0">
+              <a:ln>
+                <a:noFill/>
+              </a:ln>
+              <a:solidFill>
+                <a:schemeClr val="tx1"/>
+              </a:solidFill>
+              <a:effectLst/>
+              <a:latin typeface="Arial Unicode MS"/>
+            </a:endParaRPr>
+          </a:p>
+          <a:p>
+            <a:pPr marL="0" marR="0" lvl="0" indent="0" algn="l" defTabSz="914400" rtl="0" eaLnBrk="0" fontAlgn="base" latinLnBrk="0" hangingPunct="0">
+              <a:lnSpc>
+                <a:spcPct val="100000"/>
+              </a:lnSpc>
+              <a:spcBef>
+                <a:spcPct val="0"/>
+              </a:spcBef>
+              <a:spcAft>
+                <a:spcPct val="0"/>
+              </a:spcAft>
+              <a:buClrTx/>
+              <a:buSzTx/>
+              <a:buFontTx/>
+              <a:buNone/>
+              <a:tabLst/>
+            </a:pPr>
+            <a:r>
+              <a:rPr kumimoji="0" lang="fr-FR" altLang="fr-FR" sz="1800" b="0" i="0" u="none" strike="noStrike" cap="none" normalizeH="0" baseline="0" dirty="0">
+                <a:ln>
+                  <a:noFill/>
+                </a:ln>
+                <a:solidFill>
+                  <a:schemeClr val="tx1"/>
+                </a:solidFill>
+                <a:effectLst/>
+                <a:latin typeface="Arial Unicode MS"/>
+              </a:rPr>
+              <a:t>&amp;</a:t>
+            </a:r>
+            <a:r>
+              <a:rPr kumimoji="0" lang="fr-FR" altLang="fr-FR" sz="1800" b="0" i="0" u="none" strike="noStrike" cap="none" normalizeH="0" baseline="0" dirty="0" err="1">
+                <a:ln>
+                  <a:noFill/>
+                </a:ln>
+                <a:solidFill>
+                  <a:schemeClr val="tx1"/>
+                </a:solidFill>
+                <a:effectLst/>
+                <a:latin typeface="Arial Unicode MS"/>
+              </a:rPr>
+              <a:t>map</a:t>
+            </a:r>
+            <a:r>
+              <a:rPr kumimoji="0" lang="fr-FR" altLang="fr-FR" sz="1800" b="0" i="0" u="none" strike="noStrike" cap="none" normalizeH="0" baseline="0" dirty="0">
+                <a:ln>
+                  <a:noFill/>
+                </a:ln>
+                <a:solidFill>
+                  <a:schemeClr val="tx1"/>
+                </a:solidFill>
+                <a:effectLst/>
+                <a:latin typeface="Arial Unicode MS"/>
+              </a:rPr>
+              <a:t>=</a:t>
+            </a:r>
+            <a:r>
+              <a:rPr kumimoji="0" lang="fr-FR" altLang="fr-FR" sz="1800" b="0" i="0" u="none" strike="noStrike" cap="none" normalizeH="0" baseline="0" dirty="0" err="1">
+                <a:ln>
+                  <a:noFill/>
+                </a:ln>
+                <a:solidFill>
+                  <a:schemeClr val="tx1"/>
+                </a:solidFill>
+                <a:effectLst/>
+                <a:latin typeface="Arial Unicode MS"/>
+              </a:rPr>
+              <a:t>cfgeo.qgz</a:t>
+            </a:r>
+            <a:r>
+              <a:rPr kumimoji="0" lang="fr-FR" altLang="fr-FR" sz="1800" b="0" i="0" u="none" strike="noStrike" cap="none" normalizeH="0" baseline="0" dirty="0">
+                <a:ln>
+                  <a:noFill/>
+                </a:ln>
+                <a:solidFill>
+                  <a:schemeClr val="tx1"/>
+                </a:solidFill>
+                <a:effectLst/>
+              </a:rPr>
+              <a:t> </a:t>
+            </a:r>
+            <a:endParaRPr kumimoji="0" lang="fr-FR" altLang="fr-FR" sz="1800" b="0" i="0" u="none" strike="noStrike" cap="none" normalizeH="0" baseline="0" dirty="0">
+              <a:ln>
+                <a:noFill/>
+              </a:ln>
+              <a:solidFill>
+                <a:schemeClr val="tx1"/>
+              </a:solidFill>
+              <a:effectLst/>
+              <a:latin typeface="Arial" panose="020B0604020202020204" pitchFamily="34" charset="0"/>
+            </a:endParaRPr>
           </a:p>
         </p:txBody>
       </p:sp>
       <p:pic>
         <p:nvPicPr>
-          <p:cNvPr id="4" name="Picture 3">
+          <p:cNvPr id="6" name="Picture 5">
             <a:extLst>
               <a:ext uri="{FF2B5EF4-FFF2-40B4-BE49-F238E27FC236}">
-                <a16:creationId xmlns:a16="http://schemas.microsoft.com/office/drawing/2014/main" id="{A7CDC650-E566-4ABA-977E-4531F2C77DA2}"/>
+                <a16:creationId xmlns:a16="http://schemas.microsoft.com/office/drawing/2014/main" id="{71DC0AD5-4276-4C88-B1C9-667236EA3C0B}"/>
               </a:ext>
             </a:extLst>
           </p:cNvPr>
@@ -12259,8 +12359,8 @@
         </p:blipFill>
         <p:spPr>
           <a:xfrm>
-            <a:off x="1555396" y="1619972"/>
-            <a:ext cx="5068007" cy="4820323"/>
+            <a:off x="3837103" y="3017035"/>
+            <a:ext cx="5000393" cy="2585323"/>
           </a:xfrm>
           <a:prstGeom prst="rect">
             <a:avLst/>
@@ -12270,7 +12370,7 @@
     </p:spTree>
     <p:extLst>
       <p:ext uri="{BB962C8B-B14F-4D97-AF65-F5344CB8AC3E}">
-        <p14:creationId xmlns:p14="http://schemas.microsoft.com/office/powerpoint/2010/main" val="1223346140"/>
+        <p14:creationId xmlns:p14="http://schemas.microsoft.com/office/powerpoint/2010/main" val="3894378942"/>
       </p:ext>
     </p:extLst>
   </p:cSld>
@@ -12365,7 +12465,7 @@
                 <a:cs typeface="Century Gothic"/>
                 <a:sym typeface="Century Gothic"/>
               </a:rPr>
-              <a:t>GetCapabilities</a:t>
+              <a:t>GetMap</a:t>
             </a:r>
             <a:endParaRPr lang="fr-CH" dirty="0"/>
           </a:p>
@@ -12373,10 +12473,10 @@
       </p:sp>
       <p:sp>
         <p:nvSpPr>
-          <p:cNvPr id="2" name="Rectangle 1">
+          <p:cNvPr id="4" name="Rectangle 2">
             <a:extLst>
               <a:ext uri="{FF2B5EF4-FFF2-40B4-BE49-F238E27FC236}">
-                <a16:creationId xmlns:a16="http://schemas.microsoft.com/office/drawing/2014/main" id="{7D10EF96-C1B1-4409-8609-8679A9D026E1}"/>
+                <a16:creationId xmlns:a16="http://schemas.microsoft.com/office/drawing/2014/main" id="{0669BD4E-63C0-4CF8-8A29-CF150CBE0CAF}"/>
               </a:ext>
             </a:extLst>
           </p:cNvPr>
@@ -12387,8 +12487,8 @@
         </p:nvSpPr>
         <p:spPr bwMode="auto">
           <a:xfrm>
-            <a:off x="484590" y="1680790"/>
-            <a:ext cx="4685898" cy="2585323"/>
+            <a:off x="846666" y="1520499"/>
+            <a:ext cx="5186035" cy="4401205"/>
           </a:xfrm>
           <a:prstGeom prst="rect">
             <a:avLst/>
@@ -12453,7 +12553,7 @@
               <a:tabLst/>
             </a:pPr>
             <a:r>
-              <a:rPr kumimoji="0" lang="fr-FR" altLang="fr-FR" sz="1800" b="0" i="0" u="none" strike="noStrike" cap="none" normalizeH="0" baseline="0" dirty="0">
+              <a:rPr kumimoji="0" lang="fr-FR" altLang="fr-FR" sz="2000" b="0" i="0" u="none" strike="noStrike" cap="none" normalizeH="0" baseline="0" dirty="0">
                 <a:ln>
                   <a:noFill/>
                 </a:ln>
@@ -12466,7 +12566,7 @@
               <a:t>&lt;</a:t>
             </a:r>
             <a:r>
-              <a:rPr kumimoji="0" lang="fr-FR" altLang="fr-FR" sz="1800" b="0" i="0" u="none" strike="noStrike" cap="none" normalizeH="0" baseline="0" dirty="0" err="1">
+              <a:rPr kumimoji="0" lang="fr-FR" altLang="fr-FR" sz="2000" b="0" i="0" u="none" strike="noStrike" cap="none" normalizeH="0" baseline="0" dirty="0" err="1">
                 <a:ln>
                   <a:noFill/>
                 </a:ln>
@@ -12479,7 +12579,7 @@
               <a:t>votre_DNS</a:t>
             </a:r>
             <a:r>
-              <a:rPr kumimoji="0" lang="fr-FR" altLang="fr-FR" sz="1800" b="0" i="0" u="none" strike="noStrike" cap="none" normalizeH="0" baseline="0" dirty="0">
+              <a:rPr kumimoji="0" lang="fr-FR" altLang="fr-FR" sz="2000" b="0" i="0" u="none" strike="noStrike" cap="none" normalizeH="0" baseline="0" dirty="0">
                 <a:ln>
                   <a:noFill/>
                 </a:ln>
@@ -12492,7 +12592,7 @@
               <a:t>&gt;/</a:t>
             </a:r>
             <a:r>
-              <a:rPr kumimoji="0" lang="fr-FR" altLang="fr-FR" sz="1800" b="0" i="0" u="none" strike="noStrike" cap="none" normalizeH="0" baseline="0" dirty="0" err="1">
+              <a:rPr kumimoji="0" lang="fr-FR" altLang="fr-FR" sz="2000" b="0" i="0" u="none" strike="noStrike" cap="none" normalizeH="0" baseline="0" dirty="0" err="1">
                 <a:ln>
                   <a:noFill/>
                 </a:ln>
@@ -12505,7 +12605,7 @@
               <a:t>cgi</a:t>
             </a:r>
             <a:r>
-              <a:rPr kumimoji="0" lang="fr-FR" altLang="fr-FR" sz="1800" b="0" i="0" u="none" strike="noStrike" cap="none" normalizeH="0" baseline="0" dirty="0">
+              <a:rPr kumimoji="0" lang="fr-FR" altLang="fr-FR" sz="2000" b="0" i="0" u="none" strike="noStrike" cap="none" normalizeH="0" baseline="0" dirty="0">
                 <a:ln>
                   <a:noFill/>
                 </a:ln>
@@ -12524,7 +12624,7 @@
                 <a:spcPct val="100000"/>
               </a:lnSpc>
               <a:spcBef>
-                <a:spcPct val="0"/>
+                <a:spcPct val="30000"/>
               </a:spcBef>
               <a:spcAft>
                 <a:spcPct val="0"/>
@@ -12535,15 +12635,32 @@
               <a:buNone/>
               <a:tabLst/>
             </a:pPr>
-            <a:endParaRPr kumimoji="0" lang="fr-FR" altLang="fr-FR" sz="1800" b="0" i="0" u="none" strike="noStrike" cap="none" normalizeH="0" baseline="0" dirty="0">
-              <a:ln>
-                <a:noFill/>
-              </a:ln>
+            <a:r>
+              <a:rPr lang="fr-CH" sz="2000" b="0" i="0" dirty="0">
+                <a:solidFill>
+                  <a:srgbClr val="212121"/>
+                </a:solidFill>
+                <a:effectLst/>
+                <a:latin typeface="Inter"/>
+              </a:rPr>
+              <a:t>?MAP=</a:t>
+            </a:r>
+            <a:r>
+              <a:rPr lang="fr-CH" sz="2000" b="0" i="0" dirty="0" err="1">
+                <a:solidFill>
+                  <a:srgbClr val="212121"/>
+                </a:solidFill>
+                <a:effectLst/>
+                <a:latin typeface="Inter"/>
+              </a:rPr>
+              <a:t>cfgeo.qgz</a:t>
+            </a:r>
+            <a:endParaRPr lang="fr-CH" sz="2000" b="0" i="0" dirty="0">
               <a:solidFill>
-                <a:schemeClr val="tx1"/>
+                <a:srgbClr val="212121"/>
               </a:solidFill>
               <a:effectLst/>
-              <a:latin typeface="Arial Unicode MS"/>
+              <a:latin typeface="Inter"/>
             </a:endParaRPr>
           </a:p>
           <a:p>
@@ -12552,7 +12669,7 @@
                 <a:spcPct val="100000"/>
               </a:lnSpc>
               <a:spcBef>
-                <a:spcPct val="0"/>
+                <a:spcPct val="30000"/>
               </a:spcBef>
               <a:spcAft>
                 <a:spcPct val="0"/>
@@ -12564,17 +12681,14 @@
               <a:tabLst/>
             </a:pPr>
             <a:r>
-              <a:rPr kumimoji="0" lang="fr-FR" altLang="fr-FR" sz="1800" b="0" i="0" u="none" strike="noStrike" cap="none" normalizeH="0" baseline="0" dirty="0">
-                <a:ln>
-                  <a:noFill/>
-                </a:ln>
+              <a:rPr lang="fr-CH" sz="2000" b="0" i="0" dirty="0">
                 <a:solidFill>
-                  <a:schemeClr val="tx1"/>
+                  <a:srgbClr val="212121"/>
                 </a:solidFill>
                 <a:effectLst/>
-                <a:latin typeface="Arial Unicode MS"/>
+                <a:latin typeface="Inter"/>
               </a:rPr>
-              <a:t>?SERVICE=WMS</a:t>
+              <a:t>&amp;SERVICE=WMS</a:t>
             </a:r>
           </a:p>
           <a:p>
@@ -12583,7 +12697,7 @@
                 <a:spcPct val="100000"/>
               </a:lnSpc>
               <a:spcBef>
-                <a:spcPct val="0"/>
+                <a:spcPct val="30000"/>
               </a:spcBef>
               <a:spcAft>
                 <a:spcPct val="0"/>
@@ -12594,15 +12708,60 @@
               <a:buNone/>
               <a:tabLst/>
             </a:pPr>
-            <a:endParaRPr kumimoji="0" lang="fr-FR" altLang="fr-FR" sz="1800" b="0" i="0" u="none" strike="noStrike" cap="none" normalizeH="0" baseline="0" dirty="0">
-              <a:ln>
-                <a:noFill/>
-              </a:ln>
+            <a:r>
+              <a:rPr lang="fr-CH" sz="2000" b="0" i="0" dirty="0">
+                <a:solidFill>
+                  <a:srgbClr val="212121"/>
+                </a:solidFill>
+                <a:effectLst/>
+                <a:latin typeface="Inter"/>
+              </a:rPr>
+              <a:t>&amp;VERSION=1.3.0</a:t>
+            </a:r>
+          </a:p>
+          <a:p>
+            <a:pPr marL="0" marR="0" lvl="0" indent="0" algn="l" defTabSz="914400" rtl="0" eaLnBrk="0" fontAlgn="base" latinLnBrk="0" hangingPunct="0">
+              <a:lnSpc>
+                <a:spcPct val="100000"/>
+              </a:lnSpc>
+              <a:spcBef>
+                <a:spcPct val="30000"/>
+              </a:spcBef>
+              <a:spcAft>
+                <a:spcPct val="0"/>
+              </a:spcAft>
+              <a:buClrTx/>
+              <a:buSzTx/>
+              <a:buFontTx/>
+              <a:buNone/>
+              <a:tabLst/>
+            </a:pPr>
+            <a:r>
+              <a:rPr lang="fr-CH" sz="2000" b="0" i="0" dirty="0">
+                <a:solidFill>
+                  <a:srgbClr val="212121"/>
+                </a:solidFill>
+                <a:effectLst/>
+                <a:latin typeface="Inter"/>
+              </a:rPr>
+              <a:t>&amp;REQUEST=</a:t>
+            </a:r>
+            <a:r>
+              <a:rPr lang="fr-CH" sz="2000" b="0" i="0" dirty="0" err="1">
+                <a:solidFill>
+                  <a:srgbClr val="212121"/>
+                </a:solidFill>
+                <a:effectLst/>
+                <a:latin typeface="Inter"/>
+              </a:rPr>
+              <a:t>GetMap</a:t>
+            </a:r>
+            <a:endParaRPr lang="fr-CH" sz="2000" b="0" i="0" dirty="0">
               <a:solidFill>
-                <a:schemeClr val="tx1"/>
+                <a:srgbClr val="212121"/>
               </a:solidFill>
               <a:effectLst/>
-              <a:latin typeface="Arial Unicode MS"/>
+              <a:latin typeface="Inter"/>
             </a:endParaRPr>
           </a:p>
           <a:p>
@@ -12611,7 +12770,7 @@
                 <a:spcPct val="100000"/>
               </a:lnSpc>
               <a:spcBef>
-                <a:spcPct val="0"/>
+                <a:spcPct val="30000"/>
               </a:spcBef>
               <a:spcAft>
                 <a:spcPct val="0"/>
@@ -12623,17 +12782,14 @@
               <a:tabLst/>
             </a:pPr>
             <a:r>
-              <a:rPr kumimoji="0" lang="fr-FR" altLang="fr-FR" sz="1800" b="0" i="0" u="none" strike="noStrike" cap="none" normalizeH="0" baseline="0" dirty="0">
-                <a:ln>
-                  <a:noFill/>
-                </a:ln>
+              <a:rPr lang="fr-CH" sz="2000" b="0" i="0" dirty="0">
                 <a:solidFill>
-                  <a:schemeClr val="tx1"/>
+                  <a:srgbClr val="212121"/>
                 </a:solidFill>
                 <a:effectLst/>
-                <a:latin typeface="Arial Unicode MS"/>
+                <a:latin typeface="Inter"/>
               </a:rPr>
-              <a:t>&amp;VERSION=1.3.0</a:t>
+              <a:t>&amp;BBOX=2534472,1176780,2541983,1182660</a:t>
             </a:r>
           </a:p>
           <a:p>
@@ -12642,7 +12798,7 @@
                 <a:spcPct val="100000"/>
               </a:lnSpc>
               <a:spcBef>
-                <a:spcPct val="0"/>
+                <a:spcPct val="30000"/>
               </a:spcBef>
               <a:spcAft>
                 <a:spcPct val="0"/>
@@ -12653,16 +12809,16 @@
               <a:buNone/>
               <a:tabLst/>
             </a:pPr>
-            <a:endParaRPr kumimoji="0" lang="fr-FR" altLang="fr-FR" sz="1800" b="0" i="0" u="none" strike="noStrike" cap="none" normalizeH="0" baseline="0" dirty="0">
-              <a:ln>
-                <a:noFill/>
-              </a:ln>
-              <a:solidFill>
-                <a:schemeClr val="tx1"/>
-              </a:solidFill>
-              <a:effectLst/>
-              <a:latin typeface="Arial Unicode MS"/>
-            </a:endParaRPr>
+            <a:r>
+              <a:rPr lang="fr-CH" sz="2000" b="0" i="0" dirty="0">
+                <a:solidFill>
+                  <a:srgbClr val="212121"/>
+                </a:solidFill>
+                <a:effectLst/>
+                <a:latin typeface="Inter"/>
+              </a:rPr>
+              <a:t>&amp;SRS=EPSG:2056</a:t>
+            </a:r>
           </a:p>
           <a:p>
             <a:pPr marL="0" marR="0" lvl="0" indent="0" algn="l" defTabSz="914400" rtl="0" eaLnBrk="0" fontAlgn="base" latinLnBrk="0" hangingPunct="0">
@@ -12670,7 +12826,7 @@
                 <a:spcPct val="100000"/>
               </a:lnSpc>
               <a:spcBef>
-                <a:spcPct val="0"/>
+                <a:spcPct val="30000"/>
               </a:spcBef>
               <a:spcAft>
                 <a:spcPct val="0"/>
@@ -12682,41 +12838,15 @@
               <a:tabLst/>
             </a:pPr>
             <a:r>
-              <a:rPr kumimoji="0" lang="fr-FR" altLang="fr-FR" sz="1800" b="0" i="0" u="none" strike="noStrike" cap="none" normalizeH="0" baseline="0" dirty="0">
-                <a:ln>
-                  <a:noFill/>
-                </a:ln>
+              <a:rPr lang="fr-CH" sz="2000" b="0" i="0" dirty="0">
                 <a:solidFill>
-                  <a:schemeClr val="tx1"/>
+                  <a:srgbClr val="212121"/>
                 </a:solidFill>
                 <a:effectLst/>
-                <a:latin typeface="Arial Unicode MS"/>
+                <a:latin typeface="Inter"/>
               </a:rPr>
-              <a:t>&amp;REQUEST=</a:t>
-            </a:r>
-            <a:r>
-              <a:rPr kumimoji="0" lang="fr-FR" altLang="fr-FR" sz="1800" b="0" i="0" u="none" strike="noStrike" cap="none" normalizeH="0" baseline="0" dirty="0" err="1">
-                <a:ln>
-                  <a:noFill/>
-                </a:ln>
-                <a:solidFill>
-                  <a:schemeClr val="tx1"/>
-                </a:solidFill>
-                <a:effectLst/>
-                <a:latin typeface="Arial Unicode MS"/>
-              </a:rPr>
-              <a:t>GetCapabilities</a:t>
-            </a:r>
-            <a:endParaRPr kumimoji="0" lang="fr-FR" altLang="fr-FR" sz="1800" b="0" i="0" u="none" strike="noStrike" cap="none" normalizeH="0" baseline="0" dirty="0">
-              <a:ln>
-                <a:noFill/>
-              </a:ln>
-              <a:solidFill>
-                <a:schemeClr val="tx1"/>
-              </a:solidFill>
-              <a:effectLst/>
-              <a:latin typeface="Arial Unicode MS"/>
-            </a:endParaRPr>
+              <a:t>&amp;WIDTH=665</a:t>
+            </a:r>
           </a:p>
           <a:p>
             <a:pPr marL="0" marR="0" lvl="0" indent="0" algn="l" defTabSz="914400" rtl="0" eaLnBrk="0" fontAlgn="base" latinLnBrk="0" hangingPunct="0">
@@ -12724,7 +12854,7 @@
                 <a:spcPct val="100000"/>
               </a:lnSpc>
               <a:spcBef>
-                <a:spcPct val="0"/>
+                <a:spcPct val="30000"/>
               </a:spcBef>
               <a:spcAft>
                 <a:spcPct val="0"/>
@@ -12735,16 +12865,16 @@
               <a:buNone/>
               <a:tabLst/>
             </a:pPr>
-            <a:endParaRPr kumimoji="0" lang="fr-FR" altLang="fr-FR" sz="1800" b="0" i="0" u="none" strike="noStrike" cap="none" normalizeH="0" baseline="0" dirty="0">
-              <a:ln>
-                <a:noFill/>
-              </a:ln>
-              <a:solidFill>
-                <a:schemeClr val="tx1"/>
-              </a:solidFill>
-              <a:effectLst/>
-              <a:latin typeface="Arial Unicode MS"/>
-            </a:endParaRPr>
+            <a:r>
+              <a:rPr lang="fr-CH" sz="2000" b="0" i="0" dirty="0">
+                <a:solidFill>
+                  <a:srgbClr val="212121"/>
+                </a:solidFill>
+                <a:effectLst/>
+                <a:latin typeface="Inter"/>
+              </a:rPr>
+              <a:t>&amp;HEIGHT=551</a:t>
+            </a:r>
           </a:p>
           <a:p>
             <a:pPr marL="0" marR="0" lvl="0" indent="0" algn="l" defTabSz="914400" rtl="0" eaLnBrk="0" fontAlgn="base" latinLnBrk="0" hangingPunct="0">
@@ -12752,7 +12882,7 @@
                 <a:spcPct val="100000"/>
               </a:lnSpc>
               <a:spcBef>
-                <a:spcPct val="0"/>
+                <a:spcPct val="30000"/>
               </a:spcBef>
               <a:spcAft>
                 <a:spcPct val="0"/>
@@ -12764,70 +12894,44 @@
               <a:tabLst/>
             </a:pPr>
             <a:r>
-              <a:rPr kumimoji="0" lang="fr-FR" altLang="fr-FR" sz="1800" b="0" i="0" u="none" strike="noStrike" cap="none" normalizeH="0" baseline="0" dirty="0">
-                <a:ln>
-                  <a:noFill/>
-                </a:ln>
+              <a:rPr lang="fr-CH" sz="2000" b="0" i="0" dirty="0">
                 <a:solidFill>
-                  <a:schemeClr val="tx1"/>
+                  <a:srgbClr val="212121"/>
                 </a:solidFill>
                 <a:effectLst/>
-                <a:latin typeface="Arial Unicode MS"/>
+                <a:latin typeface="Inter"/>
               </a:rPr>
-              <a:t>&amp;</a:t>
-            </a:r>
-            <a:r>
-              <a:rPr kumimoji="0" lang="fr-FR" altLang="fr-FR" sz="1800" b="0" i="0" u="none" strike="noStrike" cap="none" normalizeH="0" baseline="0" dirty="0" err="1">
-                <a:ln>
-                  <a:noFill/>
-                </a:ln>
+              <a:t>&amp;LAYERS=commune</a:t>
+            </a:r>
+          </a:p>
+          <a:p>
+            <a:pPr marL="0" marR="0" lvl="0" indent="0" algn="l" defTabSz="914400" rtl="0" eaLnBrk="0" fontAlgn="base" latinLnBrk="0" hangingPunct="0">
+              <a:lnSpc>
+                <a:spcPct val="100000"/>
+              </a:lnSpc>
+              <a:spcBef>
+                <a:spcPct val="30000"/>
+              </a:spcBef>
+              <a:spcAft>
+                <a:spcPct val="0"/>
+              </a:spcAft>
+              <a:buClrTx/>
+              <a:buSzTx/>
+              <a:buFontTx/>
+              <a:buNone/>
+              <a:tabLst/>
+            </a:pPr>
+            <a:r>
+              <a:rPr lang="fr-CH" sz="2000" b="0" i="0" dirty="0">
                 <a:solidFill>
-                  <a:schemeClr val="tx1"/>
+                  <a:srgbClr val="212121"/>
                 </a:solidFill>
                 <a:effectLst/>
-                <a:latin typeface="Arial Unicode MS"/>
+                <a:latin typeface="Inter"/>
               </a:rPr>
-              <a:t>map</a:t>
-            </a:r>
-            <a:r>
-              <a:rPr kumimoji="0" lang="fr-FR" altLang="fr-FR" sz="1800" b="0" i="0" u="none" strike="noStrike" cap="none" normalizeH="0" baseline="0" dirty="0">
-                <a:ln>
-                  <a:noFill/>
-                </a:ln>
-                <a:solidFill>
-                  <a:schemeClr val="tx1"/>
-                </a:solidFill>
-                <a:effectLst/>
-                <a:latin typeface="Arial Unicode MS"/>
-              </a:rPr>
-              <a:t>=</a:t>
-            </a:r>
-            <a:r>
-              <a:rPr kumimoji="0" lang="fr-FR" altLang="fr-FR" sz="1800" b="0" i="0" u="none" strike="noStrike" cap="none" normalizeH="0" baseline="0" dirty="0" err="1">
-                <a:ln>
-                  <a:noFill/>
-                </a:ln>
-                <a:solidFill>
-                  <a:schemeClr val="tx1"/>
-                </a:solidFill>
-                <a:effectLst/>
-                <a:latin typeface="Arial Unicode MS"/>
-              </a:rPr>
-              <a:t>cfgeo.qgz</a:t>
-            </a:r>
-            <a:r>
-              <a:rPr kumimoji="0" lang="fr-FR" altLang="fr-FR" sz="1800" b="0" i="0" u="none" strike="noStrike" cap="none" normalizeH="0" baseline="0" dirty="0">
-                <a:ln>
-                  <a:noFill/>
-                </a:ln>
-                <a:solidFill>
-                  <a:schemeClr val="tx1"/>
-                </a:solidFill>
-                <a:effectLst/>
-              </a:rPr>
-              <a:t> </a:t>
-            </a:r>
-            <a:endParaRPr kumimoji="0" lang="fr-FR" altLang="fr-FR" sz="1800" b="0" i="0" u="none" strike="noStrike" cap="none" normalizeH="0" baseline="0" dirty="0">
+              <a:t>&amp;FORMAT=image/jpeg</a:t>
+            </a:r>
+            <a:endParaRPr kumimoji="0" lang="fr-FR" altLang="fr-FR" sz="2000" b="0" i="0" u="none" strike="noStrike" cap="none" normalizeH="0" baseline="0" dirty="0">
               <a:ln>
                 <a:noFill/>
               </a:ln>
@@ -12842,10 +12946,10 @@
       </p:sp>
       <p:pic>
         <p:nvPicPr>
-          <p:cNvPr id="6" name="Picture 5">
+          <p:cNvPr id="3" name="Picture 2">
             <a:extLst>
               <a:ext uri="{FF2B5EF4-FFF2-40B4-BE49-F238E27FC236}">
-                <a16:creationId xmlns:a16="http://schemas.microsoft.com/office/drawing/2014/main" id="{71DC0AD5-4276-4C88-B1C9-667236EA3C0B}"/>
+                <a16:creationId xmlns:a16="http://schemas.microsoft.com/office/drawing/2014/main" id="{A2EA95C5-710E-467D-AD57-FB031DE2FB6C}"/>
               </a:ext>
             </a:extLst>
           </p:cNvPr>
@@ -12862,8 +12966,8 @@
         </p:blipFill>
         <p:spPr>
           <a:xfrm>
-            <a:off x="3837103" y="3017035"/>
-            <a:ext cx="5000393" cy="2585323"/>
+            <a:off x="5940080" y="3807593"/>
+            <a:ext cx="2718795" cy="2288407"/>
           </a:xfrm>
           <a:prstGeom prst="rect">
             <a:avLst/>
@@ -12873,7 +12977,7 @@
     </p:spTree>
     <p:extLst>
       <p:ext uri="{BB962C8B-B14F-4D97-AF65-F5344CB8AC3E}">
-        <p14:creationId xmlns:p14="http://schemas.microsoft.com/office/powerpoint/2010/main" val="3894378942"/>
+        <p14:creationId xmlns:p14="http://schemas.microsoft.com/office/powerpoint/2010/main" val="1493302573"/>
       </p:ext>
     </p:extLst>
   </p:cSld>

--- a/slides/qgis.pptx
+++ b/slides/qgis.pptx
@@ -316,7 +316,7 @@
       </p15:notesGuideLst>
     </p:ext>
     <p:ext uri="http://customooxmlschemas.google.com/">
-      <go:slidesCustomData xmlns="" xmlns:mc="http://schemas.openxmlformats.org/markup-compatibility/2006" xmlns:mv="urn:schemas-microsoft-com:mac:vml" xmlns:c="http://schemas.openxmlformats.org/drawingml/2006/chart" xmlns:dgm="http://schemas.openxmlformats.org/drawingml/2006/diagram" xmlns:o="urn:schemas-microsoft-com:office:office" xmlns:v="urn:schemas-microsoft-com:vml" xmlns:pvml="urn:schemas-microsoft-com:office:powerpoint" xmlns:com="http://schemas.openxmlformats.org/drawingml/2006/compatibility" xmlns:p14="http://schemas.microsoft.com/office/powerpoint/2010/main" xmlns:p15="http://schemas.microsoft.com/office/powerpoint/2012/main" xmlns:ahyp="http://schemas.microsoft.com/office/drawing/2018/hyperlinkcolor" xmlns:go="http://customooxmlschemas.google.com/" r:id="rId89" roundtripDataSignature="AMtx7mh019ysyy8ngHVmXeADEBCdWKWQmw=="/>
+      <go:slidesCustomData xmlns:go="http://customooxmlschemas.google.com/" xmlns:ahyp="http://schemas.microsoft.com/office/drawing/2018/hyperlinkcolor" xmlns:p15="http://schemas.microsoft.com/office/powerpoint/2012/main" xmlns:p14="http://schemas.microsoft.com/office/powerpoint/2010/main" xmlns:com="http://schemas.openxmlformats.org/drawingml/2006/compatibility" xmlns:pvml="urn:schemas-microsoft-com:office:powerpoint" xmlns:v="urn:schemas-microsoft-com:vml" xmlns:o="urn:schemas-microsoft-com:office:office" xmlns:dgm="http://schemas.openxmlformats.org/drawingml/2006/diagram" xmlns:c="http://schemas.openxmlformats.org/drawingml/2006/chart" xmlns:mv="urn:schemas-microsoft-com:mac:vml" xmlns:mc="http://schemas.openxmlformats.org/markup-compatibility/2006" xmlns="" r:id="rId89" roundtripDataSignature="AMtx7mh019ysyy8ngHVmXeADEBCdWKWQmw=="/>
     </p:ext>
   </p:extLst>
 </p:presentation>
@@ -6058,7 +6058,7 @@
         <p14:doors dir="vert"/>
       </p:transition>
     </mc:Choice>
-    <mc:Fallback xmlns="" xmlns:mv="urn:schemas-microsoft-com:mac:vml" xmlns:c="http://schemas.openxmlformats.org/drawingml/2006/chart" xmlns:dgm="http://schemas.openxmlformats.org/drawingml/2006/diagram" xmlns:o="urn:schemas-microsoft-com:office:office" xmlns:v="urn:schemas-microsoft-com:vml" xmlns:pvml="urn:schemas-microsoft-com:office:powerpoint" xmlns:com="http://schemas.openxmlformats.org/drawingml/2006/compatibility" xmlns:p15="http://schemas.microsoft.com/office/powerpoint/2012/main" xmlns:ahyp="http://schemas.microsoft.com/office/drawing/2018/hyperlinkcolor">
+    <mc:Fallback xmlns:ahyp="http://schemas.microsoft.com/office/drawing/2018/hyperlinkcolor" xmlns:p15="http://schemas.microsoft.com/office/powerpoint/2012/main" xmlns:com="http://schemas.openxmlformats.org/drawingml/2006/compatibility" xmlns:pvml="urn:schemas-microsoft-com:office:powerpoint" xmlns:v="urn:schemas-microsoft-com:vml" xmlns:o="urn:schemas-microsoft-com:office:office" xmlns:dgm="http://schemas.openxmlformats.org/drawingml/2006/diagram" xmlns:c="http://schemas.openxmlformats.org/drawingml/2006/chart" xmlns:mv="urn:schemas-microsoft-com:mac:vml" xmlns="">
       <p:transition spd="med">
         <p:fade/>
       </p:transition>
@@ -7861,7 +7861,7 @@
         </p:nvSpPr>
         <p:spPr>
           <a:xfrm>
-            <a:off x="1591734" y="3305838"/>
+            <a:off x="1566334" y="3314305"/>
             <a:ext cx="6375400" cy="738664"/>
           </a:xfrm>
           <a:prstGeom prst="rect">
